--- a/Documentation/project presentation.pptx
+++ b/Documentation/project presentation.pptx
@@ -10,7 +10,7 @@
   <p:sldIdLst>
     <p:sldId id="267" r:id="rId2"/>
     <p:sldId id="257" r:id="rId3"/>
-    <p:sldId id="256" r:id="rId4"/>
+    <p:sldId id="268" r:id="rId4"/>
     <p:sldId id="258" r:id="rId5"/>
     <p:sldId id="259" r:id="rId6"/>
     <p:sldId id="260" r:id="rId7"/>
@@ -4135,39 +4135,6 @@
         </a:p>
       </dgm:t>
     </dgm:pt>
-    <dgm:pt modelId="{C7B50BA7-1A04-48AC-8A29-6B232BF88F07}">
-      <dgm:prSet/>
-      <dgm:spPr/>
-      <dgm:t>
-        <a:bodyPr/>
-        <a:lstStyle/>
-        <a:p>
-          <a:endParaRPr lang="en-US" dirty="0"/>
-        </a:p>
-      </dgm:t>
-    </dgm:pt>
-    <dgm:pt modelId="{45049E2A-725B-4A71-A6A7-DA850399D486}" type="parTrans" cxnId="{516249AF-C09F-4491-97EC-71175E9A0E29}">
-      <dgm:prSet/>
-      <dgm:spPr/>
-      <dgm:t>
-        <a:bodyPr/>
-        <a:lstStyle/>
-        <a:p>
-          <a:endParaRPr lang="en-US"/>
-        </a:p>
-      </dgm:t>
-    </dgm:pt>
-    <dgm:pt modelId="{23184291-C2BA-4152-9B6F-4CEE4DEF446F}" type="sibTrans" cxnId="{516249AF-C09F-4491-97EC-71175E9A0E29}">
-      <dgm:prSet/>
-      <dgm:spPr/>
-      <dgm:t>
-        <a:bodyPr/>
-        <a:lstStyle/>
-        <a:p>
-          <a:endParaRPr lang="en-US"/>
-        </a:p>
-      </dgm:t>
-    </dgm:pt>
     <dgm:pt modelId="{A91D9D3B-0A68-448C-AF6D-F9B73BDE8878}">
       <dgm:prSet/>
       <dgm:spPr/>
@@ -4214,7 +4181,7 @@
       <dgm:spPr/>
     </dgm:pt>
     <dgm:pt modelId="{CB1FBA91-AF5A-4EA9-9FB5-A72B579556AE}" type="pres">
-      <dgm:prSet presAssocID="{63EA8F22-8F57-454A-862C-2B0C5E1E55C9}" presName="node" presStyleLbl="node1" presStyleIdx="0" presStyleCnt="7" custScaleX="77992" custScaleY="34852" custLinFactNeighborX="-30352" custLinFactNeighborY="-9918">
+      <dgm:prSet presAssocID="{63EA8F22-8F57-454A-862C-2B0C5E1E55C9}" presName="node" presStyleLbl="node1" presStyleIdx="0" presStyleCnt="6" custScaleX="74767" custScaleY="12641" custLinFactNeighborX="-14427" custLinFactNeighborY="-4415">
         <dgm:presLayoutVars>
           <dgm:bulletEnabled val="1"/>
         </dgm:presLayoutVars>
@@ -4226,7 +4193,7 @@
       <dgm:spPr/>
     </dgm:pt>
     <dgm:pt modelId="{98185D89-84C1-49C0-B5E7-96D3524BECBF}" type="pres">
-      <dgm:prSet presAssocID="{2872FAE9-FBC6-4E63-BA7A-024AD2084549}" presName="node" presStyleLbl="node1" presStyleIdx="1" presStyleCnt="7" custScaleX="64214" custScaleY="27610" custLinFactNeighborX="20651" custLinFactNeighborY="-11464">
+      <dgm:prSet presAssocID="{2872FAE9-FBC6-4E63-BA7A-024AD2084549}" presName="node" presStyleLbl="node1" presStyleIdx="1" presStyleCnt="6" custScaleX="64214" custScaleY="27610" custLinFactNeighborX="12938" custLinFactNeighborY="-3649">
         <dgm:presLayoutVars>
           <dgm:bulletEnabled val="1"/>
         </dgm:presLayoutVars>
@@ -4238,7 +4205,7 @@
       <dgm:spPr/>
     </dgm:pt>
     <dgm:pt modelId="{F4109862-48E1-4387-9976-3FC0F0528713}" type="pres">
-      <dgm:prSet presAssocID="{D300B334-2F44-460D-A87E-08823F1A27B8}" presName="node" presStyleLbl="node1" presStyleIdx="2" presStyleCnt="7" custScaleX="79701" custScaleY="29913" custLinFactNeighborX="-21754" custLinFactNeighborY="-23807">
+      <dgm:prSet presAssocID="{D300B334-2F44-460D-A87E-08823F1A27B8}" presName="node" presStyleLbl="node1" presStyleIdx="2" presStyleCnt="6" custScaleX="79701" custScaleY="21475" custLinFactNeighborX="-21754" custLinFactNeighborY="-23807">
         <dgm:presLayoutVars>
           <dgm:bulletEnabled val="1"/>
         </dgm:presLayoutVars>
@@ -4250,7 +4217,7 @@
       <dgm:spPr/>
     </dgm:pt>
     <dgm:pt modelId="{F5DEF34C-CC57-4A8A-9BDB-BC00E1F4EA30}" type="pres">
-      <dgm:prSet presAssocID="{5D7A5F09-7CF3-45ED-BAD4-8959578039BC}" presName="node" presStyleLbl="node1" presStyleIdx="3" presStyleCnt="7" custScaleX="79701" custScaleY="29913" custLinFactX="-9855" custLinFactNeighborX="-100000" custLinFactNeighborY="43509">
+      <dgm:prSet presAssocID="{5D7A5F09-7CF3-45ED-BAD4-8959578039BC}" presName="node" presStyleLbl="node1" presStyleIdx="3" presStyleCnt="6" custScaleX="79701" custScaleY="29913" custLinFactX="-9855" custLinFactNeighborX="-100000" custLinFactNeighborY="43509">
         <dgm:presLayoutVars>
           <dgm:bulletEnabled val="1"/>
         </dgm:presLayoutVars>
@@ -4262,7 +4229,7 @@
       <dgm:spPr/>
     </dgm:pt>
     <dgm:pt modelId="{5C3FE1C6-0057-4381-8B32-7C4B13CC2AD7}" type="pres">
-      <dgm:prSet presAssocID="{76E8D21E-AA07-4C96-A2A8-4003AAEAF00E}" presName="node" presStyleLbl="node1" presStyleIdx="4" presStyleCnt="7" custScaleX="68032" custScaleY="29913" custLinFactX="49589" custLinFactNeighborX="100000" custLinFactNeighborY="-64693">
+      <dgm:prSet presAssocID="{76E8D21E-AA07-4C96-A2A8-4003AAEAF00E}" presName="node" presStyleLbl="node1" presStyleIdx="4" presStyleCnt="6" custScaleX="68032" custScaleY="29913" custLinFactX="49589" custLinFactNeighborX="100000" custLinFactNeighborY="-64693">
         <dgm:presLayoutVars>
           <dgm:bulletEnabled val="1"/>
         </dgm:presLayoutVars>
@@ -4273,20 +4240,8 @@
       <dgm:prSet presAssocID="{AC647E4D-03EA-4F97-B603-87CA66F39A2A}" presName="sibTrans" presStyleCnt="0"/>
       <dgm:spPr/>
     </dgm:pt>
-    <dgm:pt modelId="{4D7298E6-E690-478B-B890-C03295B28457}" type="pres">
-      <dgm:prSet presAssocID="{C7B50BA7-1A04-48AC-8A29-6B232BF88F07}" presName="node" presStyleLbl="node1" presStyleIdx="5" presStyleCnt="7" custScaleX="66667" custScaleY="29913" custLinFactNeighborX="71381" custLinFactNeighborY="-25430">
-        <dgm:presLayoutVars>
-          <dgm:bulletEnabled val="1"/>
-        </dgm:presLayoutVars>
-      </dgm:prSet>
-      <dgm:spPr/>
-    </dgm:pt>
-    <dgm:pt modelId="{A09A3E6F-1807-47FF-B9AA-C2222521E758}" type="pres">
-      <dgm:prSet presAssocID="{23184291-C2BA-4152-9B6F-4CEE4DEF446F}" presName="sibTrans" presStyleCnt="0"/>
-      <dgm:spPr/>
-    </dgm:pt>
     <dgm:pt modelId="{AC2AC369-B2F5-4A75-B3AC-C8C603000FA3}" type="pres">
-      <dgm:prSet presAssocID="{A91D9D3B-0A68-448C-AF6D-F9B73BDE8878}" presName="node" presStyleLbl="node1" presStyleIdx="6" presStyleCnt="7" custScaleX="81683" custScaleY="25456" custLinFactX="-43604" custLinFactNeighborX="-100000" custLinFactNeighborY="-37899">
+      <dgm:prSet presAssocID="{A91D9D3B-0A68-448C-AF6D-F9B73BDE8878}" presName="node" presStyleLbl="node1" presStyleIdx="5" presStyleCnt="6" custScaleX="81683" custScaleY="25456" custLinFactX="-43604" custLinFactNeighborX="-100000" custLinFactNeighborY="-37899">
         <dgm:presLayoutVars>
           <dgm:bulletEnabled val="1"/>
         </dgm:presLayoutVars>
@@ -4297,7 +4252,6 @@
   <dgm:cxnLst>
     <dgm:cxn modelId="{06300200-153F-4466-A8D3-86F06D99E802}" srcId="{66A721EB-E578-4B8E-ABA8-17E4B671B81A}" destId="{D300B334-2F44-460D-A87E-08823F1A27B8}" srcOrd="2" destOrd="0" parTransId="{CFECBB5D-C5EC-45EC-896E-4D4C60598556}" sibTransId="{A77293D9-57B6-4CC2-A70F-A636CAF58BF3}"/>
     <dgm:cxn modelId="{677D2014-4347-4C8A-82E4-AFB415D451CD}" type="presOf" srcId="{5D7A5F09-7CF3-45ED-BAD4-8959578039BC}" destId="{F5DEF34C-CC57-4A8A-9BDB-BC00E1F4EA30}" srcOrd="0" destOrd="0" presId="urn:microsoft.com/office/officeart/2005/8/layout/default"/>
-    <dgm:cxn modelId="{B5313F14-B684-4AD8-8080-B926FE9FF638}" type="presOf" srcId="{C7B50BA7-1A04-48AC-8A29-6B232BF88F07}" destId="{4D7298E6-E690-478B-B890-C03295B28457}" srcOrd="0" destOrd="0" presId="urn:microsoft.com/office/officeart/2005/8/layout/default"/>
     <dgm:cxn modelId="{4FD84028-F35B-4631-988A-0232413059D3}" srcId="{66A721EB-E578-4B8E-ABA8-17E4B671B81A}" destId="{2872FAE9-FBC6-4E63-BA7A-024AD2084549}" srcOrd="1" destOrd="0" parTransId="{CC6CCA1A-75AA-4A1C-B0C5-738A8063C78D}" sibTransId="{49759F3A-8A71-4E30-AD2C-BF64AB738090}"/>
     <dgm:cxn modelId="{B3072E29-3696-41AD-B189-01D3D57849DB}" type="presOf" srcId="{66A721EB-E578-4B8E-ABA8-17E4B671B81A}" destId="{DF2A7E1F-CF6C-462B-8073-C8785F64B7DC}" srcOrd="0" destOrd="0" presId="urn:microsoft.com/office/officeart/2005/8/layout/default"/>
     <dgm:cxn modelId="{3CA3845D-0715-44A0-8A63-2ECBEB38AF50}" srcId="{66A721EB-E578-4B8E-ABA8-17E4B671B81A}" destId="{63EA8F22-8F57-454A-862C-2B0C5E1E55C9}" srcOrd="0" destOrd="0" parTransId="{4D519E8A-9FD9-42ED-9A36-5A5A13CD4876}" sibTransId="{278E7A4A-DD79-4980-83F9-9A841D7540D2}"/>
@@ -4306,8 +4260,7 @@
     <dgm:cxn modelId="{9E671C96-C729-4437-989B-49D03889A283}" type="presOf" srcId="{A91D9D3B-0A68-448C-AF6D-F9B73BDE8878}" destId="{AC2AC369-B2F5-4A75-B3AC-C8C603000FA3}" srcOrd="0" destOrd="0" presId="urn:microsoft.com/office/officeart/2005/8/layout/default"/>
     <dgm:cxn modelId="{3ACD8EA1-2D9F-46AA-B65C-ED637388E7EC}" srcId="{66A721EB-E578-4B8E-ABA8-17E4B671B81A}" destId="{5D7A5F09-7CF3-45ED-BAD4-8959578039BC}" srcOrd="3" destOrd="0" parTransId="{19E16182-9483-4DB6-A57D-26824443EC8C}" sibTransId="{B1CEC8DA-9575-4198-B63D-037768C32078}"/>
     <dgm:cxn modelId="{7A8E51AA-640F-46B9-B13F-61D3D34C876F}" type="presOf" srcId="{63EA8F22-8F57-454A-862C-2B0C5E1E55C9}" destId="{CB1FBA91-AF5A-4EA9-9FB5-A72B579556AE}" srcOrd="0" destOrd="0" presId="urn:microsoft.com/office/officeart/2005/8/layout/default"/>
-    <dgm:cxn modelId="{71F3B4AA-4DB7-4646-988F-76998A4E93C2}" srcId="{66A721EB-E578-4B8E-ABA8-17E4B671B81A}" destId="{A91D9D3B-0A68-448C-AF6D-F9B73BDE8878}" srcOrd="6" destOrd="0" parTransId="{EBF5E051-3002-42A3-B7D9-0F47B2B69513}" sibTransId="{D177EBE5-1401-4E0A-AE71-12BA21B6609E}"/>
-    <dgm:cxn modelId="{516249AF-C09F-4491-97EC-71175E9A0E29}" srcId="{66A721EB-E578-4B8E-ABA8-17E4B671B81A}" destId="{C7B50BA7-1A04-48AC-8A29-6B232BF88F07}" srcOrd="5" destOrd="0" parTransId="{45049E2A-725B-4A71-A6A7-DA850399D486}" sibTransId="{23184291-C2BA-4152-9B6F-4CEE4DEF446F}"/>
+    <dgm:cxn modelId="{71F3B4AA-4DB7-4646-988F-76998A4E93C2}" srcId="{66A721EB-E578-4B8E-ABA8-17E4B671B81A}" destId="{A91D9D3B-0A68-448C-AF6D-F9B73BDE8878}" srcOrd="5" destOrd="0" parTransId="{EBF5E051-3002-42A3-B7D9-0F47B2B69513}" sibTransId="{D177EBE5-1401-4E0A-AE71-12BA21B6609E}"/>
     <dgm:cxn modelId="{334939D0-33B6-4B07-A3B6-2FB330B4BE52}" type="presOf" srcId="{D300B334-2F44-460D-A87E-08823F1A27B8}" destId="{F4109862-48E1-4387-9976-3FC0F0528713}" srcOrd="0" destOrd="0" presId="urn:microsoft.com/office/officeart/2005/8/layout/default"/>
     <dgm:cxn modelId="{F42868F4-B045-4FC8-95E6-7F62DBCBDCB7}" type="presOf" srcId="{76E8D21E-AA07-4C96-A2A8-4003AAEAF00E}" destId="{5C3FE1C6-0057-4381-8B32-7C4B13CC2AD7}" srcOrd="0" destOrd="0" presId="urn:microsoft.com/office/officeart/2005/8/layout/default"/>
     <dgm:cxn modelId="{636B3494-8AF6-4A9A-8289-1F7582D3ED86}" type="presParOf" srcId="{DF2A7E1F-CF6C-462B-8073-C8785F64B7DC}" destId="{CB1FBA91-AF5A-4EA9-9FB5-A72B579556AE}" srcOrd="0" destOrd="0" presId="urn:microsoft.com/office/officeart/2005/8/layout/default"/>
@@ -4320,9 +4273,7 @@
     <dgm:cxn modelId="{42846C67-096F-4C40-836A-F42294BB13A2}" type="presParOf" srcId="{DF2A7E1F-CF6C-462B-8073-C8785F64B7DC}" destId="{126C0BC8-E9A3-44B8-A071-13B22F853898}" srcOrd="7" destOrd="0" presId="urn:microsoft.com/office/officeart/2005/8/layout/default"/>
     <dgm:cxn modelId="{7DEFD7F9-001B-46EB-AFDF-E21033E0D977}" type="presParOf" srcId="{DF2A7E1F-CF6C-462B-8073-C8785F64B7DC}" destId="{5C3FE1C6-0057-4381-8B32-7C4B13CC2AD7}" srcOrd="8" destOrd="0" presId="urn:microsoft.com/office/officeart/2005/8/layout/default"/>
     <dgm:cxn modelId="{99A8EDC0-31C5-4E86-AA8C-82F1338C0830}" type="presParOf" srcId="{DF2A7E1F-CF6C-462B-8073-C8785F64B7DC}" destId="{7D50D2F4-5C08-47C4-83BE-21572BF3748E}" srcOrd="9" destOrd="0" presId="urn:microsoft.com/office/officeart/2005/8/layout/default"/>
-    <dgm:cxn modelId="{68BB39BF-711F-404E-9B8A-CCCC85E800A4}" type="presParOf" srcId="{DF2A7E1F-CF6C-462B-8073-C8785F64B7DC}" destId="{4D7298E6-E690-478B-B890-C03295B28457}" srcOrd="10" destOrd="0" presId="urn:microsoft.com/office/officeart/2005/8/layout/default"/>
-    <dgm:cxn modelId="{5F0993B9-59FD-45E0-B68C-83E57AA3A34C}" type="presParOf" srcId="{DF2A7E1F-CF6C-462B-8073-C8785F64B7DC}" destId="{A09A3E6F-1807-47FF-B9AA-C2222521E758}" srcOrd="11" destOrd="0" presId="urn:microsoft.com/office/officeart/2005/8/layout/default"/>
-    <dgm:cxn modelId="{76CCA168-61F7-4B34-863C-C86F481FAFE6}" type="presParOf" srcId="{DF2A7E1F-CF6C-462B-8073-C8785F64B7DC}" destId="{AC2AC369-B2F5-4A75-B3AC-C8C603000FA3}" srcOrd="12" destOrd="0" presId="urn:microsoft.com/office/officeart/2005/8/layout/default"/>
+    <dgm:cxn modelId="{76CCA168-61F7-4B34-863C-C86F481FAFE6}" type="presParOf" srcId="{DF2A7E1F-CF6C-462B-8073-C8785F64B7DC}" destId="{AC2AC369-B2F5-4A75-B3AC-C8C603000FA3}" srcOrd="10" destOrd="0" presId="urn:microsoft.com/office/officeart/2005/8/layout/default"/>
   </dgm:cxnLst>
   <dgm:bg/>
   <dgm:whole/>
@@ -4356,7 +4307,7 @@
         <a:lstStyle/>
         <a:p>
           <a:r>
-            <a:rPr lang="en-US"/>
+            <a:rPr lang="en-US" dirty="0"/>
             <a:t>Data processing for some set of questions.</a:t>
           </a:r>
         </a:p>
@@ -5620,7 +5571,7 @@
       </dsp:nvSpPr>
       <dsp:spPr>
         <a:xfrm>
-          <a:off x="5134" y="1083509"/>
+          <a:off x="5134" y="1105834"/>
           <a:ext cx="1591716" cy="1987469"/>
         </a:xfrm>
         <a:prstGeom prst="roundRect">
@@ -5688,7 +5639,7 @@
         </a:p>
       </dsp:txBody>
       <dsp:txXfrm>
-        <a:off x="51754" y="1130129"/>
+        <a:off x="51754" y="1152454"/>
         <a:ext cx="1498476" cy="1894229"/>
       </dsp:txXfrm>
     </dsp:sp>
@@ -5699,7 +5650,7 @@
       </dsp:nvSpPr>
       <dsp:spPr>
         <a:xfrm>
-          <a:off x="1756023" y="1879871"/>
+          <a:off x="1756023" y="1902196"/>
           <a:ext cx="337443" cy="394745"/>
         </a:xfrm>
         <a:prstGeom prst="rightArrow">
@@ -5757,7 +5708,7 @@
         </a:p>
       </dsp:txBody>
       <dsp:txXfrm>
-        <a:off x="1756023" y="1958820"/>
+        <a:off x="1756023" y="1981145"/>
         <a:ext cx="236210" cy="236847"/>
       </dsp:txXfrm>
     </dsp:sp>
@@ -5768,7 +5719,7 @@
       </dsp:nvSpPr>
       <dsp:spPr>
         <a:xfrm>
-          <a:off x="2233538" y="1083509"/>
+          <a:off x="2233538" y="1105834"/>
           <a:ext cx="1591716" cy="1987469"/>
         </a:xfrm>
         <a:prstGeom prst="roundRect">
@@ -5836,7 +5787,7 @@
         </a:p>
       </dsp:txBody>
       <dsp:txXfrm>
-        <a:off x="2280158" y="1130129"/>
+        <a:off x="2280158" y="1152454"/>
         <a:ext cx="1498476" cy="1894229"/>
       </dsp:txXfrm>
     </dsp:sp>
@@ -5847,7 +5798,7 @@
       </dsp:nvSpPr>
       <dsp:spPr>
         <a:xfrm>
-          <a:off x="3984426" y="1879871"/>
+          <a:off x="3984426" y="1902196"/>
           <a:ext cx="337443" cy="394745"/>
         </a:xfrm>
         <a:prstGeom prst="rightArrow">
@@ -5905,7 +5856,7 @@
         </a:p>
       </dsp:txBody>
       <dsp:txXfrm>
-        <a:off x="3984426" y="1958820"/>
+        <a:off x="3984426" y="1981145"/>
         <a:ext cx="236210" cy="236847"/>
       </dsp:txXfrm>
     </dsp:sp>
@@ -5916,7 +5867,7 @@
       </dsp:nvSpPr>
       <dsp:spPr>
         <a:xfrm>
-          <a:off x="4461941" y="1083509"/>
+          <a:off x="4461941" y="1105834"/>
           <a:ext cx="1591716" cy="1987469"/>
         </a:xfrm>
         <a:prstGeom prst="roundRect">
@@ -5984,7 +5935,7 @@
         </a:p>
       </dsp:txBody>
       <dsp:txXfrm>
-        <a:off x="4508561" y="1130129"/>
+        <a:off x="4508561" y="1152454"/>
         <a:ext cx="1498476" cy="1894229"/>
       </dsp:txXfrm>
     </dsp:sp>
@@ -5995,7 +5946,7 @@
       </dsp:nvSpPr>
       <dsp:spPr>
         <a:xfrm>
-          <a:off x="6212830" y="1879871"/>
+          <a:off x="6212830" y="1902196"/>
           <a:ext cx="337443" cy="394745"/>
         </a:xfrm>
         <a:prstGeom prst="rightArrow">
@@ -6053,7 +6004,7 @@
         </a:p>
       </dsp:txBody>
       <dsp:txXfrm>
-        <a:off x="6212830" y="1958820"/>
+        <a:off x="6212830" y="1981145"/>
         <a:ext cx="236210" cy="236847"/>
       </dsp:txXfrm>
     </dsp:sp>
@@ -6064,7 +6015,7 @@
       </dsp:nvSpPr>
       <dsp:spPr>
         <a:xfrm>
-          <a:off x="6690345" y="1083509"/>
+          <a:off x="6690345" y="1105834"/>
           <a:ext cx="1591716" cy="1987469"/>
         </a:xfrm>
         <a:prstGeom prst="roundRect">
@@ -6132,7 +6083,7 @@
         </a:p>
       </dsp:txBody>
       <dsp:txXfrm>
-        <a:off x="6736965" y="1130129"/>
+        <a:off x="6736965" y="1152454"/>
         <a:ext cx="1498476" cy="1894229"/>
       </dsp:txXfrm>
     </dsp:sp>
@@ -6143,7 +6094,7 @@
       </dsp:nvSpPr>
       <dsp:spPr>
         <a:xfrm>
-          <a:off x="8441233" y="1879871"/>
+          <a:off x="8441233" y="1902196"/>
           <a:ext cx="337443" cy="394745"/>
         </a:xfrm>
         <a:prstGeom prst="rightArrow">
@@ -6201,7 +6152,7 @@
         </a:p>
       </dsp:txBody>
       <dsp:txXfrm>
-        <a:off x="8441233" y="1958820"/>
+        <a:off x="8441233" y="1981145"/>
         <a:ext cx="236210" cy="236847"/>
       </dsp:txXfrm>
     </dsp:sp>
@@ -6212,7 +6163,7 @@
       </dsp:nvSpPr>
       <dsp:spPr>
         <a:xfrm>
-          <a:off x="8918748" y="1083509"/>
+          <a:off x="8918748" y="1105834"/>
           <a:ext cx="1591716" cy="1987469"/>
         </a:xfrm>
         <a:prstGeom prst="roundRect">
@@ -6280,7 +6231,7 @@
         </a:p>
       </dsp:txBody>
       <dsp:txXfrm>
-        <a:off x="8965368" y="1130129"/>
+        <a:off x="8965368" y="1152454"/>
         <a:ext cx="1498476" cy="1894229"/>
       </dsp:txXfrm>
     </dsp:sp>
@@ -6303,8 +6254,8 @@
       </dsp:nvSpPr>
       <dsp:spPr>
         <a:xfrm>
-          <a:off x="478810" y="140082"/>
-          <a:ext cx="3167430" cy="849250"/>
+          <a:off x="50888" y="241267"/>
+          <a:ext cx="4194632" cy="425516"/>
         </a:xfrm>
         <a:prstGeom prst="rect">
           <a:avLst/>
@@ -6360,12 +6311,12 @@
         </a:fontRef>
       </dsp:style>
       <dsp:txBody>
-        <a:bodyPr spcFirstLastPara="0" vert="horz" wrap="square" lIns="106680" tIns="106680" rIns="106680" bIns="106680" numCol="1" spcCol="1270" anchor="ctr" anchorCtr="0">
+        <a:bodyPr spcFirstLastPara="0" vert="horz" wrap="square" lIns="72390" tIns="72390" rIns="72390" bIns="72390" numCol="1" spcCol="1270" anchor="ctr" anchorCtr="0">
           <a:noAutofit/>
         </a:bodyPr>
         <a:lstStyle/>
         <a:p>
-          <a:pPr marL="0" lvl="0" indent="0" algn="ctr" defTabSz="1244600">
+          <a:pPr marL="0" lvl="0" indent="0" algn="ctr" defTabSz="844550">
             <a:lnSpc>
               <a:spcPct val="90000"/>
             </a:lnSpc>
@@ -6378,14 +6329,14 @@
             <a:buNone/>
           </a:pPr>
           <a:r>
-            <a:rPr lang="en-US" sz="2800" kern="1200" dirty="0"/>
+            <a:rPr lang="en-US" sz="1900" kern="1200" dirty="0"/>
             <a:t>Java</a:t>
           </a:r>
         </a:p>
       </dsp:txBody>
       <dsp:txXfrm>
-        <a:off x="478810" y="140082"/>
-        <a:ext cx="3167430" cy="849250"/>
+        <a:off x="50888" y="241267"/>
+        <a:ext cx="4194632" cy="425516"/>
       </dsp:txXfrm>
     </dsp:sp>
     <dsp:sp modelId="{98185D89-84C1-49C0-B5E7-96D3524BECBF}">
@@ -6395,8 +6346,8 @@
       </dsp:nvSpPr>
       <dsp:spPr>
         <a:xfrm>
-          <a:off x="6123710" y="190644"/>
-          <a:ext cx="2607875" cy="672782"/>
+          <a:off x="6341799" y="15112"/>
+          <a:ext cx="3602580" cy="929397"/>
         </a:xfrm>
         <a:prstGeom prst="rect">
           <a:avLst/>
@@ -6452,12 +6403,12 @@
         </a:fontRef>
       </dsp:style>
       <dsp:txBody>
-        <a:bodyPr spcFirstLastPara="0" vert="horz" wrap="square" lIns="106680" tIns="106680" rIns="106680" bIns="106680" numCol="1" spcCol="1270" anchor="ctr" anchorCtr="0">
+        <a:bodyPr spcFirstLastPara="0" vert="horz" wrap="square" lIns="72390" tIns="72390" rIns="72390" bIns="72390" numCol="1" spcCol="1270" anchor="ctr" anchorCtr="0">
           <a:noAutofit/>
         </a:bodyPr>
         <a:lstStyle/>
         <a:p>
-          <a:pPr marL="0" lvl="0" indent="0" algn="ctr" defTabSz="1244600">
+          <a:pPr marL="0" lvl="0" indent="0" algn="ctr" defTabSz="844550">
             <a:lnSpc>
               <a:spcPct val="90000"/>
             </a:lnSpc>
@@ -6470,14 +6421,14 @@
             <a:buNone/>
           </a:pPr>
           <a:r>
-            <a:rPr lang="en-US" sz="2800" kern="1200" dirty="0"/>
+            <a:rPr lang="en-US" sz="1900" kern="1200" dirty="0"/>
             <a:t>Protege</a:t>
           </a:r>
         </a:p>
       </dsp:txBody>
       <dsp:txXfrm>
-        <a:off x="6123710" y="190644"/>
-        <a:ext cx="2607875" cy="672782"/>
+        <a:off x="6341799" y="15112"/>
+        <a:ext cx="3602580" cy="929397"/>
       </dsp:txXfrm>
     </dsp:sp>
     <dsp:sp modelId="{F4109862-48E1-4387-9976-3FC0F0528713}">
@@ -6487,8 +6438,8 @@
       </dsp:nvSpPr>
       <dsp:spPr>
         <a:xfrm>
-          <a:off x="478810" y="1057017"/>
-          <a:ext cx="3236836" cy="728900"/>
+          <a:off x="0" y="969004"/>
+          <a:ext cx="4471443" cy="722883"/>
         </a:xfrm>
         <a:prstGeom prst="rect">
           <a:avLst/>
@@ -6544,12 +6495,12 @@
         </a:fontRef>
       </dsp:style>
       <dsp:txBody>
-        <a:bodyPr spcFirstLastPara="0" vert="horz" wrap="square" lIns="106680" tIns="106680" rIns="106680" bIns="106680" numCol="1" spcCol="1270" anchor="ctr" anchorCtr="0">
+        <a:bodyPr spcFirstLastPara="0" vert="horz" wrap="square" lIns="72390" tIns="72390" rIns="72390" bIns="72390" numCol="1" spcCol="1270" anchor="ctr" anchorCtr="0">
           <a:noAutofit/>
         </a:bodyPr>
         <a:lstStyle/>
         <a:p>
-          <a:pPr marL="0" lvl="0" indent="0" algn="ctr" defTabSz="1244600">
+          <a:pPr marL="0" lvl="0" indent="0" algn="ctr" defTabSz="844550">
             <a:lnSpc>
               <a:spcPct val="90000"/>
             </a:lnSpc>
@@ -6562,14 +6513,14 @@
             <a:buNone/>
           </a:pPr>
           <a:r>
-            <a:rPr lang="en-US" sz="2800" kern="1200" dirty="0"/>
+            <a:rPr lang="en-US" sz="1900" kern="1200" dirty="0"/>
             <a:t>Scala</a:t>
           </a:r>
         </a:p>
       </dsp:txBody>
       <dsp:txXfrm>
-        <a:off x="478810" y="1057017"/>
-        <a:ext cx="3236836" cy="728900"/>
+        <a:off x="0" y="969004"/>
+        <a:ext cx="4471443" cy="722883"/>
       </dsp:txXfrm>
     </dsp:sp>
     <dsp:sp modelId="{F5DEF34C-CC57-4A8A-9BDB-BC00E1F4EA30}">
@@ -6579,8 +6530,8 @@
       </dsp:nvSpPr>
       <dsp:spPr>
         <a:xfrm>
-          <a:off x="543790" y="2697329"/>
-          <a:ext cx="3236836" cy="728900"/>
+          <a:off x="0" y="3092952"/>
+          <a:ext cx="4471443" cy="1006920"/>
         </a:xfrm>
         <a:prstGeom prst="rect">
           <a:avLst/>
@@ -6636,12 +6587,12 @@
         </a:fontRef>
       </dsp:style>
       <dsp:txBody>
-        <a:bodyPr spcFirstLastPara="0" vert="horz" wrap="square" lIns="106680" tIns="106680" rIns="106680" bIns="106680" numCol="1" spcCol="1270" anchor="ctr" anchorCtr="0">
+        <a:bodyPr spcFirstLastPara="0" vert="horz" wrap="square" lIns="72390" tIns="72390" rIns="72390" bIns="72390" numCol="1" spcCol="1270" anchor="ctr" anchorCtr="0">
           <a:noAutofit/>
         </a:bodyPr>
         <a:lstStyle/>
         <a:p>
-          <a:pPr marL="0" lvl="0" indent="0" algn="ctr" defTabSz="1244600">
+          <a:pPr marL="0" lvl="0" indent="0" algn="ctr" defTabSz="844550">
             <a:lnSpc>
               <a:spcPct val="90000"/>
             </a:lnSpc>
@@ -6654,14 +6605,14 @@
             <a:buNone/>
           </a:pPr>
           <a:r>
-            <a:rPr lang="en-US" sz="2800" kern="1200" dirty="0"/>
+            <a:rPr lang="en-US" sz="1900" kern="1200" dirty="0"/>
             <a:t>Owl Ontology</a:t>
           </a:r>
         </a:p>
       </dsp:txBody>
       <dsp:txXfrm>
-        <a:off x="543790" y="2697329"/>
-        <a:ext cx="3236836" cy="728900"/>
+        <a:off x="0" y="3092952"/>
+        <a:ext cx="4471443" cy="1006920"/>
       </dsp:txXfrm>
     </dsp:sp>
     <dsp:sp modelId="{5C3FE1C6-0057-4381-8B32-7C4B13CC2AD7}">
@@ -6671,8 +6622,8 @@
       </dsp:nvSpPr>
       <dsp:spPr>
         <a:xfrm>
-          <a:off x="6077330" y="1195756"/>
-          <a:ext cx="2762932" cy="728900"/>
+          <a:off x="6262024" y="1018644"/>
+          <a:ext cx="3816780" cy="1006920"/>
         </a:xfrm>
         <a:prstGeom prst="rect">
           <a:avLst/>
@@ -6728,12 +6679,12 @@
         </a:fontRef>
       </dsp:style>
       <dsp:txBody>
-        <a:bodyPr spcFirstLastPara="0" vert="horz" wrap="square" lIns="106680" tIns="106680" rIns="106680" bIns="106680" numCol="1" spcCol="1270" anchor="ctr" anchorCtr="0">
+        <a:bodyPr spcFirstLastPara="0" vert="horz" wrap="square" lIns="72390" tIns="72390" rIns="72390" bIns="72390" numCol="1" spcCol="1270" anchor="ctr" anchorCtr="0">
           <a:noAutofit/>
         </a:bodyPr>
         <a:lstStyle/>
         <a:p>
-          <a:pPr marL="0" lvl="0" indent="0" algn="ctr" defTabSz="1244600">
+          <a:pPr marL="0" lvl="0" indent="0" algn="ctr" defTabSz="844550">
             <a:lnSpc>
               <a:spcPct val="90000"/>
             </a:lnSpc>
@@ -6746,26 +6697,26 @@
             <a:buNone/>
           </a:pPr>
           <a:r>
-            <a:rPr lang="en-US" sz="2800" kern="1200" dirty="0" err="1"/>
+            <a:rPr lang="en-US" sz="1900" kern="1200" dirty="0" err="1"/>
             <a:t>Intellij</a:t>
           </a:r>
-          <a:endParaRPr lang="en-US" sz="2800" kern="1200" dirty="0"/>
+          <a:endParaRPr lang="en-US" sz="1900" kern="1200" dirty="0"/>
         </a:p>
       </dsp:txBody>
       <dsp:txXfrm>
-        <a:off x="6077330" y="1195756"/>
-        <a:ext cx="2762932" cy="728900"/>
+        <a:off x="6262024" y="1018644"/>
+        <a:ext cx="3816780" cy="1006920"/>
       </dsp:txXfrm>
     </dsp:sp>
-    <dsp:sp modelId="{4D7298E6-E690-478B-B890-C03295B28457}">
+    <dsp:sp modelId="{AC2AC369-B2F5-4A75-B3AC-C8C603000FA3}">
       <dsp:nvSpPr>
         <dsp:cNvPr id="0" name=""/>
         <dsp:cNvSpPr/>
       </dsp:nvSpPr>
       <dsp:spPr>
         <a:xfrm>
-          <a:off x="6070183" y="2152492"/>
-          <a:ext cx="2707496" cy="728900"/>
+          <a:off x="0" y="1995588"/>
+          <a:ext cx="4582638" cy="856890"/>
         </a:xfrm>
         <a:prstGeom prst="rect">
           <a:avLst/>
@@ -6821,101 +6772,12 @@
         </a:fontRef>
       </dsp:style>
       <dsp:txBody>
-        <a:bodyPr spcFirstLastPara="0" vert="horz" wrap="square" lIns="106680" tIns="106680" rIns="106680" bIns="106680" numCol="1" spcCol="1270" anchor="ctr" anchorCtr="0">
+        <a:bodyPr spcFirstLastPara="0" vert="horz" wrap="square" lIns="72390" tIns="72390" rIns="72390" bIns="72390" numCol="1" spcCol="1270" anchor="ctr" anchorCtr="0">
           <a:noAutofit/>
         </a:bodyPr>
         <a:lstStyle/>
         <a:p>
-          <a:pPr marL="0" lvl="0" indent="0" algn="ctr" defTabSz="1244600">
-            <a:lnSpc>
-              <a:spcPct val="90000"/>
-            </a:lnSpc>
-            <a:spcBef>
-              <a:spcPct val="0"/>
-            </a:spcBef>
-            <a:spcAft>
-              <a:spcPct val="35000"/>
-            </a:spcAft>
-            <a:buNone/>
-          </a:pPr>
-          <a:endParaRPr lang="en-US" sz="2800" kern="1200" dirty="0"/>
-        </a:p>
-      </dsp:txBody>
-      <dsp:txXfrm>
-        <a:off x="6070183" y="2152492"/>
-        <a:ext cx="2707496" cy="728900"/>
-      </dsp:txXfrm>
-    </dsp:sp>
-    <dsp:sp modelId="{AC2AC369-B2F5-4A75-B3AC-C8C603000FA3}">
-      <dsp:nvSpPr>
-        <dsp:cNvPr id="0" name=""/>
-        <dsp:cNvSpPr/>
-      </dsp:nvSpPr>
-      <dsp:spPr>
-        <a:xfrm>
-          <a:off x="452778" y="1902958"/>
-          <a:ext cx="3317330" cy="620295"/>
-        </a:xfrm>
-        <a:prstGeom prst="rect">
-          <a:avLst/>
-        </a:prstGeom>
-        <a:gradFill rotWithShape="0">
-          <a:gsLst>
-            <a:gs pos="0">
-              <a:schemeClr val="accent1">
-                <a:hueOff val="0"/>
-                <a:satOff val="0"/>
-                <a:lumOff val="0"/>
-                <a:alphaOff val="0"/>
-                <a:tint val="98000"/>
-                <a:lumMod val="114000"/>
-              </a:schemeClr>
-            </a:gs>
-            <a:gs pos="100000">
-              <a:schemeClr val="accent1">
-                <a:hueOff val="0"/>
-                <a:satOff val="0"/>
-                <a:lumOff val="0"/>
-                <a:alphaOff val="0"/>
-                <a:shade val="90000"/>
-                <a:lumMod val="84000"/>
-              </a:schemeClr>
-            </a:gs>
-          </a:gsLst>
-          <a:lin ang="5400000" scaled="0"/>
-        </a:gradFill>
-        <a:ln>
-          <a:noFill/>
-        </a:ln>
-        <a:effectLst>
-          <a:outerShdw blurRad="38100" dist="25400" dir="5400000" rotWithShape="0">
-            <a:srgbClr val="000000">
-              <a:alpha val="45000"/>
-            </a:srgbClr>
-          </a:outerShdw>
-        </a:effectLst>
-      </dsp:spPr>
-      <dsp:style>
-        <a:lnRef idx="0">
-          <a:scrgbClr r="0" g="0" b="0"/>
-        </a:lnRef>
-        <a:fillRef idx="3">
-          <a:scrgbClr r="0" g="0" b="0"/>
-        </a:fillRef>
-        <a:effectRef idx="2">
-          <a:scrgbClr r="0" g="0" b="0"/>
-        </a:effectRef>
-        <a:fontRef idx="minor">
-          <a:schemeClr val="lt1"/>
-        </a:fontRef>
-      </dsp:style>
-      <dsp:txBody>
-        <a:bodyPr spcFirstLastPara="0" vert="horz" wrap="square" lIns="106680" tIns="106680" rIns="106680" bIns="106680" numCol="1" spcCol="1270" anchor="ctr" anchorCtr="0">
-          <a:noAutofit/>
-        </a:bodyPr>
-        <a:lstStyle/>
-        <a:p>
-          <a:pPr marL="0" lvl="0" indent="0" algn="ctr" defTabSz="1244600">
+          <a:pPr marL="0" lvl="0" indent="0" algn="ctr" defTabSz="844550">
             <a:lnSpc>
               <a:spcPct val="90000"/>
             </a:lnSpc>
@@ -6928,14 +6790,14 @@
             <a:buNone/>
           </a:pPr>
           <a:r>
-            <a:rPr lang="en-US" sz="2800" kern="1200" dirty="0"/>
+            <a:rPr lang="en-US" sz="1900" kern="1200" dirty="0"/>
             <a:t>Spark</a:t>
           </a:r>
         </a:p>
       </dsp:txBody>
       <dsp:txXfrm>
-        <a:off x="452778" y="1902958"/>
-        <a:ext cx="3317330" cy="620295"/>
+        <a:off x="0" y="1995588"/>
+        <a:ext cx="4582638" cy="856890"/>
       </dsp:txXfrm>
     </dsp:sp>
   </dsp:spTree>
@@ -6957,8 +6819,8 @@
       </dsp:nvSpPr>
       <dsp:spPr>
         <a:xfrm>
-          <a:off x="225102" y="2172"/>
-          <a:ext cx="2860678" cy="1716406"/>
+          <a:off x="1060609" y="2176"/>
+          <a:ext cx="3363454" cy="2018072"/>
         </a:xfrm>
         <a:prstGeom prst="rect">
           <a:avLst/>
@@ -6999,12 +6861,12 @@
         </a:fontRef>
       </dsp:style>
       <dsp:txBody>
-        <a:bodyPr spcFirstLastPara="0" vert="horz" wrap="square" lIns="99060" tIns="99060" rIns="99060" bIns="99060" numCol="1" spcCol="1270" anchor="ctr" anchorCtr="0">
+        <a:bodyPr spcFirstLastPara="0" vert="horz" wrap="square" lIns="118110" tIns="118110" rIns="118110" bIns="118110" numCol="1" spcCol="1270" anchor="ctr" anchorCtr="0">
           <a:noAutofit/>
         </a:bodyPr>
         <a:lstStyle/>
         <a:p>
-          <a:pPr marL="0" lvl="0" indent="0" algn="ctr" defTabSz="1155700">
+          <a:pPr marL="0" lvl="0" indent="0" algn="ctr" defTabSz="1377950">
             <a:lnSpc>
               <a:spcPct val="90000"/>
             </a:lnSpc>
@@ -7017,14 +6879,14 @@
             <a:buNone/>
           </a:pPr>
           <a:r>
-            <a:rPr lang="en-US" sz="2600" kern="1200"/>
+            <a:rPr lang="en-US" sz="3100" kern="1200" dirty="0"/>
             <a:t>Data processing for some set of questions.</a:t>
           </a:r>
         </a:p>
       </dsp:txBody>
       <dsp:txXfrm>
-        <a:off x="225102" y="2172"/>
-        <a:ext cx="2860678" cy="1716406"/>
+        <a:off x="1060609" y="2176"/>
+        <a:ext cx="3363454" cy="2018072"/>
       </dsp:txXfrm>
     </dsp:sp>
     <dsp:sp modelId="{1BA32591-E1AF-4F46-B8A7-ABFB80E74F98}">
@@ -7034,8 +6896,8 @@
       </dsp:nvSpPr>
       <dsp:spPr>
         <a:xfrm>
-          <a:off x="3371848" y="2172"/>
-          <a:ext cx="2860678" cy="1716406"/>
+          <a:off x="4760409" y="2176"/>
+          <a:ext cx="3363454" cy="2018072"/>
         </a:xfrm>
         <a:prstGeom prst="rect">
           <a:avLst/>
@@ -7076,12 +6938,12 @@
         </a:fontRef>
       </dsp:style>
       <dsp:txBody>
-        <a:bodyPr spcFirstLastPara="0" vert="horz" wrap="square" lIns="99060" tIns="99060" rIns="99060" bIns="99060" numCol="1" spcCol="1270" anchor="ctr" anchorCtr="0">
+        <a:bodyPr spcFirstLastPara="0" vert="horz" wrap="square" lIns="118110" tIns="118110" rIns="118110" bIns="118110" numCol="1" spcCol="1270" anchor="ctr" anchorCtr="0">
           <a:noAutofit/>
         </a:bodyPr>
         <a:lstStyle/>
         <a:p>
-          <a:pPr marL="0" lvl="0" indent="0" algn="ctr" defTabSz="1155700">
+          <a:pPr marL="0" lvl="0" indent="0" algn="ctr" defTabSz="1377950">
             <a:lnSpc>
               <a:spcPct val="90000"/>
             </a:lnSpc>
@@ -7094,14 +6956,14 @@
             <a:buNone/>
           </a:pPr>
           <a:r>
-            <a:rPr lang="en-US" sz="2600" kern="1200" dirty="0"/>
+            <a:rPr lang="en-US" sz="3100" kern="1200" dirty="0"/>
             <a:t>Stop words and synonyms filtering.</a:t>
           </a:r>
         </a:p>
       </dsp:txBody>
       <dsp:txXfrm>
-        <a:off x="3371848" y="2172"/>
-        <a:ext cx="2860678" cy="1716406"/>
+        <a:off x="4760409" y="2176"/>
+        <a:ext cx="3363454" cy="2018072"/>
       </dsp:txXfrm>
     </dsp:sp>
     <dsp:sp modelId="{ED7CD453-3778-45CF-8076-C6EC78754D4A}">
@@ -7111,8 +6973,8 @@
       </dsp:nvSpPr>
       <dsp:spPr>
         <a:xfrm>
-          <a:off x="6518594" y="2172"/>
-          <a:ext cx="2860678" cy="1716406"/>
+          <a:off x="1060609" y="2356594"/>
+          <a:ext cx="3363454" cy="2018072"/>
         </a:xfrm>
         <a:prstGeom prst="rect">
           <a:avLst/>
@@ -7153,12 +7015,12 @@
         </a:fontRef>
       </dsp:style>
       <dsp:txBody>
-        <a:bodyPr spcFirstLastPara="0" vert="horz" wrap="square" lIns="99060" tIns="99060" rIns="99060" bIns="99060" numCol="1" spcCol="1270" anchor="ctr" anchorCtr="0">
+        <a:bodyPr spcFirstLastPara="0" vert="horz" wrap="square" lIns="118110" tIns="118110" rIns="118110" bIns="118110" numCol="1" spcCol="1270" anchor="ctr" anchorCtr="0">
           <a:noAutofit/>
         </a:bodyPr>
         <a:lstStyle/>
         <a:p>
-          <a:pPr marL="0" lvl="0" indent="0" algn="ctr" defTabSz="1155700">
+          <a:pPr marL="0" lvl="0" indent="0" algn="ctr" defTabSz="1377950">
             <a:lnSpc>
               <a:spcPct val="90000"/>
             </a:lnSpc>
@@ -7171,14 +7033,14 @@
             <a:buNone/>
           </a:pPr>
           <a:r>
-            <a:rPr lang="en-US" sz="2600" kern="1200"/>
+            <a:rPr lang="en-US" sz="3100" kern="1200"/>
             <a:t>Co-referencing complex data sets.</a:t>
           </a:r>
         </a:p>
       </dsp:txBody>
       <dsp:txXfrm>
-        <a:off x="6518594" y="2172"/>
-        <a:ext cx="2860678" cy="1716406"/>
+        <a:off x="1060609" y="2356594"/>
+        <a:ext cx="3363454" cy="2018072"/>
       </dsp:txXfrm>
     </dsp:sp>
     <dsp:sp modelId="{6AEAD047-BA3C-4EDD-8DAF-7C2781E9181F}">
@@ -7188,8 +7050,8 @@
       </dsp:nvSpPr>
       <dsp:spPr>
         <a:xfrm>
-          <a:off x="3371848" y="2004647"/>
-          <a:ext cx="2860678" cy="1716406"/>
+          <a:off x="4760409" y="2356594"/>
+          <a:ext cx="3363454" cy="2018072"/>
         </a:xfrm>
         <a:prstGeom prst="rect">
           <a:avLst/>
@@ -7230,12 +7092,12 @@
         </a:fontRef>
       </dsp:style>
       <dsp:txBody>
-        <a:bodyPr spcFirstLastPara="0" vert="horz" wrap="square" lIns="99060" tIns="99060" rIns="99060" bIns="99060" numCol="1" spcCol="1270" anchor="ctr" anchorCtr="0">
+        <a:bodyPr spcFirstLastPara="0" vert="horz" wrap="square" lIns="118110" tIns="118110" rIns="118110" bIns="118110" numCol="1" spcCol="1270" anchor="ctr" anchorCtr="0">
           <a:noAutofit/>
         </a:bodyPr>
         <a:lstStyle/>
         <a:p>
-          <a:pPr marL="0" lvl="0" indent="0" algn="ctr" defTabSz="1155700">
+          <a:pPr marL="0" lvl="0" indent="0" algn="ctr" defTabSz="1377950">
             <a:lnSpc>
               <a:spcPct val="90000"/>
             </a:lnSpc>
@@ -7248,14 +7110,14 @@
             <a:buNone/>
           </a:pPr>
           <a:r>
-            <a:rPr lang="en-US" sz="2600" kern="1200"/>
+            <a:rPr lang="en-US" sz="3100" kern="1200"/>
             <a:t>Person text relationship.</a:t>
           </a:r>
         </a:p>
       </dsp:txBody>
       <dsp:txXfrm>
-        <a:off x="3371848" y="2004647"/>
-        <a:ext cx="2860678" cy="1716406"/>
+        <a:off x="4760409" y="2356594"/>
+        <a:ext cx="3363454" cy="2018072"/>
       </dsp:txXfrm>
     </dsp:sp>
   </dsp:spTree>
@@ -12361,7 +12223,7 @@
           <a:p>
             <a:fld id="{8DEB4DA2-ECC0-46B4-836A-9B6F7443425F}" type="datetimeFigureOut">
               <a:rPr lang="en-US" smtClean="0"/>
-              <a:t>7/25/2017</a:t>
+              <a:t>7/26/2017</a:t>
             </a:fld>
             <a:endParaRPr lang="en-US"/>
           </a:p>
@@ -13001,7 +12863,7 @@
           <a:p>
             <a:fld id="{3B4FFF14-6911-4793-95CE-463E203CEB90}" type="datetimeFigureOut">
               <a:rPr lang="en-US" smtClean="0"/>
-              <a:t>7/25/2017</a:t>
+              <a:t>7/26/2017</a:t>
             </a:fld>
             <a:endParaRPr lang="en-US"/>
           </a:p>
@@ -13276,7 +13138,7 @@
           <a:p>
             <a:fld id="{3B4FFF14-6911-4793-95CE-463E203CEB90}" type="datetimeFigureOut">
               <a:rPr lang="en-US" smtClean="0"/>
-              <a:t>7/25/2017</a:t>
+              <a:t>7/26/2017</a:t>
             </a:fld>
             <a:endParaRPr lang="en-US"/>
           </a:p>
@@ -13470,7 +13332,7 @@
           <a:p>
             <a:fld id="{3B4FFF14-6911-4793-95CE-463E203CEB90}" type="datetimeFigureOut">
               <a:rPr lang="en-US" smtClean="0"/>
-              <a:t>7/25/2017</a:t>
+              <a:t>7/26/2017</a:t>
             </a:fld>
             <a:endParaRPr lang="en-US"/>
           </a:p>
@@ -13743,7 +13605,7 @@
           <a:p>
             <a:fld id="{3B4FFF14-6911-4793-95CE-463E203CEB90}" type="datetimeFigureOut">
               <a:rPr lang="en-US" smtClean="0"/>
-              <a:t>7/25/2017</a:t>
+              <a:t>7/26/2017</a:t>
             </a:fld>
             <a:endParaRPr lang="en-US"/>
           </a:p>
@@ -14084,7 +13946,7 @@
           <a:p>
             <a:fld id="{3B4FFF14-6911-4793-95CE-463E203CEB90}" type="datetimeFigureOut">
               <a:rPr lang="en-US" smtClean="0"/>
-              <a:t>7/25/2017</a:t>
+              <a:t>7/26/2017</a:t>
             </a:fld>
             <a:endParaRPr lang="en-US"/>
           </a:p>
@@ -14707,7 +14569,7 @@
           <a:p>
             <a:fld id="{3B4FFF14-6911-4793-95CE-463E203CEB90}" type="datetimeFigureOut">
               <a:rPr lang="en-US" smtClean="0"/>
-              <a:t>7/25/2017</a:t>
+              <a:t>7/26/2017</a:t>
             </a:fld>
             <a:endParaRPr lang="en-US"/>
           </a:p>
@@ -15567,7 +15429,7 @@
           <a:p>
             <a:fld id="{3B4FFF14-6911-4793-95CE-463E203CEB90}" type="datetimeFigureOut">
               <a:rPr lang="en-US" smtClean="0"/>
-              <a:t>7/25/2017</a:t>
+              <a:t>7/26/2017</a:t>
             </a:fld>
             <a:endParaRPr lang="en-US"/>
           </a:p>
@@ -15737,7 +15599,7 @@
           <a:p>
             <a:fld id="{3B4FFF14-6911-4793-95CE-463E203CEB90}" type="datetimeFigureOut">
               <a:rPr lang="en-US" smtClean="0"/>
-              <a:t>7/25/2017</a:t>
+              <a:t>7/26/2017</a:t>
             </a:fld>
             <a:endParaRPr lang="en-US"/>
           </a:p>
@@ -15917,7 +15779,7 @@
           <a:p>
             <a:fld id="{3B4FFF14-6911-4793-95CE-463E203CEB90}" type="datetimeFigureOut">
               <a:rPr lang="en-US" smtClean="0"/>
-              <a:t>7/25/2017</a:t>
+              <a:t>7/26/2017</a:t>
             </a:fld>
             <a:endParaRPr lang="en-US"/>
           </a:p>
@@ -16087,7 +15949,7 @@
           <a:p>
             <a:fld id="{3B4FFF14-6911-4793-95CE-463E203CEB90}" type="datetimeFigureOut">
               <a:rPr lang="en-US" smtClean="0"/>
-              <a:t>7/25/2017</a:t>
+              <a:t>7/26/2017</a:t>
             </a:fld>
             <a:endParaRPr lang="en-US"/>
           </a:p>
@@ -16334,7 +16196,7 @@
           <a:p>
             <a:fld id="{3B4FFF14-6911-4793-95CE-463E203CEB90}" type="datetimeFigureOut">
               <a:rPr lang="en-US" smtClean="0"/>
-              <a:t>7/25/2017</a:t>
+              <a:t>7/26/2017</a:t>
             </a:fld>
             <a:endParaRPr lang="en-US"/>
           </a:p>
@@ -16626,7 +16488,7 @@
           <a:p>
             <a:fld id="{3B4FFF14-6911-4793-95CE-463E203CEB90}" type="datetimeFigureOut">
               <a:rPr lang="en-US" smtClean="0"/>
-              <a:t>7/25/2017</a:t>
+              <a:t>7/26/2017</a:t>
             </a:fld>
             <a:endParaRPr lang="en-US"/>
           </a:p>
@@ -17070,7 +16932,7 @@
           <a:p>
             <a:fld id="{3B4FFF14-6911-4793-95CE-463E203CEB90}" type="datetimeFigureOut">
               <a:rPr lang="en-US" smtClean="0"/>
-              <a:t>7/25/2017</a:t>
+              <a:t>7/26/2017</a:t>
             </a:fld>
             <a:endParaRPr lang="en-US"/>
           </a:p>
@@ -17188,7 +17050,7 @@
           <a:p>
             <a:fld id="{3B4FFF14-6911-4793-95CE-463E203CEB90}" type="datetimeFigureOut">
               <a:rPr lang="en-US" smtClean="0"/>
-              <a:t>7/25/2017</a:t>
+              <a:t>7/26/2017</a:t>
             </a:fld>
             <a:endParaRPr lang="en-US"/>
           </a:p>
@@ -17283,7 +17145,7 @@
           <a:p>
             <a:fld id="{3B4FFF14-6911-4793-95CE-463E203CEB90}" type="datetimeFigureOut">
               <a:rPr lang="en-US" smtClean="0"/>
-              <a:t>7/25/2017</a:t>
+              <a:t>7/26/2017</a:t>
             </a:fld>
             <a:endParaRPr lang="en-US"/>
           </a:p>
@@ -17562,7 +17424,7 @@
           <a:p>
             <a:fld id="{3B4FFF14-6911-4793-95CE-463E203CEB90}" type="datetimeFigureOut">
               <a:rPr lang="en-US" smtClean="0"/>
-              <a:t>7/25/2017</a:t>
+              <a:t>7/26/2017</a:t>
             </a:fld>
             <a:endParaRPr lang="en-US"/>
           </a:p>
@@ -17837,7 +17699,7 @@
           <a:p>
             <a:fld id="{3B4FFF14-6911-4793-95CE-463E203CEB90}" type="datetimeFigureOut">
               <a:rPr lang="en-US" smtClean="0"/>
-              <a:t>7/25/2017</a:t>
+              <a:t>7/26/2017</a:t>
             </a:fld>
             <a:endParaRPr lang="en-US"/>
           </a:p>
@@ -18266,7 +18128,7 @@
           <a:p>
             <a:fld id="{3B4FFF14-6911-4793-95CE-463E203CEB90}" type="datetimeFigureOut">
               <a:rPr lang="en-US" smtClean="0"/>
-              <a:t>7/25/2017</a:t>
+              <a:t>7/26/2017</a:t>
             </a:fld>
             <a:endParaRPr lang="en-US"/>
           </a:p>
@@ -18812,8 +18674,8 @@
         </p:nvSpPr>
         <p:spPr>
           <a:xfrm>
-            <a:off x="1536696" y="1574471"/>
-            <a:ext cx="8825657" cy="1915647"/>
+            <a:off x="1536696" y="1109709"/>
+            <a:ext cx="8825657" cy="1376039"/>
           </a:xfrm>
         </p:spPr>
         <p:txBody>
@@ -18821,8 +18683,8 @@
           <a:lstStyle/>
           <a:p>
             <a:r>
-              <a:rPr lang="en-US" dirty="0"/>
-              <a:t>Dynamic Question Answering System </a:t>
+              <a:rPr lang="en-US" b="1" dirty="0"/>
+              <a:t>Intelligent Question Answering System </a:t>
             </a:r>
           </a:p>
         </p:txBody>
@@ -18853,47 +18715,39 @@
           <a:bodyPr/>
           <a:lstStyle/>
           <a:p>
-            <a:pPr marL="285750" indent="-285750" algn="r">
-              <a:buFont typeface="Arial" panose="020B0604020202020204" pitchFamily="34" charset="0"/>
-              <a:buChar char="•"/>
-            </a:pPr>
+            <a:pPr lvl="8" algn="r"/>
             <a:r>
-              <a:rPr lang="en-US" dirty="0"/>
+              <a:rPr lang="en-US" sz="1800" dirty="0"/>
               <a:t>Rakesh Reddy Pallepati-20</a:t>
             </a:r>
           </a:p>
           <a:p>
-            <a:pPr marL="285750" indent="-285750" algn="r">
-              <a:buFont typeface="Arial" panose="020B0604020202020204" pitchFamily="34" charset="0"/>
-              <a:buChar char="•"/>
-            </a:pPr>
+            <a:pPr lvl="8" algn="r"/>
             <a:r>
-              <a:rPr lang="en-US" dirty="0"/>
+              <a:rPr lang="en-US" sz="1800" dirty="0"/>
               <a:t>Sandeep Pabolu-19,</a:t>
             </a:r>
           </a:p>
           <a:p>
-            <a:pPr marL="285750" indent="-285750" algn="r">
-              <a:buFont typeface="Arial" panose="020B0604020202020204" pitchFamily="34" charset="0"/>
-              <a:buChar char="•"/>
-            </a:pPr>
+            <a:pPr lvl="8" algn="r"/>
             <a:r>
-              <a:rPr lang="en-US" dirty="0" err="1"/>
+              <a:rPr lang="en-US" sz="1800" dirty="0" err="1"/>
               <a:t>Sarat</a:t>
             </a:r>
             <a:r>
-              <a:rPr lang="en-US" dirty="0"/>
-              <a:t> Chandra Vrama-14,</a:t>
+              <a:rPr lang="en-US" sz="1800" dirty="0"/>
+              <a:t> Chandra Varma-14,</a:t>
             </a:r>
           </a:p>
           <a:p>
-            <a:pPr marL="285750" indent="-285750" algn="r">
-              <a:buFont typeface="Arial" panose="020B0604020202020204" pitchFamily="34" charset="0"/>
-              <a:buChar char="•"/>
-            </a:pPr>
+            <a:pPr lvl="8" algn="r"/>
+            <a:r>
+              <a:rPr lang="en-US" sz="1800" dirty="0"/>
+              <a:t>Lava Kumar Surparaju-27</a:t>
+            </a:r>
             <a:r>
               <a:rPr lang="en-US" dirty="0"/>
-              <a:t>Lava Kumar-27.</a:t>
+              <a:t>.</a:t>
             </a:r>
           </a:p>
         </p:txBody>
@@ -18944,7 +18798,12 @@
             <p:ph type="title"/>
           </p:nvPr>
         </p:nvSpPr>
-        <p:spPr/>
+        <p:spPr>
+          <a:xfrm>
+            <a:off x="646111" y="452718"/>
+            <a:ext cx="9404723" cy="807911"/>
+          </a:xfrm>
+        </p:spPr>
         <p:txBody>
           <a:bodyPr/>
           <a:lstStyle/>
@@ -18972,7 +18831,12 @@
             <p:ph idx="1"/>
           </p:nvPr>
         </p:nvSpPr>
-        <p:spPr/>
+        <p:spPr>
+          <a:xfrm>
+            <a:off x="1103312" y="1606858"/>
+            <a:ext cx="8946541" cy="4641541"/>
+          </a:xfrm>
+        </p:spPr>
         <p:txBody>
           <a:bodyPr/>
           <a:lstStyle/>
@@ -19005,7 +18869,7 @@
             </a:r>
             <a:r>
               <a:rPr lang="en-US" dirty="0"/>
-              <a:t> and Random Forest with accuracy of </a:t>
+              <a:t> and Random Forest with accuracy of 53%  and 49%</a:t>
             </a:r>
           </a:p>
           <a:p>
@@ -19071,7 +18935,7 @@
           <a:p>
             <a:r>
               <a:rPr lang="en-US" dirty="0"/>
-              <a:t> Ontology:</a:t>
+              <a:t> 	Ontology</a:t>
             </a:r>
           </a:p>
         </p:txBody>
@@ -19104,8 +18968,8 @@
         </p:blipFill>
         <p:spPr>
           <a:xfrm>
-            <a:off x="3027633" y="1066800"/>
-            <a:ext cx="7381875" cy="5791200"/>
+            <a:off x="710213" y="1393794"/>
+            <a:ext cx="9699295" cy="5211192"/>
           </a:xfrm>
           <a:prstGeom prst="rect">
             <a:avLst/>
@@ -19144,31 +19008,6 @@
       </p:grpSpPr>
       <p:sp>
         <p:nvSpPr>
-          <p:cNvPr id="2" name="Title 1">
-            <a:extLst>
-              <a:ext uri="{FF2B5EF4-FFF2-40B4-BE49-F238E27FC236}">
-                <a16:creationId xmlns:a16="http://schemas.microsoft.com/office/drawing/2014/main" id="{E676EB30-B652-4607-9163-53DDA2C5BD55}"/>
-              </a:ext>
-            </a:extLst>
-          </p:cNvPr>
-          <p:cNvSpPr>
-            <a:spLocks noGrp="1"/>
-          </p:cNvSpPr>
-          <p:nvPr>
-            <p:ph type="title"/>
-          </p:nvPr>
-        </p:nvSpPr>
-        <p:spPr/>
-        <p:txBody>
-          <a:bodyPr/>
-          <a:lstStyle/>
-          <a:p>
-            <a:endParaRPr lang="en-US" dirty="0"/>
-          </a:p>
-        </p:txBody>
-      </p:sp>
-      <p:sp>
-        <p:nvSpPr>
           <p:cNvPr id="6" name="Content Placeholder 5">
             <a:extLst>
               <a:ext uri="{FF2B5EF4-FFF2-40B4-BE49-F238E27FC236}">
@@ -19185,8 +19024,8 @@
         </p:nvSpPr>
         <p:spPr>
           <a:xfrm>
-            <a:off x="2070978" y="2567824"/>
-            <a:ext cx="8946541" cy="2510204"/>
+            <a:off x="1349406" y="1438184"/>
+            <a:ext cx="9668113" cy="1660123"/>
           </a:xfrm>
         </p:spPr>
         <p:txBody>
@@ -19204,6 +19043,126 @@
               </a:rPr>
               <a:t>Thank you</a:t>
             </a:r>
+          </a:p>
+        </p:txBody>
+      </p:sp>
+      <p:sp>
+        <p:nvSpPr>
+          <p:cNvPr id="3" name="TextBox 2">
+            <a:extLst>
+              <a:ext uri="{FF2B5EF4-FFF2-40B4-BE49-F238E27FC236}">
+                <a16:creationId xmlns:a16="http://schemas.microsoft.com/office/drawing/2014/main" id="{5B207313-B6D2-4F32-9985-86C7EF78E4AA}"/>
+              </a:ext>
+            </a:extLst>
+          </p:cNvPr>
+          <p:cNvSpPr txBox="1"/>
+          <p:nvPr/>
+        </p:nvSpPr>
+        <p:spPr>
+          <a:xfrm>
+            <a:off x="1500326" y="4296792"/>
+            <a:ext cx="7359590" cy="2246769"/>
+          </a:xfrm>
+          <a:prstGeom prst="rect">
+            <a:avLst/>
+          </a:prstGeom>
+          <a:noFill/>
+        </p:spPr>
+        <p:txBody>
+          <a:bodyPr wrap="square" rtlCol="0">
+            <a:spAutoFit/>
+          </a:bodyPr>
+          <a:lstStyle/>
+          <a:p>
+            <a:r>
+              <a:rPr lang="en-US" sz="1400" dirty="0"/>
+              <a:t>This work was done in partial fulfillment of the requirements of CS5560: </a:t>
+            </a:r>
+          </a:p>
+          <a:p>
+            <a:r>
+              <a:rPr lang="en-US" sz="1400" dirty="0"/>
+              <a:t>Knowledge Discovery and Management, CSEE Department, University of Missouri –</a:t>
+            </a:r>
+          </a:p>
+          <a:p>
+            <a:r>
+              <a:rPr lang="en-US" sz="1400" dirty="0"/>
+              <a:t>Kansas City (Summer 2017). </a:t>
+            </a:r>
+          </a:p>
+          <a:p>
+            <a:endParaRPr lang="en-US" sz="1400" dirty="0"/>
+          </a:p>
+          <a:p>
+            <a:r>
+              <a:rPr lang="en-US" sz="1400" dirty="0"/>
+              <a:t>Instructors: Dr. </a:t>
+            </a:r>
+            <a:r>
+              <a:rPr lang="en-US" sz="1400" dirty="0" err="1"/>
+              <a:t>Yugyung</a:t>
+            </a:r>
+            <a:r>
+              <a:rPr lang="en-US" sz="1400" dirty="0"/>
+              <a:t> Lee, </a:t>
+            </a:r>
+            <a:r>
+              <a:rPr lang="en-US" sz="1400" dirty="0" err="1"/>
+              <a:t>Mayanka</a:t>
+            </a:r>
+            <a:r>
+              <a:rPr lang="en-US" sz="1400" dirty="0"/>
+              <a:t> Chandra Shekar,</a:t>
+            </a:r>
+          </a:p>
+          <a:p>
+            <a:endParaRPr lang="en-US" sz="1400" dirty="0"/>
+          </a:p>
+          <a:p>
+            <a:r>
+              <a:rPr lang="en-US" sz="1400" dirty="0"/>
+              <a:t>TAs:</a:t>
+            </a:r>
+          </a:p>
+          <a:p>
+            <a:r>
+              <a:rPr lang="en-US" sz="1400" dirty="0"/>
+              <a:t>Vijaya </a:t>
+            </a:r>
+            <a:r>
+              <a:rPr lang="en-US" sz="1400" dirty="0" err="1"/>
+              <a:t>Kumari</a:t>
+            </a:r>
+            <a:r>
+              <a:rPr lang="en-US" sz="1400" dirty="0"/>
+              <a:t> </a:t>
+            </a:r>
+            <a:r>
+              <a:rPr lang="en-US" sz="1400" dirty="0" err="1"/>
+              <a:t>Yeruva</a:t>
+            </a:r>
+            <a:r>
+              <a:rPr lang="en-US" sz="1400" dirty="0"/>
+              <a:t>, </a:t>
+            </a:r>
+          </a:p>
+          <a:p>
+            <a:r>
+              <a:rPr lang="en-US" sz="1400" dirty="0"/>
+              <a:t>Saria </a:t>
+            </a:r>
+            <a:r>
+              <a:rPr lang="en-US" sz="1400" dirty="0" err="1"/>
+              <a:t>Goudarzvand</a:t>
+            </a:r>
+            <a:r>
+              <a:rPr lang="en-US" sz="1400" dirty="0"/>
+              <a:t>.</a:t>
+            </a:r>
+          </a:p>
+          <a:p>
+            <a:endParaRPr lang="en-US" sz="1400" dirty="0"/>
           </a:p>
         </p:txBody>
       </p:sp>
@@ -19401,50 +19360,8 @@
                 <a:latin typeface="Times New Roman" panose="02020603050405020304" pitchFamily="18" charset="0"/>
                 <a:cs typeface="Times New Roman" panose="02020603050405020304" pitchFamily="18" charset="0"/>
               </a:rPr>
-              <a:t> Type of information retrieval. Given a collection of documents ,the system should be able to retrieve answers to questions posed in natural language.</a:t>
+              <a:t>    Type of information retrieval. Given a collection of documents ,the system should be able to retrieve answers to questions posed in natural language. </a:t>
             </a:r>
-            <a:endParaRPr lang="en-GB" altLang="en-US" sz="2400">
-              <a:latin typeface="Times New Roman" panose="02020603050405020304" pitchFamily="18" charset="0"/>
-              <a:cs typeface="Times New Roman" panose="02020603050405020304" pitchFamily="18" charset="0"/>
-            </a:endParaRPr>
-          </a:p>
-          <a:p>
-            <a:pPr marL="336550" indent="-336550">
-              <a:buNone/>
-              <a:tabLst>
-                <a:tab pos="442913" algn="l"/>
-                <a:tab pos="892175" algn="l"/>
-                <a:tab pos="1341438" algn="l"/>
-                <a:tab pos="1790700" algn="l"/>
-                <a:tab pos="2239963" algn="l"/>
-                <a:tab pos="2689225" algn="l"/>
-                <a:tab pos="3138488" algn="l"/>
-                <a:tab pos="3587750" algn="l"/>
-                <a:tab pos="4037013" algn="l"/>
-                <a:tab pos="4486275" algn="l"/>
-                <a:tab pos="4935538" algn="l"/>
-                <a:tab pos="5384800" algn="l"/>
-                <a:tab pos="5834063" algn="l"/>
-                <a:tab pos="6283325" algn="l"/>
-                <a:tab pos="6732588" algn="l"/>
-                <a:tab pos="7181850" algn="l"/>
-                <a:tab pos="7631113" algn="l"/>
-                <a:tab pos="8080375" algn="l"/>
-                <a:tab pos="8529638" algn="l"/>
-                <a:tab pos="8978900" algn="l"/>
-              </a:tabLst>
-            </a:pPr>
-            <a:r>
-              <a:rPr lang="en-GB" altLang="en-US" sz="2400" dirty="0">
-                <a:latin typeface="Times New Roman" panose="02020603050405020304" pitchFamily="18" charset="0"/>
-                <a:cs typeface="Times New Roman" panose="02020603050405020304" pitchFamily="18" charset="0"/>
-              </a:rPr>
-              <a:t> </a:t>
-            </a:r>
-            <a:endParaRPr lang="en-GB" altLang="en-US" sz="2400">
-              <a:latin typeface="Times New Roman" panose="02020603050405020304" pitchFamily="18" charset="0"/>
-              <a:cs typeface="Times New Roman" panose="02020603050405020304" pitchFamily="18" charset="0"/>
-            </a:endParaRPr>
           </a:p>
           <a:p>
             <a:pPr marL="336550" indent="-336550">
@@ -19479,10 +19396,6 @@
               </a:rPr>
               <a:t>                          -Wikipedia</a:t>
             </a:r>
-            <a:endParaRPr lang="en-GB" altLang="en-US" sz="2400">
-              <a:latin typeface="Times New Roman" panose="02020603050405020304" pitchFamily="18" charset="0"/>
-              <a:cs typeface="Times New Roman" panose="02020603050405020304" pitchFamily="18" charset="0"/>
-            </a:endParaRPr>
           </a:p>
         </p:txBody>
       </p:sp>
@@ -19549,7 +19462,7 @@
           <p:cNvPr id="2" name="Title 1">
             <a:extLst>
               <a:ext uri="{FF2B5EF4-FFF2-40B4-BE49-F238E27FC236}">
-                <a16:creationId xmlns:a16="http://schemas.microsoft.com/office/drawing/2014/main" id="{89F7E787-4FDE-4C65-9439-BA0657832444}"/>
+                <a16:creationId xmlns:a16="http://schemas.microsoft.com/office/drawing/2014/main" id="{E43D36E7-28BC-48D3-945B-6DE7613F9480}"/>
               </a:ext>
             </a:extLst>
           </p:cNvPr>
@@ -19557,51 +19470,13 @@
             <a:spLocks noGrp="1"/>
           </p:cNvSpPr>
           <p:nvPr>
-            <p:ph type="ctrTitle"/>
+            <p:ph type="title"/>
           </p:nvPr>
         </p:nvSpPr>
         <p:spPr>
           <a:xfrm>
-            <a:off x="867520" y="495474"/>
-            <a:ext cx="5069305" cy="706437"/>
-          </a:xfrm>
-        </p:spPr>
-        <p:txBody>
-          <a:bodyPr>
-            <a:normAutofit fontScale="90000"/>
-          </a:bodyPr>
-          <a:lstStyle/>
-          <a:p>
-            <a:r>
-              <a:rPr lang="en-US" dirty="0">
-                <a:latin typeface="Times New Roman" panose="02020603050405020304" pitchFamily="18" charset="0"/>
-                <a:cs typeface="Times New Roman" panose="02020603050405020304" pitchFamily="18" charset="0"/>
-              </a:rPr>
-              <a:t>Motivation:</a:t>
-            </a:r>
-          </a:p>
-        </p:txBody>
-      </p:sp>
-      <p:sp>
-        <p:nvSpPr>
-          <p:cNvPr id="3" name="Subtitle 2">
-            <a:extLst>
-              <a:ext uri="{FF2B5EF4-FFF2-40B4-BE49-F238E27FC236}">
-                <a16:creationId xmlns:a16="http://schemas.microsoft.com/office/drawing/2014/main" id="{1FC084D4-4B87-49F8-86AB-E8B6E4BF2E6D}"/>
-              </a:ext>
-            </a:extLst>
-          </p:cNvPr>
-          <p:cNvSpPr>
-            <a:spLocks noGrp="1"/>
-          </p:cNvSpPr>
-          <p:nvPr>
-            <p:ph type="subTitle" idx="1"/>
-          </p:nvPr>
-        </p:nvSpPr>
-        <p:spPr>
-          <a:xfrm>
-            <a:off x="2079399" y="1796715"/>
-            <a:ext cx="9144000" cy="3694045"/>
+            <a:off x="142042" y="901733"/>
+            <a:ext cx="3382393" cy="802779"/>
           </a:xfrm>
         </p:spPr>
         <p:txBody>
@@ -19610,70 +19485,97 @@
           </a:bodyPr>
           <a:lstStyle/>
           <a:p>
-            <a:pPr marL="342900" indent="-342900" algn="l">
+            <a:pPr algn="r"/>
+            <a:r>
+              <a:rPr lang="en-US" dirty="0"/>
+              <a:t>Motivation</a:t>
+            </a:r>
+          </a:p>
+        </p:txBody>
+      </p:sp>
+      <p:sp>
+        <p:nvSpPr>
+          <p:cNvPr id="3" name="Content Placeholder 2">
+            <a:extLst>
+              <a:ext uri="{FF2B5EF4-FFF2-40B4-BE49-F238E27FC236}">
+                <a16:creationId xmlns:a16="http://schemas.microsoft.com/office/drawing/2014/main" id="{ADF32E57-B5A4-4EE9-93B8-CC263C6A7EF5}"/>
+              </a:ext>
+            </a:extLst>
+          </p:cNvPr>
+          <p:cNvSpPr>
+            <a:spLocks noGrp="1"/>
+          </p:cNvSpPr>
+          <p:nvPr>
+            <p:ph idx="1"/>
+          </p:nvPr>
+        </p:nvSpPr>
+        <p:spPr>
+          <a:xfrm>
+            <a:off x="532661" y="2388093"/>
+            <a:ext cx="10821140" cy="3506029"/>
+          </a:xfrm>
+        </p:spPr>
+        <p:txBody>
+          <a:bodyPr anchor="ctr">
+            <a:normAutofit/>
+          </a:bodyPr>
+          <a:lstStyle/>
+          <a:p>
+            <a:pPr>
               <a:buFont typeface="Arial" panose="020B0604020202020204" pitchFamily="34" charset="0"/>
               <a:buChar char="•"/>
             </a:pPr>
             <a:r>
-              <a:rPr lang="en-US" dirty="0">
-                <a:latin typeface="Times New Roman" panose="02020603050405020304" pitchFamily="18" charset="0"/>
-                <a:cs typeface="Times New Roman" panose="02020603050405020304" pitchFamily="18" charset="0"/>
-              </a:rPr>
+              <a:rPr lang="en-US" sz="2400" dirty="0"/>
               <a:t>The scope to ask a question in one’s own way is what moves us forward.</a:t>
             </a:r>
           </a:p>
           <a:p>
-            <a:pPr marL="342900" indent="-342900" algn="l">
+            <a:pPr>
               <a:buFont typeface="Arial" panose="020B0604020202020204" pitchFamily="34" charset="0"/>
               <a:buChar char="•"/>
             </a:pPr>
             <a:r>
-              <a:rPr lang="en-US" dirty="0">
-                <a:latin typeface="Times New Roman" panose="02020603050405020304" pitchFamily="18" charset="0"/>
-                <a:cs typeface="Times New Roman" panose="02020603050405020304" pitchFamily="18" charset="0"/>
-              </a:rPr>
+              <a:rPr lang="en-US" sz="2400" dirty="0"/>
               <a:t>The main requirement is not to get related pages but the exact answer.</a:t>
             </a:r>
           </a:p>
           <a:p>
-            <a:pPr algn="l"/>
-            <a:endParaRPr lang="en-US" dirty="0">
-              <a:latin typeface="Times New Roman" panose="02020603050405020304" pitchFamily="18" charset="0"/>
-              <a:cs typeface="Times New Roman" panose="02020603050405020304" pitchFamily="18" charset="0"/>
-            </a:endParaRPr>
-          </a:p>
-          <a:p>
-            <a:pPr marL="342900" indent="-342900" algn="l">
+            <a:pPr>
               <a:buFont typeface="Arial" panose="020B0604020202020204" pitchFamily="34" charset="0"/>
               <a:buChar char="•"/>
             </a:pPr>
             <a:r>
-              <a:rPr lang="en-US" dirty="0">
-                <a:latin typeface="Times New Roman" panose="02020603050405020304" pitchFamily="18" charset="0"/>
-                <a:cs typeface="Times New Roman" panose="02020603050405020304" pitchFamily="18" charset="0"/>
-              </a:rPr>
+              <a:rPr lang="en-US" sz="2400" dirty="0"/>
               <a:t>This system has its cover everywhere science, education, assistants, etc. This makes it the most important issue where ever a computer has an application.</a:t>
             </a:r>
           </a:p>
           <a:p>
-            <a:pPr marL="342900" indent="-342900" algn="l">
+            <a:pPr>
               <a:buFont typeface="Arial" panose="020B0604020202020204" pitchFamily="34" charset="0"/>
               <a:buChar char="•"/>
             </a:pPr>
             <a:r>
-              <a:rPr lang="en-US" dirty="0">
-                <a:latin typeface="Times New Roman" panose="02020603050405020304" pitchFamily="18" charset="0"/>
-                <a:cs typeface="Times New Roman" panose="02020603050405020304" pitchFamily="18" charset="0"/>
-              </a:rPr>
+              <a:rPr lang="en-US" sz="2400" dirty="0"/>
               <a:t>So, working on the question answering system is worth exploring.</a:t>
             </a:r>
+          </a:p>
+          <a:p>
+            <a:pPr>
+              <a:buFont typeface="Arial" panose="020B0604020202020204" pitchFamily="34" charset="0"/>
+              <a:buChar char="•"/>
+            </a:pPr>
+            <a:endParaRPr lang="en-US" sz="2400" dirty="0"/>
+          </a:p>
+          <a:p>
+            <a:endParaRPr lang="en-US" sz="2400" dirty="0"/>
           </a:p>
         </p:txBody>
       </p:sp>
     </p:spTree>
     <p:extLst>
       <p:ext uri="{BB962C8B-B14F-4D97-AF65-F5344CB8AC3E}">
-        <p14:creationId xmlns:p14="http://schemas.microsoft.com/office/powerpoint/2010/main" val="403933171"/>
+        <p14:creationId xmlns:p14="http://schemas.microsoft.com/office/powerpoint/2010/main" val="1102121005"/>
       </p:ext>
     </p:extLst>
   </p:cSld>
@@ -19718,8 +19620,8 @@
         </p:nvSpPr>
         <p:spPr>
           <a:xfrm>
-            <a:off x="838200" y="963877"/>
-            <a:ext cx="3494362" cy="4930246"/>
+            <a:off x="213065" y="1061532"/>
+            <a:ext cx="3009530" cy="802779"/>
           </a:xfrm>
         </p:spPr>
         <p:txBody>
@@ -19730,13 +19632,7 @@
           <a:p>
             <a:pPr algn="r"/>
             <a:r>
-              <a:rPr lang="en-US">
-                <a:solidFill>
-                  <a:schemeClr val="accent1"/>
-                </a:solidFill>
-                <a:latin typeface="Times New Roman" panose="02020603050405020304" pitchFamily="18" charset="0"/>
-                <a:cs typeface="Times New Roman" panose="02020603050405020304" pitchFamily="18" charset="0"/>
-              </a:rPr>
+              <a:rPr lang="en-US" dirty="0"/>
               <a:t>Objective</a:t>
             </a:r>
           </a:p>
@@ -19760,8 +19656,8 @@
         </p:nvSpPr>
         <p:spPr>
           <a:xfrm>
-            <a:off x="532661" y="963877"/>
-            <a:ext cx="10821140" cy="4930246"/>
+            <a:off x="497150" y="2041864"/>
+            <a:ext cx="10821140" cy="2991124"/>
           </a:xfrm>
         </p:spPr>
         <p:txBody>
@@ -19974,14 +19870,14 @@
             <p:ph idx="1"/>
             <p:extLst>
               <p:ext uri="{D42A27DB-BD31-4B8C-83A1-F6EECF244321}">
-                <p14:modId xmlns:p14="http://schemas.microsoft.com/office/powerpoint/2010/main" val="620149166"/>
+                <p14:modId xmlns:p14="http://schemas.microsoft.com/office/powerpoint/2010/main" val="3983595143"/>
               </p:ext>
             </p:extLst>
           </p:nvPr>
         </p:nvGraphicFramePr>
         <p:xfrm>
-          <a:off x="838200" y="2022475"/>
-          <a:ext cx="10515600" cy="4154488"/>
+          <a:off x="838200" y="1526959"/>
+          <a:ext cx="10515600" cy="4199138"/>
         </p:xfrm>
         <a:graphic>
           <a:graphicData uri="http://schemas.openxmlformats.org/drawingml/2006/diagram">
@@ -20067,14 +19963,14 @@
             <p:ph idx="1"/>
             <p:extLst>
               <p:ext uri="{D42A27DB-BD31-4B8C-83A1-F6EECF244321}">
-                <p14:modId xmlns:p14="http://schemas.microsoft.com/office/powerpoint/2010/main" val="375640467"/>
+                <p14:modId xmlns:p14="http://schemas.microsoft.com/office/powerpoint/2010/main" val="3022530313"/>
               </p:ext>
             </p:extLst>
           </p:nvPr>
         </p:nvGraphicFramePr>
         <p:xfrm>
-          <a:off x="1202399" y="2029716"/>
-          <a:ext cx="9604375" cy="3882812"/>
+          <a:off x="727969" y="1571348"/>
+          <a:ext cx="10078805" cy="4341180"/>
         </p:xfrm>
         <a:graphic>
           <a:graphicData uri="http://schemas.openxmlformats.org/drawingml/2006/diagram">
@@ -20152,14 +20048,14 @@
             <p:ph idx="1"/>
             <p:extLst>
               <p:ext uri="{D42A27DB-BD31-4B8C-83A1-F6EECF244321}">
-                <p14:modId xmlns:p14="http://schemas.microsoft.com/office/powerpoint/2010/main" val="3356842187"/>
+                <p14:modId xmlns:p14="http://schemas.microsoft.com/office/powerpoint/2010/main" val="1349424578"/>
               </p:ext>
             </p:extLst>
           </p:nvPr>
         </p:nvGraphicFramePr>
         <p:xfrm>
-          <a:off x="1450975" y="2331497"/>
-          <a:ext cx="9604375" cy="3723227"/>
+          <a:off x="1450976" y="1677881"/>
+          <a:ext cx="9184474" cy="4376844"/>
         </p:xfrm>
         <a:graphic>
           <a:graphicData uri="http://schemas.openxmlformats.org/drawingml/2006/diagram">
@@ -20260,7 +20156,7 @@
         </p:blipFill>
         <p:spPr>
           <a:xfrm>
-            <a:off x="1375729" y="2016124"/>
+            <a:off x="851946" y="1501219"/>
             <a:ext cx="8196288" cy="4630033"/>
           </a:xfrm>
           <a:prstGeom prst="rect">

--- a/Documentation/project presentation.pptx
+++ b/Documentation/project presentation.pptx
@@ -5,21 +5,20 @@
     <p:sldMasterId id="2147483690" r:id="rId1"/>
   </p:sldMasterIdLst>
   <p:notesMasterIdLst>
-    <p:notesMasterId r:id="rId14"/>
+    <p:notesMasterId r:id="rId13"/>
   </p:notesMasterIdLst>
   <p:sldIdLst>
     <p:sldId id="267" r:id="rId2"/>
     <p:sldId id="257" r:id="rId3"/>
     <p:sldId id="268" r:id="rId4"/>
     <p:sldId id="258" r:id="rId5"/>
-    <p:sldId id="259" r:id="rId6"/>
-    <p:sldId id="260" r:id="rId7"/>
-    <p:sldId id="265" r:id="rId8"/>
-    <p:sldId id="261" r:id="rId9"/>
-    <p:sldId id="266" r:id="rId10"/>
-    <p:sldId id="262" r:id="rId11"/>
-    <p:sldId id="263" r:id="rId12"/>
-    <p:sldId id="264" r:id="rId13"/>
+    <p:sldId id="260" r:id="rId6"/>
+    <p:sldId id="265" r:id="rId7"/>
+    <p:sldId id="261" r:id="rId8"/>
+    <p:sldId id="266" r:id="rId9"/>
+    <p:sldId id="262" r:id="rId10"/>
+    <p:sldId id="263" r:id="rId11"/>
+    <p:sldId id="264" r:id="rId12"/>
   </p:sldIdLst>
   <p:sldSz cx="12192000" cy="6858000"/>
   <p:notesSz cx="6858000" cy="9144000"/>
@@ -131,754 +130,6 @@
 </file>
 
 <file path=ppt/diagrams/colors1.xml><?xml version="1.0" encoding="utf-8"?>
-<dgm:colorsDef xmlns:dgm="http://schemas.openxmlformats.org/drawingml/2006/diagram" xmlns:a="http://schemas.openxmlformats.org/drawingml/2006/main" uniqueId="urn:microsoft.com/office/officeart/2005/8/colors/ColorSchemeForSuggestions">
-  <dgm:title val="Color Scheme for Suggestions"/>
-  <dgm:desc val="Color Scheme for Suggestions"/>
-  <dgm:catLst>
-    <dgm:cat type="Other" pri="2"/>
-  </dgm:catLst>
-  <dgm:styleLbl name="node0">
-    <dgm:fillClrLst meth="repeat">
-      <a:schemeClr val="accent1"/>
-    </dgm:fillClrLst>
-    <dgm:linClrLst meth="repeat">
-      <a:schemeClr val="lt1"/>
-    </dgm:linClrLst>
-    <dgm:effectClrLst/>
-    <dgm:txLinClrLst/>
-    <dgm:txFillClrLst/>
-    <dgm:txEffectClrLst/>
-  </dgm:styleLbl>
-  <dgm:styleLbl name="alignNode1">
-    <dgm:fillClrLst meth="repeat">
-      <a:schemeClr val="accent1"/>
-    </dgm:fillClrLst>
-    <dgm:linClrLst meth="repeat">
-      <a:schemeClr val="accent1"/>
-    </dgm:linClrLst>
-    <dgm:effectClrLst/>
-    <dgm:txLinClrLst/>
-    <dgm:txFillClrLst/>
-    <dgm:txEffectClrLst/>
-  </dgm:styleLbl>
-  <dgm:styleLbl name="node1">
-    <dgm:fillClrLst meth="repeat">
-      <a:schemeClr val="accent1"/>
-    </dgm:fillClrLst>
-    <dgm:linClrLst meth="repeat">
-      <a:schemeClr val="lt1"/>
-    </dgm:linClrLst>
-    <dgm:effectClrLst/>
-    <dgm:txLinClrLst/>
-    <dgm:txFillClrLst/>
-    <dgm:txEffectClrLst/>
-  </dgm:styleLbl>
-  <dgm:styleLbl name="lnNode1">
-    <dgm:fillClrLst meth="repeat">
-      <a:schemeClr val="accent1"/>
-    </dgm:fillClrLst>
-    <dgm:linClrLst meth="repeat">
-      <a:schemeClr val="lt1"/>
-    </dgm:linClrLst>
-    <dgm:effectClrLst/>
-    <dgm:txLinClrLst/>
-    <dgm:txFillClrLst/>
-    <dgm:txEffectClrLst/>
-  </dgm:styleLbl>
-  <dgm:styleLbl name="vennNode1">
-    <dgm:fillClrLst meth="repeat">
-      <a:schemeClr val="accent1">
-        <a:alpha val="50000"/>
-      </a:schemeClr>
-    </dgm:fillClrLst>
-    <dgm:linClrLst meth="repeat">
-      <a:schemeClr val="lt1"/>
-    </dgm:linClrLst>
-    <dgm:effectClrLst/>
-    <dgm:txLinClrLst/>
-    <dgm:txFillClrLst/>
-    <dgm:txEffectClrLst/>
-  </dgm:styleLbl>
-  <dgm:styleLbl name="node2">
-    <dgm:fillClrLst meth="repeat">
-      <a:schemeClr val="accent1"/>
-    </dgm:fillClrLst>
-    <dgm:linClrLst meth="repeat">
-      <a:schemeClr val="lt1"/>
-    </dgm:linClrLst>
-    <dgm:effectClrLst/>
-    <dgm:txLinClrLst/>
-    <dgm:txFillClrLst/>
-    <dgm:txEffectClrLst/>
-  </dgm:styleLbl>
-  <dgm:styleLbl name="node3">
-    <dgm:fillClrLst meth="repeat">
-      <a:schemeClr val="accent1"/>
-    </dgm:fillClrLst>
-    <dgm:linClrLst meth="repeat">
-      <a:schemeClr val="lt1"/>
-    </dgm:linClrLst>
-    <dgm:effectClrLst/>
-    <dgm:txLinClrLst/>
-    <dgm:txFillClrLst/>
-    <dgm:txEffectClrLst/>
-  </dgm:styleLbl>
-  <dgm:styleLbl name="node4">
-    <dgm:fillClrLst meth="repeat">
-      <a:schemeClr val="accent1"/>
-    </dgm:fillClrLst>
-    <dgm:linClrLst meth="repeat">
-      <a:schemeClr val="lt1"/>
-    </dgm:linClrLst>
-    <dgm:effectClrLst/>
-    <dgm:txLinClrLst/>
-    <dgm:txFillClrLst/>
-    <dgm:txEffectClrLst/>
-  </dgm:styleLbl>
-  <dgm:styleLbl name="fgImgPlace1">
-    <dgm:fillClrLst meth="repeat">
-      <a:schemeClr val="accent1">
-        <a:tint val="50000"/>
-      </a:schemeClr>
-    </dgm:fillClrLst>
-    <dgm:linClrLst meth="repeat">
-      <a:schemeClr val="lt1"/>
-    </dgm:linClrLst>
-    <dgm:effectClrLst/>
-    <dgm:txLinClrLst/>
-    <dgm:txFillClrLst meth="repeat">
-      <a:schemeClr val="lt1"/>
-    </dgm:txFillClrLst>
-    <dgm:txEffectClrLst/>
-  </dgm:styleLbl>
-  <dgm:styleLbl name="alignImgPlace1">
-    <dgm:fillClrLst meth="repeat">
-      <a:schemeClr val="accent1">
-        <a:tint val="50000"/>
-      </a:schemeClr>
-    </dgm:fillClrLst>
-    <dgm:linClrLst meth="repeat">
-      <a:schemeClr val="lt1"/>
-    </dgm:linClrLst>
-    <dgm:effectClrLst/>
-    <dgm:txLinClrLst/>
-    <dgm:txFillClrLst meth="repeat">
-      <a:schemeClr val="lt1"/>
-    </dgm:txFillClrLst>
-    <dgm:txEffectClrLst/>
-  </dgm:styleLbl>
-  <dgm:styleLbl name="bgImgPlace1">
-    <dgm:fillClrLst meth="repeat">
-      <a:schemeClr val="accent1">
-        <a:tint val="50000"/>
-      </a:schemeClr>
-    </dgm:fillClrLst>
-    <dgm:linClrLst meth="repeat">
-      <a:schemeClr val="lt1"/>
-    </dgm:linClrLst>
-    <dgm:effectClrLst/>
-    <dgm:txLinClrLst/>
-    <dgm:txFillClrLst meth="repeat">
-      <a:schemeClr val="lt1"/>
-    </dgm:txFillClrLst>
-    <dgm:txEffectClrLst/>
-  </dgm:styleLbl>
-  <dgm:styleLbl name="sibTrans2D1">
-    <dgm:fillClrLst meth="repeat">
-      <a:schemeClr val="accent1">
-        <a:tint val="60000"/>
-      </a:schemeClr>
-    </dgm:fillClrLst>
-    <dgm:linClrLst meth="repeat">
-      <a:schemeClr val="accent1">
-        <a:tint val="60000"/>
-      </a:schemeClr>
-    </dgm:linClrLst>
-    <dgm:effectClrLst/>
-    <dgm:txLinClrLst/>
-    <dgm:txFillClrLst/>
-    <dgm:txEffectClrLst/>
-  </dgm:styleLbl>
-  <dgm:styleLbl name="fgSibTrans2D1">
-    <dgm:fillClrLst meth="repeat">
-      <a:schemeClr val="accent1">
-        <a:tint val="60000"/>
-      </a:schemeClr>
-    </dgm:fillClrLst>
-    <dgm:linClrLst meth="repeat">
-      <a:schemeClr val="accent1">
-        <a:tint val="60000"/>
-      </a:schemeClr>
-    </dgm:linClrLst>
-    <dgm:effectClrLst/>
-    <dgm:txLinClrLst/>
-    <dgm:txFillClrLst/>
-    <dgm:txEffectClrLst/>
-  </dgm:styleLbl>
-  <dgm:styleLbl name="bgSibTrans2D1">
-    <dgm:fillClrLst meth="repeat">
-      <a:schemeClr val="accent1">
-        <a:tint val="60000"/>
-      </a:schemeClr>
-    </dgm:fillClrLst>
-    <dgm:linClrLst meth="repeat">
-      <a:schemeClr val="accent1">
-        <a:tint val="60000"/>
-      </a:schemeClr>
-    </dgm:linClrLst>
-    <dgm:effectClrLst/>
-    <dgm:txLinClrLst/>
-    <dgm:txFillClrLst/>
-    <dgm:txEffectClrLst/>
-  </dgm:styleLbl>
-  <dgm:styleLbl name="sibTrans1D1">
-    <dgm:fillClrLst meth="repeat">
-      <a:schemeClr val="accent1"/>
-    </dgm:fillClrLst>
-    <dgm:linClrLst meth="repeat">
-      <a:schemeClr val="accent1"/>
-    </dgm:linClrLst>
-    <dgm:effectClrLst/>
-    <dgm:txLinClrLst/>
-    <dgm:txFillClrLst meth="repeat">
-      <a:schemeClr val="tx1"/>
-    </dgm:txFillClrLst>
-    <dgm:txEffectClrLst/>
-  </dgm:styleLbl>
-  <dgm:styleLbl name="callout">
-    <dgm:fillClrLst meth="repeat">
-      <a:schemeClr val="accent1"/>
-    </dgm:fillClrLst>
-    <dgm:linClrLst meth="repeat">
-      <a:schemeClr val="accent1">
-        <a:tint val="50000"/>
-      </a:schemeClr>
-    </dgm:linClrLst>
-    <dgm:effectClrLst/>
-    <dgm:txLinClrLst/>
-    <dgm:txFillClrLst meth="repeat">
-      <a:schemeClr val="tx1"/>
-    </dgm:txFillClrLst>
-    <dgm:txEffectClrLst/>
-  </dgm:styleLbl>
-  <dgm:styleLbl name="asst0">
-    <dgm:fillClrLst meth="repeat">
-      <a:schemeClr val="accent1"/>
-    </dgm:fillClrLst>
-    <dgm:linClrLst meth="repeat">
-      <a:schemeClr val="lt1"/>
-    </dgm:linClrLst>
-    <dgm:effectClrLst/>
-    <dgm:txLinClrLst/>
-    <dgm:txFillClrLst/>
-    <dgm:txEffectClrLst/>
-  </dgm:styleLbl>
-  <dgm:styleLbl name="asst1">
-    <dgm:fillClrLst meth="repeat">
-      <a:schemeClr val="accent1"/>
-    </dgm:fillClrLst>
-    <dgm:linClrLst meth="repeat">
-      <a:schemeClr val="lt1"/>
-    </dgm:linClrLst>
-    <dgm:effectClrLst/>
-    <dgm:txLinClrLst/>
-    <dgm:txFillClrLst/>
-    <dgm:txEffectClrLst/>
-  </dgm:styleLbl>
-  <dgm:styleLbl name="asst2">
-    <dgm:fillClrLst meth="repeat">
-      <a:schemeClr val="accent1"/>
-    </dgm:fillClrLst>
-    <dgm:linClrLst meth="repeat">
-      <a:schemeClr val="lt1"/>
-    </dgm:linClrLst>
-    <dgm:effectClrLst/>
-    <dgm:txLinClrLst/>
-    <dgm:txFillClrLst/>
-    <dgm:txEffectClrLst/>
-  </dgm:styleLbl>
-  <dgm:styleLbl name="asst3">
-    <dgm:fillClrLst meth="repeat">
-      <a:schemeClr val="accent1"/>
-    </dgm:fillClrLst>
-    <dgm:linClrLst meth="repeat">
-      <a:schemeClr val="lt1"/>
-    </dgm:linClrLst>
-    <dgm:effectClrLst/>
-    <dgm:txLinClrLst/>
-    <dgm:txFillClrLst/>
-    <dgm:txEffectClrLst/>
-  </dgm:styleLbl>
-  <dgm:styleLbl name="asst4">
-    <dgm:fillClrLst meth="repeat">
-      <a:schemeClr val="accent1"/>
-    </dgm:fillClrLst>
-    <dgm:linClrLst meth="repeat">
-      <a:schemeClr val="lt1"/>
-    </dgm:linClrLst>
-    <dgm:effectClrLst/>
-    <dgm:txLinClrLst/>
-    <dgm:txFillClrLst/>
-    <dgm:txEffectClrLst/>
-  </dgm:styleLbl>
-  <dgm:styleLbl name="parChTrans2D1">
-    <dgm:fillClrLst meth="repeat">
-      <a:schemeClr val="accent1">
-        <a:tint val="60000"/>
-      </a:schemeClr>
-    </dgm:fillClrLst>
-    <dgm:linClrLst meth="repeat">
-      <a:schemeClr val="accent1">
-        <a:tint val="60000"/>
-      </a:schemeClr>
-    </dgm:linClrLst>
-    <dgm:effectClrLst/>
-    <dgm:txLinClrLst/>
-    <dgm:txFillClrLst meth="repeat">
-      <a:schemeClr val="lt1"/>
-    </dgm:txFillClrLst>
-    <dgm:txEffectClrLst/>
-  </dgm:styleLbl>
-  <dgm:styleLbl name="parChTrans2D2">
-    <dgm:fillClrLst meth="repeat">
-      <a:schemeClr val="accent1"/>
-    </dgm:fillClrLst>
-    <dgm:linClrLst meth="repeat">
-      <a:schemeClr val="accent1"/>
-    </dgm:linClrLst>
-    <dgm:effectClrLst/>
-    <dgm:txLinClrLst/>
-    <dgm:txFillClrLst meth="repeat">
-      <a:schemeClr val="lt1"/>
-    </dgm:txFillClrLst>
-    <dgm:txEffectClrLst/>
-  </dgm:styleLbl>
-  <dgm:styleLbl name="parChTrans2D3">
-    <dgm:fillClrLst meth="repeat">
-      <a:schemeClr val="accent1"/>
-    </dgm:fillClrLst>
-    <dgm:linClrLst meth="repeat">
-      <a:schemeClr val="accent1"/>
-    </dgm:linClrLst>
-    <dgm:effectClrLst/>
-    <dgm:txLinClrLst/>
-    <dgm:txFillClrLst meth="repeat">
-      <a:schemeClr val="lt1"/>
-    </dgm:txFillClrLst>
-    <dgm:txEffectClrLst/>
-  </dgm:styleLbl>
-  <dgm:styleLbl name="parChTrans2D4">
-    <dgm:fillClrLst meth="repeat">
-      <a:schemeClr val="accent1"/>
-    </dgm:fillClrLst>
-    <dgm:linClrLst meth="repeat">
-      <a:schemeClr val="accent1"/>
-    </dgm:linClrLst>
-    <dgm:effectClrLst/>
-    <dgm:txLinClrLst/>
-    <dgm:txFillClrLst meth="repeat">
-      <a:schemeClr val="lt1"/>
-    </dgm:txFillClrLst>
-    <dgm:txEffectClrLst/>
-  </dgm:styleLbl>
-  <dgm:styleLbl name="parChTrans1D1">
-    <dgm:fillClrLst meth="repeat">
-      <a:schemeClr val="accent1"/>
-    </dgm:fillClrLst>
-    <dgm:linClrLst meth="repeat">
-      <a:schemeClr val="accent1">
-        <a:shade val="60000"/>
-      </a:schemeClr>
-    </dgm:linClrLst>
-    <dgm:effectClrLst/>
-    <dgm:txLinClrLst/>
-    <dgm:txFillClrLst meth="repeat">
-      <a:schemeClr val="tx1"/>
-    </dgm:txFillClrLst>
-    <dgm:txEffectClrLst/>
-  </dgm:styleLbl>
-  <dgm:styleLbl name="parChTrans1D2">
-    <dgm:fillClrLst meth="repeat">
-      <a:schemeClr val="accent1"/>
-    </dgm:fillClrLst>
-    <dgm:linClrLst meth="repeat">
-      <a:schemeClr val="accent1">
-        <a:shade val="60000"/>
-      </a:schemeClr>
-    </dgm:linClrLst>
-    <dgm:effectClrLst/>
-    <dgm:txLinClrLst/>
-    <dgm:txFillClrLst meth="repeat">
-      <a:schemeClr val="tx1"/>
-    </dgm:txFillClrLst>
-    <dgm:txEffectClrLst/>
-  </dgm:styleLbl>
-  <dgm:styleLbl name="parChTrans1D3">
-    <dgm:fillClrLst meth="repeat">
-      <a:schemeClr val="accent1"/>
-    </dgm:fillClrLst>
-    <dgm:linClrLst meth="repeat">
-      <a:schemeClr val="accent1">
-        <a:shade val="80000"/>
-      </a:schemeClr>
-    </dgm:linClrLst>
-    <dgm:effectClrLst/>
-    <dgm:txLinClrLst/>
-    <dgm:txFillClrLst meth="repeat">
-      <a:schemeClr val="tx1"/>
-    </dgm:txFillClrLst>
-    <dgm:txEffectClrLst/>
-  </dgm:styleLbl>
-  <dgm:styleLbl name="parChTrans1D4">
-    <dgm:fillClrLst meth="repeat">
-      <a:schemeClr val="accent1"/>
-    </dgm:fillClrLst>
-    <dgm:linClrLst meth="repeat">
-      <a:schemeClr val="accent1">
-        <a:shade val="80000"/>
-      </a:schemeClr>
-    </dgm:linClrLst>
-    <dgm:effectClrLst/>
-    <dgm:txLinClrLst/>
-    <dgm:txFillClrLst meth="repeat">
-      <a:schemeClr val="tx1"/>
-    </dgm:txFillClrLst>
-    <dgm:txEffectClrLst/>
-  </dgm:styleLbl>
-  <dgm:styleLbl name="fgAcc1">
-    <dgm:fillClrLst meth="repeat">
-      <a:schemeClr val="lt1">
-        <a:alpha val="90000"/>
-      </a:schemeClr>
-    </dgm:fillClrLst>
-    <dgm:linClrLst meth="repeat">
-      <a:schemeClr val="accent1"/>
-    </dgm:linClrLst>
-    <dgm:effectClrLst/>
-    <dgm:txLinClrLst/>
-    <dgm:txFillClrLst meth="repeat">
-      <a:schemeClr val="dk1"/>
-    </dgm:txFillClrLst>
-    <dgm:txEffectClrLst/>
-  </dgm:styleLbl>
-  <dgm:styleLbl name="conFgAcc1">
-    <dgm:fillClrLst meth="repeat">
-      <a:schemeClr val="lt1">
-        <a:alpha val="90000"/>
-      </a:schemeClr>
-    </dgm:fillClrLst>
-    <dgm:linClrLst meth="repeat">
-      <a:schemeClr val="accent1"/>
-    </dgm:linClrLst>
-    <dgm:effectClrLst/>
-    <dgm:txLinClrLst/>
-    <dgm:txFillClrLst meth="repeat">
-      <a:schemeClr val="dk1"/>
-    </dgm:txFillClrLst>
-    <dgm:txEffectClrLst/>
-  </dgm:styleLbl>
-  <dgm:styleLbl name="alignAcc1">
-    <dgm:fillClrLst meth="repeat">
-      <a:schemeClr val="lt1">
-        <a:alpha val="90000"/>
-      </a:schemeClr>
-    </dgm:fillClrLst>
-    <dgm:linClrLst meth="repeat">
-      <a:schemeClr val="accent1"/>
-    </dgm:linClrLst>
-    <dgm:effectClrLst/>
-    <dgm:txLinClrLst/>
-    <dgm:txFillClrLst meth="repeat">
-      <a:schemeClr val="dk1"/>
-    </dgm:txFillClrLst>
-    <dgm:txEffectClrLst/>
-  </dgm:styleLbl>
-  <dgm:styleLbl name="trAlignAcc1">
-    <dgm:fillClrLst meth="repeat">
-      <a:schemeClr val="lt1">
-        <a:alpha val="40000"/>
-      </a:schemeClr>
-    </dgm:fillClrLst>
-    <dgm:linClrLst meth="repeat">
-      <a:schemeClr val="accent1"/>
-    </dgm:linClrLst>
-    <dgm:effectClrLst/>
-    <dgm:txLinClrLst/>
-    <dgm:txFillClrLst meth="repeat">
-      <a:schemeClr val="dk1"/>
-    </dgm:txFillClrLst>
-    <dgm:txEffectClrLst/>
-  </dgm:styleLbl>
-  <dgm:styleLbl name="bgAcc1">
-    <dgm:fillClrLst meth="repeat">
-      <a:schemeClr val="lt1">
-        <a:alpha val="90000"/>
-      </a:schemeClr>
-    </dgm:fillClrLst>
-    <dgm:linClrLst meth="repeat">
-      <a:schemeClr val="accent1"/>
-    </dgm:linClrLst>
-    <dgm:effectClrLst/>
-    <dgm:txLinClrLst/>
-    <dgm:txFillClrLst meth="repeat">
-      <a:schemeClr val="dk1"/>
-    </dgm:txFillClrLst>
-    <dgm:txEffectClrLst/>
-  </dgm:styleLbl>
-  <dgm:styleLbl name="solidFgAcc1">
-    <dgm:fillClrLst meth="repeat">
-      <a:schemeClr val="lt1"/>
-    </dgm:fillClrLst>
-    <dgm:linClrLst meth="repeat">
-      <a:schemeClr val="accent1"/>
-    </dgm:linClrLst>
-    <dgm:effectClrLst/>
-    <dgm:txLinClrLst/>
-    <dgm:txFillClrLst meth="repeat">
-      <a:schemeClr val="dk1"/>
-    </dgm:txFillClrLst>
-    <dgm:txEffectClrLst/>
-  </dgm:styleLbl>
-  <dgm:styleLbl name="solidAlignAcc1">
-    <dgm:fillClrLst meth="repeat">
-      <a:schemeClr val="lt1"/>
-    </dgm:fillClrLst>
-    <dgm:linClrLst meth="repeat">
-      <a:schemeClr val="accent1"/>
-    </dgm:linClrLst>
-    <dgm:effectClrLst/>
-    <dgm:txLinClrLst/>
-    <dgm:txFillClrLst meth="repeat">
-      <a:schemeClr val="dk1"/>
-    </dgm:txFillClrLst>
-    <dgm:txEffectClrLst/>
-  </dgm:styleLbl>
-  <dgm:styleLbl name="solidBgAcc1">
-    <dgm:fillClrLst meth="repeat">
-      <a:schemeClr val="lt1"/>
-    </dgm:fillClrLst>
-    <dgm:linClrLst meth="repeat">
-      <a:schemeClr val="accent1"/>
-    </dgm:linClrLst>
-    <dgm:effectClrLst/>
-    <dgm:txLinClrLst/>
-    <dgm:txFillClrLst meth="repeat">
-      <a:schemeClr val="dk1"/>
-    </dgm:txFillClrLst>
-    <dgm:txEffectClrLst/>
-  </dgm:styleLbl>
-  <dgm:styleLbl name="fgAccFollowNode1">
-    <dgm:fillClrLst meth="repeat">
-      <a:schemeClr val="accent1">
-        <a:alpha val="90000"/>
-        <a:tint val="40000"/>
-      </a:schemeClr>
-    </dgm:fillClrLst>
-    <dgm:linClrLst meth="repeat">
-      <a:schemeClr val="accent1">
-        <a:alpha val="90000"/>
-        <a:tint val="40000"/>
-      </a:schemeClr>
-    </dgm:linClrLst>
-    <dgm:effectClrLst/>
-    <dgm:txLinClrLst/>
-    <dgm:txFillClrLst meth="repeat">
-      <a:schemeClr val="dk1"/>
-    </dgm:txFillClrLst>
-    <dgm:txEffectClrLst/>
-  </dgm:styleLbl>
-  <dgm:styleLbl name="alignAccFollowNode1">
-    <dgm:fillClrLst meth="repeat">
-      <a:schemeClr val="accent1">
-        <a:alpha val="90000"/>
-        <a:tint val="40000"/>
-      </a:schemeClr>
-    </dgm:fillClrLst>
-    <dgm:linClrLst meth="repeat">
-      <a:schemeClr val="accent1">
-        <a:alpha val="90000"/>
-        <a:tint val="40000"/>
-      </a:schemeClr>
-    </dgm:linClrLst>
-    <dgm:effectClrLst/>
-    <dgm:txLinClrLst/>
-    <dgm:txFillClrLst meth="repeat">
-      <a:schemeClr val="dk1"/>
-    </dgm:txFillClrLst>
-    <dgm:txEffectClrLst/>
-  </dgm:styleLbl>
-  <dgm:styleLbl name="bgAccFollowNode1">
-    <dgm:fillClrLst meth="repeat">
-      <a:schemeClr val="bg1">
-        <a:lumMod val="95000"/>
-      </a:schemeClr>
-    </dgm:fillClrLst>
-    <dgm:linClrLst>
-      <a:schemeClr val="bg1">
-        <a:lumMod val="95000"/>
-      </a:schemeClr>
-    </dgm:linClrLst>
-    <dgm:effectClrLst/>
-    <dgm:txLinClrLst/>
-    <dgm:txFillClrLst meth="repeat">
-      <a:schemeClr val="tx1">
-        <a:lumMod val="75000"/>
-        <a:lumOff val="25000"/>
-      </a:schemeClr>
-    </dgm:txFillClrLst>
-    <dgm:txEffectClrLst/>
-  </dgm:styleLbl>
-  <dgm:styleLbl name="fgAcc0">
-    <dgm:fillClrLst meth="repeat">
-      <a:schemeClr val="lt1">
-        <a:alpha val="90000"/>
-      </a:schemeClr>
-    </dgm:fillClrLst>
-    <dgm:linClrLst meth="repeat">
-      <a:schemeClr val="accent1"/>
-    </dgm:linClrLst>
-    <dgm:effectClrLst/>
-    <dgm:txLinClrLst/>
-    <dgm:txFillClrLst meth="repeat">
-      <a:schemeClr val="dk1"/>
-    </dgm:txFillClrLst>
-    <dgm:txEffectClrLst/>
-  </dgm:styleLbl>
-  <dgm:styleLbl name="fgAcc2">
-    <dgm:fillClrLst meth="repeat">
-      <a:schemeClr val="lt1">
-        <a:alpha val="90000"/>
-      </a:schemeClr>
-    </dgm:fillClrLst>
-    <dgm:linClrLst meth="repeat">
-      <a:schemeClr val="accent1"/>
-    </dgm:linClrLst>
-    <dgm:effectClrLst/>
-    <dgm:txLinClrLst/>
-    <dgm:txFillClrLst meth="repeat">
-      <a:schemeClr val="dk1"/>
-    </dgm:txFillClrLst>
-    <dgm:txEffectClrLst/>
-  </dgm:styleLbl>
-  <dgm:styleLbl name="fgAcc3">
-    <dgm:fillClrLst meth="repeat">
-      <a:schemeClr val="lt1">
-        <a:alpha val="90000"/>
-      </a:schemeClr>
-    </dgm:fillClrLst>
-    <dgm:linClrLst meth="repeat">
-      <a:schemeClr val="accent1"/>
-    </dgm:linClrLst>
-    <dgm:effectClrLst/>
-    <dgm:txLinClrLst/>
-    <dgm:txFillClrLst meth="repeat">
-      <a:schemeClr val="dk1"/>
-    </dgm:txFillClrLst>
-    <dgm:txEffectClrLst/>
-  </dgm:styleLbl>
-  <dgm:styleLbl name="fgAcc4">
-    <dgm:fillClrLst meth="repeat">
-      <a:schemeClr val="lt1">
-        <a:alpha val="90000"/>
-      </a:schemeClr>
-    </dgm:fillClrLst>
-    <dgm:linClrLst meth="repeat">
-      <a:schemeClr val="accent1"/>
-    </dgm:linClrLst>
-    <dgm:effectClrLst/>
-    <dgm:txLinClrLst/>
-    <dgm:txFillClrLst meth="repeat">
-      <a:schemeClr val="dk1"/>
-    </dgm:txFillClrLst>
-    <dgm:txEffectClrLst/>
-  </dgm:styleLbl>
-  <dgm:styleLbl name="bgShp">
-    <dgm:fillClrLst meth="repeat">
-      <a:schemeClr val="accent1">
-        <a:tint val="40000"/>
-      </a:schemeClr>
-    </dgm:fillClrLst>
-    <dgm:linClrLst meth="repeat">
-      <a:schemeClr val="accent1"/>
-    </dgm:linClrLst>
-    <dgm:effectClrLst/>
-    <dgm:txLinClrLst/>
-    <dgm:txFillClrLst meth="repeat">
-      <a:schemeClr val="dk1"/>
-    </dgm:txFillClrLst>
-    <dgm:txEffectClrLst/>
-  </dgm:styleLbl>
-  <dgm:styleLbl name="dkBgShp">
-    <dgm:fillClrLst meth="repeat">
-      <a:schemeClr val="accent1">
-        <a:shade val="80000"/>
-      </a:schemeClr>
-    </dgm:fillClrLst>
-    <dgm:linClrLst meth="repeat">
-      <a:schemeClr val="accent1"/>
-    </dgm:linClrLst>
-    <dgm:effectClrLst/>
-    <dgm:txLinClrLst/>
-    <dgm:txFillClrLst meth="repeat">
-      <a:schemeClr val="lt1"/>
-    </dgm:txFillClrLst>
-    <dgm:txEffectClrLst/>
-  </dgm:styleLbl>
-  <dgm:styleLbl name="trBgShp">
-    <dgm:fillClrLst meth="repeat">
-      <a:schemeClr val="accent1">
-        <a:tint val="50000"/>
-        <a:alpha val="40000"/>
-      </a:schemeClr>
-    </dgm:fillClrLst>
-    <dgm:linClrLst meth="repeat">
-      <a:schemeClr val="accent1"/>
-    </dgm:linClrLst>
-    <dgm:effectClrLst/>
-    <dgm:txLinClrLst/>
-    <dgm:txFillClrLst meth="repeat">
-      <a:schemeClr val="lt1"/>
-    </dgm:txFillClrLst>
-    <dgm:txEffectClrLst/>
-  </dgm:styleLbl>
-  <dgm:styleLbl name="fgShp">
-    <dgm:fillClrLst meth="repeat">
-      <a:schemeClr val="accent1">
-        <a:tint val="60000"/>
-      </a:schemeClr>
-    </dgm:fillClrLst>
-    <dgm:linClrLst meth="repeat">
-      <a:schemeClr val="lt1"/>
-    </dgm:linClrLst>
-    <dgm:effectClrLst/>
-    <dgm:txLinClrLst/>
-    <dgm:txFillClrLst meth="repeat">
-      <a:schemeClr val="dk1"/>
-    </dgm:txFillClrLst>
-    <dgm:txEffectClrLst/>
-  </dgm:styleLbl>
-  <dgm:styleLbl name="revTx">
-    <dgm:fillClrLst meth="repeat">
-      <a:schemeClr val="lt1">
-        <a:alpha val="0"/>
-      </a:schemeClr>
-    </dgm:fillClrLst>
-    <dgm:linClrLst meth="repeat">
-      <a:schemeClr val="dk1">
-        <a:alpha val="0"/>
-      </a:schemeClr>
-    </dgm:linClrLst>
-    <dgm:effectClrLst/>
-    <dgm:txLinClrLst/>
-    <dgm:txFillClrLst meth="repeat">
-      <a:schemeClr val="tx1"/>
-    </dgm:txFillClrLst>
-    <dgm:txEffectClrLst/>
-  </dgm:styleLbl>
-</dgm:colorsDef>
-</file>
-
-<file path=ppt/diagrams/colors2.xml><?xml version="1.0" encoding="utf-8"?>
 <dgm:colorsDef xmlns:dgm="http://schemas.openxmlformats.org/drawingml/2006/diagram" xmlns:a="http://schemas.openxmlformats.org/drawingml/2006/main" uniqueId="urn:microsoft.com/office/officeart/2005/8/colors/colorful2">
   <dgm:title val=""/>
   <dgm:desc val=""/>
@@ -1660,7 +911,7 @@
 </dgm:colorsDef>
 </file>
 
-<file path=ppt/diagrams/colors3.xml><?xml version="1.0" encoding="utf-8"?>
+<file path=ppt/diagrams/colors2.xml><?xml version="1.0" encoding="utf-8"?>
 <dgm:colorsDef xmlns:dgm="http://schemas.openxmlformats.org/drawingml/2006/diagram" xmlns:a="http://schemas.openxmlformats.org/drawingml/2006/main" uniqueId="urn:microsoft.com/office/officeart/2005/8/colors/ColorSchemeForSuggestions">
   <dgm:title val="Color Scheme for Suggestions"/>
   <dgm:desc val="Color Scheme for Suggestions"/>
@@ -2408,7 +1659,7 @@
 </dgm:colorsDef>
 </file>
 
-<file path=ppt/diagrams/colors4.xml><?xml version="1.0" encoding="utf-8"?>
+<file path=ppt/diagrams/colors3.xml><?xml version="1.0" encoding="utf-8"?>
 <dgm:colorsDef xmlns:dgm="http://schemas.openxmlformats.org/drawingml/2006/diagram" xmlns:a="http://schemas.openxmlformats.org/drawingml/2006/main" uniqueId="urn:microsoft.com/office/officeart/2005/8/colors/accent0_3">
   <dgm:title val=""/>
   <dgm:desc val=""/>
@@ -3160,467 +2411,6 @@
 </file>
 
 <file path=ppt/diagrams/data1.xml><?xml version="1.0" encoding="utf-8"?>
-<dgm:dataModel xmlns:dgm="http://schemas.openxmlformats.org/drawingml/2006/diagram" xmlns:a="http://schemas.openxmlformats.org/drawingml/2006/main">
-  <dgm:ptLst>
-    <dgm:pt modelId="{2236729B-DF05-4066-9A70-0B9DD68C4AB6}" type="doc">
-      <dgm:prSet loTypeId="urn:microsoft.com/office/officeart/2016/7/layout/LinearArrowProcessNumbered" loCatId="process" qsTypeId="urn:microsoft.com/office/officeart/2005/8/quickstyle/simple1" qsCatId="simple" csTypeId="urn:microsoft.com/office/officeart/2005/8/colors/ColorSchemeForSuggestions" csCatId="other"/>
-      <dgm:spPr/>
-      <dgm:t>
-        <a:bodyPr/>
-        <a:lstStyle/>
-        <a:p>
-          <a:endParaRPr lang="en-US"/>
-        </a:p>
-      </dgm:t>
-    </dgm:pt>
-    <dgm:pt modelId="{ADF35C31-9EB0-4CCF-9677-FCFF181448DF}">
-      <dgm:prSet custT="1"/>
-      <dgm:spPr/>
-      <dgm:t>
-        <a:bodyPr/>
-        <a:lstStyle/>
-        <a:p>
-          <a:r>
-            <a:rPr lang="en-US" sz="1600" b="1" dirty="0">
-              <a:latin typeface="Times New Roman" panose="02020603050405020304" pitchFamily="18" charset="0"/>
-              <a:cs typeface="Times New Roman" panose="02020603050405020304" pitchFamily="18" charset="0"/>
-            </a:rPr>
-            <a:t>User interaction with the data base.</a:t>
-          </a:r>
-        </a:p>
-      </dgm:t>
-    </dgm:pt>
-    <dgm:pt modelId="{F5AECAE2-44B2-4C1C-9DE9-A0FC7E35E255}" type="parTrans" cxnId="{784A47D6-F3A5-4BA7-BD2E-0C805CD1FC7C}">
-      <dgm:prSet/>
-      <dgm:spPr/>
-      <dgm:t>
-        <a:bodyPr/>
-        <a:lstStyle/>
-        <a:p>
-          <a:endParaRPr lang="en-US"/>
-        </a:p>
-      </dgm:t>
-    </dgm:pt>
-    <dgm:pt modelId="{1DE54087-B3CA-49ED-8C71-A2A9C17AD835}" type="sibTrans" cxnId="{784A47D6-F3A5-4BA7-BD2E-0C805CD1FC7C}">
-      <dgm:prSet phldrT="1" phldr="0"/>
-      <dgm:spPr/>
-      <dgm:t>
-        <a:bodyPr/>
-        <a:lstStyle/>
-        <a:p>
-          <a:r>
-            <a:rPr lang="en-US"/>
-            <a:t>1</a:t>
-          </a:r>
-        </a:p>
-      </dgm:t>
-    </dgm:pt>
-    <dgm:pt modelId="{391B1193-12E7-49AD-8BB7-F0A1D78067C3}">
-      <dgm:prSet custT="1"/>
-      <dgm:spPr/>
-      <dgm:t>
-        <a:bodyPr/>
-        <a:lstStyle/>
-        <a:p>
-          <a:r>
-            <a:rPr lang="en-US" sz="1600" b="1" dirty="0">
-              <a:latin typeface="Times New Roman" panose="02020603050405020304" pitchFamily="18" charset="0"/>
-              <a:cs typeface="Times New Roman" panose="02020603050405020304" pitchFamily="18" charset="0"/>
-            </a:rPr>
-            <a:t>Access to previously searched answers.</a:t>
-          </a:r>
-        </a:p>
-      </dgm:t>
-    </dgm:pt>
-    <dgm:pt modelId="{AA324F2A-2A4F-4C77-9BDF-BF0972B419B9}" type="parTrans" cxnId="{7B2C75D6-6A29-463E-B372-2006A4146C70}">
-      <dgm:prSet/>
-      <dgm:spPr/>
-      <dgm:t>
-        <a:bodyPr/>
-        <a:lstStyle/>
-        <a:p>
-          <a:endParaRPr lang="en-US"/>
-        </a:p>
-      </dgm:t>
-    </dgm:pt>
-    <dgm:pt modelId="{02F5115F-2738-48B2-B20B-CDC34D57BDEA}" type="sibTrans" cxnId="{7B2C75D6-6A29-463E-B372-2006A4146C70}">
-      <dgm:prSet phldrT="2" phldr="0"/>
-      <dgm:spPr/>
-      <dgm:t>
-        <a:bodyPr/>
-        <a:lstStyle/>
-        <a:p>
-          <a:r>
-            <a:rPr lang="en-US"/>
-            <a:t>2</a:t>
-          </a:r>
-        </a:p>
-      </dgm:t>
-    </dgm:pt>
-    <dgm:pt modelId="{DA78371C-A610-4A7A-847E-7459E3D586DA}">
-      <dgm:prSet custT="1"/>
-      <dgm:spPr/>
-      <dgm:t>
-        <a:bodyPr/>
-        <a:lstStyle/>
-        <a:p>
-          <a:r>
-            <a:rPr lang="en-US" sz="1600" b="1" dirty="0">
-              <a:latin typeface="Times New Roman" panose="02020603050405020304" pitchFamily="18" charset="0"/>
-              <a:cs typeface="Times New Roman" panose="02020603050405020304" pitchFamily="18" charset="0"/>
-            </a:rPr>
-            <a:t>Sentiment analysis for understanding user’s choice.</a:t>
-          </a:r>
-        </a:p>
-      </dgm:t>
-    </dgm:pt>
-    <dgm:pt modelId="{485E7D9B-73F0-47D3-B7A8-83C3F4BFEA12}" type="parTrans" cxnId="{50D08184-C41C-4EA0-ABDE-4B38C7AB85EE}">
-      <dgm:prSet/>
-      <dgm:spPr/>
-      <dgm:t>
-        <a:bodyPr/>
-        <a:lstStyle/>
-        <a:p>
-          <a:endParaRPr lang="en-US"/>
-        </a:p>
-      </dgm:t>
-    </dgm:pt>
-    <dgm:pt modelId="{AE4DDA69-1CF3-4237-894A-28C144C94D03}" type="sibTrans" cxnId="{50D08184-C41C-4EA0-ABDE-4B38C7AB85EE}">
-      <dgm:prSet phldrT="3" phldr="0"/>
-      <dgm:spPr/>
-      <dgm:t>
-        <a:bodyPr/>
-        <a:lstStyle/>
-        <a:p>
-          <a:r>
-            <a:rPr lang="en-US"/>
-            <a:t>3</a:t>
-          </a:r>
-        </a:p>
-      </dgm:t>
-    </dgm:pt>
-    <dgm:pt modelId="{2FC73005-185A-46EB-A513-A0DF222EF4D6}">
-      <dgm:prSet custT="1"/>
-      <dgm:spPr/>
-      <dgm:t>
-        <a:bodyPr/>
-        <a:lstStyle/>
-        <a:p>
-          <a:r>
-            <a:rPr lang="en-US" sz="1600" b="1" dirty="0">
-              <a:latin typeface="Times New Roman" panose="02020603050405020304" pitchFamily="18" charset="0"/>
-              <a:cs typeface="Times New Roman" panose="02020603050405020304" pitchFamily="18" charset="0"/>
-            </a:rPr>
-            <a:t>Proper usage of linguistic resources.</a:t>
-          </a:r>
-        </a:p>
-      </dgm:t>
-    </dgm:pt>
-    <dgm:pt modelId="{01A387B2-B6F2-4FBD-A0EA-2CF6B7E79A72}" type="parTrans" cxnId="{3F164EB4-F0FC-488B-97CC-C28E349AE9B0}">
-      <dgm:prSet/>
-      <dgm:spPr/>
-      <dgm:t>
-        <a:bodyPr/>
-        <a:lstStyle/>
-        <a:p>
-          <a:endParaRPr lang="en-US"/>
-        </a:p>
-      </dgm:t>
-    </dgm:pt>
-    <dgm:pt modelId="{9B3CF570-C9E8-4965-86B3-6AE16FE2BAB3}" type="sibTrans" cxnId="{3F164EB4-F0FC-488B-97CC-C28E349AE9B0}">
-      <dgm:prSet phldrT="4" phldr="0"/>
-      <dgm:spPr/>
-      <dgm:t>
-        <a:bodyPr/>
-        <a:lstStyle/>
-        <a:p>
-          <a:r>
-            <a:rPr lang="en-US"/>
-            <a:t>4</a:t>
-          </a:r>
-        </a:p>
-      </dgm:t>
-    </dgm:pt>
-    <dgm:pt modelId="{8947E62D-686B-485E-95A7-E8A13F63462C}" type="pres">
-      <dgm:prSet presAssocID="{2236729B-DF05-4066-9A70-0B9DD68C4AB6}" presName="linearFlow" presStyleCnt="0">
-        <dgm:presLayoutVars>
-          <dgm:dir/>
-          <dgm:animLvl val="lvl"/>
-          <dgm:resizeHandles val="exact"/>
-        </dgm:presLayoutVars>
-      </dgm:prSet>
-      <dgm:spPr/>
-    </dgm:pt>
-    <dgm:pt modelId="{B0244785-EF9F-48B6-BEE3-3E8394737FAB}" type="pres">
-      <dgm:prSet presAssocID="{ADF35C31-9EB0-4CCF-9677-FCFF181448DF}" presName="compositeNode" presStyleCnt="0"/>
-      <dgm:spPr/>
-    </dgm:pt>
-    <dgm:pt modelId="{F474F8C5-BAA9-4EEC-80A6-5B2037F9115A}" type="pres">
-      <dgm:prSet presAssocID="{ADF35C31-9EB0-4CCF-9677-FCFF181448DF}" presName="parTx" presStyleLbl="node1" presStyleIdx="0" presStyleCnt="0">
-        <dgm:presLayoutVars>
-          <dgm:chMax val="0"/>
-          <dgm:chPref val="0"/>
-          <dgm:bulletEnabled val="1"/>
-        </dgm:presLayoutVars>
-      </dgm:prSet>
-      <dgm:spPr/>
-    </dgm:pt>
-    <dgm:pt modelId="{7B284225-B670-4A93-9C0B-649B6A06C3F1}" type="pres">
-      <dgm:prSet presAssocID="{ADF35C31-9EB0-4CCF-9677-FCFF181448DF}" presName="parSh" presStyleCnt="0"/>
-      <dgm:spPr/>
-    </dgm:pt>
-    <dgm:pt modelId="{AFCD7B0E-3B43-4717-8727-D6140F40100B}" type="pres">
-      <dgm:prSet presAssocID="{ADF35C31-9EB0-4CCF-9677-FCFF181448DF}" presName="lineNode" presStyleLbl="alignAccFollowNode1" presStyleIdx="0" presStyleCnt="12"/>
-      <dgm:spPr/>
-    </dgm:pt>
-    <dgm:pt modelId="{5C1AE336-9BD4-4C51-98CD-4F55B99D7D5D}" type="pres">
-      <dgm:prSet presAssocID="{ADF35C31-9EB0-4CCF-9677-FCFF181448DF}" presName="lineArrowNode" presStyleLbl="alignAccFollowNode1" presStyleIdx="1" presStyleCnt="12"/>
-      <dgm:spPr/>
-    </dgm:pt>
-    <dgm:pt modelId="{4B5E7B67-E440-44CD-BEE8-9694516FD6BF}" type="pres">
-      <dgm:prSet presAssocID="{1DE54087-B3CA-49ED-8C71-A2A9C17AD835}" presName="sibTransNodeCircle" presStyleLbl="alignNode1" presStyleIdx="0" presStyleCnt="4">
-        <dgm:presLayoutVars>
-          <dgm:chMax val="0"/>
-          <dgm:bulletEnabled/>
-        </dgm:presLayoutVars>
-      </dgm:prSet>
-      <dgm:spPr/>
-    </dgm:pt>
-    <dgm:pt modelId="{63F2A17F-30F9-4113-AC06-75F35255F236}" type="pres">
-      <dgm:prSet presAssocID="{1DE54087-B3CA-49ED-8C71-A2A9C17AD835}" presName="spacerBetweenCircleAndCallout" presStyleCnt="0">
-        <dgm:presLayoutVars/>
-      </dgm:prSet>
-      <dgm:spPr/>
-    </dgm:pt>
-    <dgm:pt modelId="{3B858B8F-2CEC-40B4-90DC-241306FC1E72}" type="pres">
-      <dgm:prSet presAssocID="{ADF35C31-9EB0-4CCF-9677-FCFF181448DF}" presName="nodeText" presStyleLbl="alignAccFollowNode1" presStyleIdx="2" presStyleCnt="12">
-        <dgm:presLayoutVars>
-          <dgm:bulletEnabled val="1"/>
-        </dgm:presLayoutVars>
-      </dgm:prSet>
-      <dgm:spPr/>
-    </dgm:pt>
-    <dgm:pt modelId="{76FEA14C-286C-426F-B283-4BE6885605D7}" type="pres">
-      <dgm:prSet presAssocID="{1DE54087-B3CA-49ED-8C71-A2A9C17AD835}" presName="sibTransComposite" presStyleCnt="0"/>
-      <dgm:spPr/>
-    </dgm:pt>
-    <dgm:pt modelId="{D07CC8DB-93C3-412B-BEFD-7FE30A9F2867}" type="pres">
-      <dgm:prSet presAssocID="{391B1193-12E7-49AD-8BB7-F0A1D78067C3}" presName="compositeNode" presStyleCnt="0"/>
-      <dgm:spPr/>
-    </dgm:pt>
-    <dgm:pt modelId="{E9FF3C1C-3311-4B7C-9B12-0B01C1982FEF}" type="pres">
-      <dgm:prSet presAssocID="{391B1193-12E7-49AD-8BB7-F0A1D78067C3}" presName="parTx" presStyleLbl="node1" presStyleIdx="0" presStyleCnt="0">
-        <dgm:presLayoutVars>
-          <dgm:chMax val="0"/>
-          <dgm:chPref val="0"/>
-          <dgm:bulletEnabled val="1"/>
-        </dgm:presLayoutVars>
-      </dgm:prSet>
-      <dgm:spPr/>
-    </dgm:pt>
-    <dgm:pt modelId="{A6D9AECA-521C-4885-8437-3D58E089F5E9}" type="pres">
-      <dgm:prSet presAssocID="{391B1193-12E7-49AD-8BB7-F0A1D78067C3}" presName="parSh" presStyleCnt="0"/>
-      <dgm:spPr/>
-    </dgm:pt>
-    <dgm:pt modelId="{337DB421-88AD-4709-83F5-CFF551FBCC9E}" type="pres">
-      <dgm:prSet presAssocID="{391B1193-12E7-49AD-8BB7-F0A1D78067C3}" presName="lineNode" presStyleLbl="alignAccFollowNode1" presStyleIdx="3" presStyleCnt="12"/>
-      <dgm:spPr/>
-    </dgm:pt>
-    <dgm:pt modelId="{640312D3-05B4-4713-AE25-33C93C93DF4C}" type="pres">
-      <dgm:prSet presAssocID="{391B1193-12E7-49AD-8BB7-F0A1D78067C3}" presName="lineArrowNode" presStyleLbl="alignAccFollowNode1" presStyleIdx="4" presStyleCnt="12"/>
-      <dgm:spPr/>
-    </dgm:pt>
-    <dgm:pt modelId="{FE2B9394-37D5-4D3C-AE4D-8ECDBB8BC362}" type="pres">
-      <dgm:prSet presAssocID="{02F5115F-2738-48B2-B20B-CDC34D57BDEA}" presName="sibTransNodeCircle" presStyleLbl="alignNode1" presStyleIdx="1" presStyleCnt="4">
-        <dgm:presLayoutVars>
-          <dgm:chMax val="0"/>
-          <dgm:bulletEnabled/>
-        </dgm:presLayoutVars>
-      </dgm:prSet>
-      <dgm:spPr/>
-    </dgm:pt>
-    <dgm:pt modelId="{E3241BC3-3C73-4441-9CCE-E38D34061A14}" type="pres">
-      <dgm:prSet presAssocID="{02F5115F-2738-48B2-B20B-CDC34D57BDEA}" presName="spacerBetweenCircleAndCallout" presStyleCnt="0">
-        <dgm:presLayoutVars/>
-      </dgm:prSet>
-      <dgm:spPr/>
-    </dgm:pt>
-    <dgm:pt modelId="{F9A61915-7B20-468A-88BB-306CB3BA4FD7}" type="pres">
-      <dgm:prSet presAssocID="{391B1193-12E7-49AD-8BB7-F0A1D78067C3}" presName="nodeText" presStyleLbl="alignAccFollowNode1" presStyleIdx="5" presStyleCnt="12">
-        <dgm:presLayoutVars>
-          <dgm:bulletEnabled val="1"/>
-        </dgm:presLayoutVars>
-      </dgm:prSet>
-      <dgm:spPr/>
-    </dgm:pt>
-    <dgm:pt modelId="{716C5EB9-2F0A-4F39-AD12-ED1AB1DC4FBD}" type="pres">
-      <dgm:prSet presAssocID="{02F5115F-2738-48B2-B20B-CDC34D57BDEA}" presName="sibTransComposite" presStyleCnt="0"/>
-      <dgm:spPr/>
-    </dgm:pt>
-    <dgm:pt modelId="{E0042389-F1FD-46A1-97E0-3AD587040DED}" type="pres">
-      <dgm:prSet presAssocID="{DA78371C-A610-4A7A-847E-7459E3D586DA}" presName="compositeNode" presStyleCnt="0"/>
-      <dgm:spPr/>
-    </dgm:pt>
-    <dgm:pt modelId="{D8F1159D-5990-4B41-988E-8EB69AC3EE23}" type="pres">
-      <dgm:prSet presAssocID="{DA78371C-A610-4A7A-847E-7459E3D586DA}" presName="parTx" presStyleLbl="node1" presStyleIdx="0" presStyleCnt="0">
-        <dgm:presLayoutVars>
-          <dgm:chMax val="0"/>
-          <dgm:chPref val="0"/>
-          <dgm:bulletEnabled val="1"/>
-        </dgm:presLayoutVars>
-      </dgm:prSet>
-      <dgm:spPr/>
-    </dgm:pt>
-    <dgm:pt modelId="{86E31F02-99B7-4055-8BE1-A3BC55F84D14}" type="pres">
-      <dgm:prSet presAssocID="{DA78371C-A610-4A7A-847E-7459E3D586DA}" presName="parSh" presStyleCnt="0"/>
-      <dgm:spPr/>
-    </dgm:pt>
-    <dgm:pt modelId="{7AEDB053-1444-469C-B1F6-8BE4CFE99832}" type="pres">
-      <dgm:prSet presAssocID="{DA78371C-A610-4A7A-847E-7459E3D586DA}" presName="lineNode" presStyleLbl="alignAccFollowNode1" presStyleIdx="6" presStyleCnt="12"/>
-      <dgm:spPr/>
-    </dgm:pt>
-    <dgm:pt modelId="{37ED4666-35A7-4282-BF0F-2133B7C9A8F1}" type="pres">
-      <dgm:prSet presAssocID="{DA78371C-A610-4A7A-847E-7459E3D586DA}" presName="lineArrowNode" presStyleLbl="alignAccFollowNode1" presStyleIdx="7" presStyleCnt="12"/>
-      <dgm:spPr/>
-    </dgm:pt>
-    <dgm:pt modelId="{B8C75D9E-25B7-489F-8EF5-6068E3CD4539}" type="pres">
-      <dgm:prSet presAssocID="{AE4DDA69-1CF3-4237-894A-28C144C94D03}" presName="sibTransNodeCircle" presStyleLbl="alignNode1" presStyleIdx="2" presStyleCnt="4">
-        <dgm:presLayoutVars>
-          <dgm:chMax val="0"/>
-          <dgm:bulletEnabled/>
-        </dgm:presLayoutVars>
-      </dgm:prSet>
-      <dgm:spPr/>
-    </dgm:pt>
-    <dgm:pt modelId="{6DA177E3-96ED-44AF-9562-7FDA59250B65}" type="pres">
-      <dgm:prSet presAssocID="{AE4DDA69-1CF3-4237-894A-28C144C94D03}" presName="spacerBetweenCircleAndCallout" presStyleCnt="0">
-        <dgm:presLayoutVars/>
-      </dgm:prSet>
-      <dgm:spPr/>
-    </dgm:pt>
-    <dgm:pt modelId="{6F75A622-0FD4-48AC-B802-02D8B6E50186}" type="pres">
-      <dgm:prSet presAssocID="{DA78371C-A610-4A7A-847E-7459E3D586DA}" presName="nodeText" presStyleLbl="alignAccFollowNode1" presStyleIdx="8" presStyleCnt="12">
-        <dgm:presLayoutVars>
-          <dgm:bulletEnabled val="1"/>
-        </dgm:presLayoutVars>
-      </dgm:prSet>
-      <dgm:spPr/>
-    </dgm:pt>
-    <dgm:pt modelId="{B5BEB6D0-D8C4-456E-977D-F12380E78EF7}" type="pres">
-      <dgm:prSet presAssocID="{AE4DDA69-1CF3-4237-894A-28C144C94D03}" presName="sibTransComposite" presStyleCnt="0"/>
-      <dgm:spPr/>
-    </dgm:pt>
-    <dgm:pt modelId="{691F3328-6203-46F1-9444-3F724E5AD9D5}" type="pres">
-      <dgm:prSet presAssocID="{2FC73005-185A-46EB-A513-A0DF222EF4D6}" presName="compositeNode" presStyleCnt="0"/>
-      <dgm:spPr/>
-    </dgm:pt>
-    <dgm:pt modelId="{37DA996E-DB37-4027-A898-67CDE17D1D0D}" type="pres">
-      <dgm:prSet presAssocID="{2FC73005-185A-46EB-A513-A0DF222EF4D6}" presName="parTx" presStyleLbl="node1" presStyleIdx="0" presStyleCnt="0">
-        <dgm:presLayoutVars>
-          <dgm:chMax val="0"/>
-          <dgm:chPref val="0"/>
-          <dgm:bulletEnabled val="1"/>
-        </dgm:presLayoutVars>
-      </dgm:prSet>
-      <dgm:spPr/>
-    </dgm:pt>
-    <dgm:pt modelId="{5B44C4F2-0F69-45BB-B6EF-98129C35D1E4}" type="pres">
-      <dgm:prSet presAssocID="{2FC73005-185A-46EB-A513-A0DF222EF4D6}" presName="parSh" presStyleCnt="0"/>
-      <dgm:spPr/>
-    </dgm:pt>
-    <dgm:pt modelId="{1061A2BB-98D4-4722-A619-F8D542A8E6D7}" type="pres">
-      <dgm:prSet presAssocID="{2FC73005-185A-46EB-A513-A0DF222EF4D6}" presName="lineNode" presStyleLbl="alignAccFollowNode1" presStyleIdx="9" presStyleCnt="12"/>
-      <dgm:spPr/>
-    </dgm:pt>
-    <dgm:pt modelId="{000EF5F8-4BCE-4072-A918-FA15644E8565}" type="pres">
-      <dgm:prSet presAssocID="{2FC73005-185A-46EB-A513-A0DF222EF4D6}" presName="lineArrowNode" presStyleLbl="alignAccFollowNode1" presStyleIdx="10" presStyleCnt="12"/>
-      <dgm:spPr/>
-    </dgm:pt>
-    <dgm:pt modelId="{900FFC2A-9874-47DE-BB81-E34FA2A4BAA3}" type="pres">
-      <dgm:prSet presAssocID="{9B3CF570-C9E8-4965-86B3-6AE16FE2BAB3}" presName="sibTransNodeCircle" presStyleLbl="alignNode1" presStyleIdx="3" presStyleCnt="4">
-        <dgm:presLayoutVars>
-          <dgm:chMax val="0"/>
-          <dgm:bulletEnabled/>
-        </dgm:presLayoutVars>
-      </dgm:prSet>
-      <dgm:spPr/>
-    </dgm:pt>
-    <dgm:pt modelId="{5160293D-1786-439C-81FB-B0B2359EDAD8}" type="pres">
-      <dgm:prSet presAssocID="{9B3CF570-C9E8-4965-86B3-6AE16FE2BAB3}" presName="spacerBetweenCircleAndCallout" presStyleCnt="0">
-        <dgm:presLayoutVars/>
-      </dgm:prSet>
-      <dgm:spPr/>
-    </dgm:pt>
-    <dgm:pt modelId="{E39F6050-6D02-4E59-BC33-BD6F00B82683}" type="pres">
-      <dgm:prSet presAssocID="{2FC73005-185A-46EB-A513-A0DF222EF4D6}" presName="nodeText" presStyleLbl="alignAccFollowNode1" presStyleIdx="11" presStyleCnt="12">
-        <dgm:presLayoutVars>
-          <dgm:bulletEnabled val="1"/>
-        </dgm:presLayoutVars>
-      </dgm:prSet>
-      <dgm:spPr/>
-    </dgm:pt>
-  </dgm:ptLst>
-  <dgm:cxnLst>
-    <dgm:cxn modelId="{84F8F765-6818-4D43-91C1-2889A7542196}" type="presOf" srcId="{2236729B-DF05-4066-9A70-0B9DD68C4AB6}" destId="{8947E62D-686B-485E-95A7-E8A13F63462C}" srcOrd="0" destOrd="0" presId="urn:microsoft.com/office/officeart/2016/7/layout/LinearArrowProcessNumbered"/>
-    <dgm:cxn modelId="{304AF750-8EC2-40EF-BAC8-486ECB5E4A99}" type="presOf" srcId="{AE4DDA69-1CF3-4237-894A-28C144C94D03}" destId="{B8C75D9E-25B7-489F-8EF5-6068E3CD4539}" srcOrd="0" destOrd="0" presId="urn:microsoft.com/office/officeart/2016/7/layout/LinearArrowProcessNumbered"/>
-    <dgm:cxn modelId="{8655D271-9D51-452E-A718-809F56529614}" type="presOf" srcId="{391B1193-12E7-49AD-8BB7-F0A1D78067C3}" destId="{F9A61915-7B20-468A-88BB-306CB3BA4FD7}" srcOrd="0" destOrd="0" presId="urn:microsoft.com/office/officeart/2016/7/layout/LinearArrowProcessNumbered"/>
-    <dgm:cxn modelId="{1D3A6A54-DFA1-4BEA-8895-78805C0366D1}" type="presOf" srcId="{02F5115F-2738-48B2-B20B-CDC34D57BDEA}" destId="{FE2B9394-37D5-4D3C-AE4D-8ECDBB8BC362}" srcOrd="0" destOrd="0" presId="urn:microsoft.com/office/officeart/2016/7/layout/LinearArrowProcessNumbered"/>
-    <dgm:cxn modelId="{50D08184-C41C-4EA0-ABDE-4B38C7AB85EE}" srcId="{2236729B-DF05-4066-9A70-0B9DD68C4AB6}" destId="{DA78371C-A610-4A7A-847E-7459E3D586DA}" srcOrd="2" destOrd="0" parTransId="{485E7D9B-73F0-47D3-B7A8-83C3F4BFEA12}" sibTransId="{AE4DDA69-1CF3-4237-894A-28C144C94D03}"/>
-    <dgm:cxn modelId="{A9112EB0-1C1A-4E65-BE57-0DA280FC77CE}" type="presOf" srcId="{2FC73005-185A-46EB-A513-A0DF222EF4D6}" destId="{E39F6050-6D02-4E59-BC33-BD6F00B82683}" srcOrd="0" destOrd="0" presId="urn:microsoft.com/office/officeart/2016/7/layout/LinearArrowProcessNumbered"/>
-    <dgm:cxn modelId="{3F164EB4-F0FC-488B-97CC-C28E349AE9B0}" srcId="{2236729B-DF05-4066-9A70-0B9DD68C4AB6}" destId="{2FC73005-185A-46EB-A513-A0DF222EF4D6}" srcOrd="3" destOrd="0" parTransId="{01A387B2-B6F2-4FBD-A0EA-2CF6B7E79A72}" sibTransId="{9B3CF570-C9E8-4965-86B3-6AE16FE2BAB3}"/>
-    <dgm:cxn modelId="{0A3F8DC5-D0E3-4825-B229-2748C8444275}" type="presOf" srcId="{9B3CF570-C9E8-4965-86B3-6AE16FE2BAB3}" destId="{900FFC2A-9874-47DE-BB81-E34FA2A4BAA3}" srcOrd="0" destOrd="0" presId="urn:microsoft.com/office/officeart/2016/7/layout/LinearArrowProcessNumbered"/>
-    <dgm:cxn modelId="{A8E1BAC9-EBAB-4516-98AC-409C1564E32D}" type="presOf" srcId="{1DE54087-B3CA-49ED-8C71-A2A9C17AD835}" destId="{4B5E7B67-E440-44CD-BEE8-9694516FD6BF}" srcOrd="0" destOrd="0" presId="urn:microsoft.com/office/officeart/2016/7/layout/LinearArrowProcessNumbered"/>
-    <dgm:cxn modelId="{784A47D6-F3A5-4BA7-BD2E-0C805CD1FC7C}" srcId="{2236729B-DF05-4066-9A70-0B9DD68C4AB6}" destId="{ADF35C31-9EB0-4CCF-9677-FCFF181448DF}" srcOrd="0" destOrd="0" parTransId="{F5AECAE2-44B2-4C1C-9DE9-A0FC7E35E255}" sibTransId="{1DE54087-B3CA-49ED-8C71-A2A9C17AD835}"/>
-    <dgm:cxn modelId="{7B2C75D6-6A29-463E-B372-2006A4146C70}" srcId="{2236729B-DF05-4066-9A70-0B9DD68C4AB6}" destId="{391B1193-12E7-49AD-8BB7-F0A1D78067C3}" srcOrd="1" destOrd="0" parTransId="{AA324F2A-2A4F-4C77-9BDF-BF0972B419B9}" sibTransId="{02F5115F-2738-48B2-B20B-CDC34D57BDEA}"/>
-    <dgm:cxn modelId="{79AEF1E0-060F-426C-A4EA-13C9757D566B}" type="presOf" srcId="{ADF35C31-9EB0-4CCF-9677-FCFF181448DF}" destId="{3B858B8F-2CEC-40B4-90DC-241306FC1E72}" srcOrd="0" destOrd="0" presId="urn:microsoft.com/office/officeart/2016/7/layout/LinearArrowProcessNumbered"/>
-    <dgm:cxn modelId="{B1EF81F7-11D6-4182-BCC0-8588A1A6E84A}" type="presOf" srcId="{DA78371C-A610-4A7A-847E-7459E3D586DA}" destId="{6F75A622-0FD4-48AC-B802-02D8B6E50186}" srcOrd="0" destOrd="0" presId="urn:microsoft.com/office/officeart/2016/7/layout/LinearArrowProcessNumbered"/>
-    <dgm:cxn modelId="{294120E1-04C2-4BFB-AE33-DC258D6ECF1B}" type="presParOf" srcId="{8947E62D-686B-485E-95A7-E8A13F63462C}" destId="{B0244785-EF9F-48B6-BEE3-3E8394737FAB}" srcOrd="0" destOrd="0" presId="urn:microsoft.com/office/officeart/2016/7/layout/LinearArrowProcessNumbered"/>
-    <dgm:cxn modelId="{A05C687B-A9F7-47B5-AF8B-90376F73C347}" type="presParOf" srcId="{B0244785-EF9F-48B6-BEE3-3E8394737FAB}" destId="{F474F8C5-BAA9-4EEC-80A6-5B2037F9115A}" srcOrd="0" destOrd="0" presId="urn:microsoft.com/office/officeart/2016/7/layout/LinearArrowProcessNumbered"/>
-    <dgm:cxn modelId="{3B8933A9-54AE-4984-AFCA-AE7995D9613F}" type="presParOf" srcId="{B0244785-EF9F-48B6-BEE3-3E8394737FAB}" destId="{7B284225-B670-4A93-9C0B-649B6A06C3F1}" srcOrd="1" destOrd="0" presId="urn:microsoft.com/office/officeart/2016/7/layout/LinearArrowProcessNumbered"/>
-    <dgm:cxn modelId="{AA1DA703-8654-44FA-8E7D-AFB31717B503}" type="presParOf" srcId="{7B284225-B670-4A93-9C0B-649B6A06C3F1}" destId="{AFCD7B0E-3B43-4717-8727-D6140F40100B}" srcOrd="0" destOrd="0" presId="urn:microsoft.com/office/officeart/2016/7/layout/LinearArrowProcessNumbered"/>
-    <dgm:cxn modelId="{A43D6407-E96B-4AA4-9797-6C0D819A3C11}" type="presParOf" srcId="{7B284225-B670-4A93-9C0B-649B6A06C3F1}" destId="{5C1AE336-9BD4-4C51-98CD-4F55B99D7D5D}" srcOrd="1" destOrd="0" presId="urn:microsoft.com/office/officeart/2016/7/layout/LinearArrowProcessNumbered"/>
-    <dgm:cxn modelId="{EB9663A4-3624-4A44-B35F-4C9170E6C75C}" type="presParOf" srcId="{7B284225-B670-4A93-9C0B-649B6A06C3F1}" destId="{4B5E7B67-E440-44CD-BEE8-9694516FD6BF}" srcOrd="2" destOrd="0" presId="urn:microsoft.com/office/officeart/2016/7/layout/LinearArrowProcessNumbered"/>
-    <dgm:cxn modelId="{1D0DDC3D-B906-40F4-AC24-F7CB9FA27165}" type="presParOf" srcId="{7B284225-B670-4A93-9C0B-649B6A06C3F1}" destId="{63F2A17F-30F9-4113-AC06-75F35255F236}" srcOrd="3" destOrd="0" presId="urn:microsoft.com/office/officeart/2016/7/layout/LinearArrowProcessNumbered"/>
-    <dgm:cxn modelId="{35B6DE2B-1FC4-41F7-A0B4-7B353626CA5B}" type="presParOf" srcId="{B0244785-EF9F-48B6-BEE3-3E8394737FAB}" destId="{3B858B8F-2CEC-40B4-90DC-241306FC1E72}" srcOrd="2" destOrd="0" presId="urn:microsoft.com/office/officeart/2016/7/layout/LinearArrowProcessNumbered"/>
-    <dgm:cxn modelId="{E01CF195-32F6-4DA5-B0B1-45EA648387CB}" type="presParOf" srcId="{8947E62D-686B-485E-95A7-E8A13F63462C}" destId="{76FEA14C-286C-426F-B283-4BE6885605D7}" srcOrd="1" destOrd="0" presId="urn:microsoft.com/office/officeart/2016/7/layout/LinearArrowProcessNumbered"/>
-    <dgm:cxn modelId="{1E660557-E2CF-4F36-BA9F-D17D71FBFA9B}" type="presParOf" srcId="{8947E62D-686B-485E-95A7-E8A13F63462C}" destId="{D07CC8DB-93C3-412B-BEFD-7FE30A9F2867}" srcOrd="2" destOrd="0" presId="urn:microsoft.com/office/officeart/2016/7/layout/LinearArrowProcessNumbered"/>
-    <dgm:cxn modelId="{AEFA6C26-9003-45D7-98D7-39614141F42A}" type="presParOf" srcId="{D07CC8DB-93C3-412B-BEFD-7FE30A9F2867}" destId="{E9FF3C1C-3311-4B7C-9B12-0B01C1982FEF}" srcOrd="0" destOrd="0" presId="urn:microsoft.com/office/officeart/2016/7/layout/LinearArrowProcessNumbered"/>
-    <dgm:cxn modelId="{A753FBF9-CF27-4B8B-801E-F3AE56D38C35}" type="presParOf" srcId="{D07CC8DB-93C3-412B-BEFD-7FE30A9F2867}" destId="{A6D9AECA-521C-4885-8437-3D58E089F5E9}" srcOrd="1" destOrd="0" presId="urn:microsoft.com/office/officeart/2016/7/layout/LinearArrowProcessNumbered"/>
-    <dgm:cxn modelId="{BF795EF6-3CD8-4C85-A80F-245CFA2A6D0C}" type="presParOf" srcId="{A6D9AECA-521C-4885-8437-3D58E089F5E9}" destId="{337DB421-88AD-4709-83F5-CFF551FBCC9E}" srcOrd="0" destOrd="0" presId="urn:microsoft.com/office/officeart/2016/7/layout/LinearArrowProcessNumbered"/>
-    <dgm:cxn modelId="{0C60EC5C-D33F-4411-84B0-E242B088D58F}" type="presParOf" srcId="{A6D9AECA-521C-4885-8437-3D58E089F5E9}" destId="{640312D3-05B4-4713-AE25-33C93C93DF4C}" srcOrd="1" destOrd="0" presId="urn:microsoft.com/office/officeart/2016/7/layout/LinearArrowProcessNumbered"/>
-    <dgm:cxn modelId="{DB8141D3-34DC-480C-9D97-3B0CEFEC8081}" type="presParOf" srcId="{A6D9AECA-521C-4885-8437-3D58E089F5E9}" destId="{FE2B9394-37D5-4D3C-AE4D-8ECDBB8BC362}" srcOrd="2" destOrd="0" presId="urn:microsoft.com/office/officeart/2016/7/layout/LinearArrowProcessNumbered"/>
-    <dgm:cxn modelId="{9199C7C8-1BB7-4281-AD80-D9FDCDB3FA08}" type="presParOf" srcId="{A6D9AECA-521C-4885-8437-3D58E089F5E9}" destId="{E3241BC3-3C73-4441-9CCE-E38D34061A14}" srcOrd="3" destOrd="0" presId="urn:microsoft.com/office/officeart/2016/7/layout/LinearArrowProcessNumbered"/>
-    <dgm:cxn modelId="{BFB8F61F-0B67-40F5-8660-9D8F87E7276C}" type="presParOf" srcId="{D07CC8DB-93C3-412B-BEFD-7FE30A9F2867}" destId="{F9A61915-7B20-468A-88BB-306CB3BA4FD7}" srcOrd="2" destOrd="0" presId="urn:microsoft.com/office/officeart/2016/7/layout/LinearArrowProcessNumbered"/>
-    <dgm:cxn modelId="{49EBB6B0-277A-4B8D-A7EF-99EB648DEFAB}" type="presParOf" srcId="{8947E62D-686B-485E-95A7-E8A13F63462C}" destId="{716C5EB9-2F0A-4F39-AD12-ED1AB1DC4FBD}" srcOrd="3" destOrd="0" presId="urn:microsoft.com/office/officeart/2016/7/layout/LinearArrowProcessNumbered"/>
-    <dgm:cxn modelId="{86AD6646-C2E6-4A78-B52E-E7861959CC03}" type="presParOf" srcId="{8947E62D-686B-485E-95A7-E8A13F63462C}" destId="{E0042389-F1FD-46A1-97E0-3AD587040DED}" srcOrd="4" destOrd="0" presId="urn:microsoft.com/office/officeart/2016/7/layout/LinearArrowProcessNumbered"/>
-    <dgm:cxn modelId="{BE8AB1E3-ADEE-4D0B-88DB-A312BAC029BC}" type="presParOf" srcId="{E0042389-F1FD-46A1-97E0-3AD587040DED}" destId="{D8F1159D-5990-4B41-988E-8EB69AC3EE23}" srcOrd="0" destOrd="0" presId="urn:microsoft.com/office/officeart/2016/7/layout/LinearArrowProcessNumbered"/>
-    <dgm:cxn modelId="{F9F1CDC7-4D34-4E05-9A8C-C35765E8EA5D}" type="presParOf" srcId="{E0042389-F1FD-46A1-97E0-3AD587040DED}" destId="{86E31F02-99B7-4055-8BE1-A3BC55F84D14}" srcOrd="1" destOrd="0" presId="urn:microsoft.com/office/officeart/2016/7/layout/LinearArrowProcessNumbered"/>
-    <dgm:cxn modelId="{7F9699C1-6C96-4C65-A868-87BF2007F4D5}" type="presParOf" srcId="{86E31F02-99B7-4055-8BE1-A3BC55F84D14}" destId="{7AEDB053-1444-469C-B1F6-8BE4CFE99832}" srcOrd="0" destOrd="0" presId="urn:microsoft.com/office/officeart/2016/7/layout/LinearArrowProcessNumbered"/>
-    <dgm:cxn modelId="{64F040B8-6851-4AD3-B43C-831C6B818B25}" type="presParOf" srcId="{86E31F02-99B7-4055-8BE1-A3BC55F84D14}" destId="{37ED4666-35A7-4282-BF0F-2133B7C9A8F1}" srcOrd="1" destOrd="0" presId="urn:microsoft.com/office/officeart/2016/7/layout/LinearArrowProcessNumbered"/>
-    <dgm:cxn modelId="{63D9F32E-2FE2-4D52-BAE6-6DC7B243B8B9}" type="presParOf" srcId="{86E31F02-99B7-4055-8BE1-A3BC55F84D14}" destId="{B8C75D9E-25B7-489F-8EF5-6068E3CD4539}" srcOrd="2" destOrd="0" presId="urn:microsoft.com/office/officeart/2016/7/layout/LinearArrowProcessNumbered"/>
-    <dgm:cxn modelId="{ACA1FABA-8E6C-4331-B549-8CBAFE818B2F}" type="presParOf" srcId="{86E31F02-99B7-4055-8BE1-A3BC55F84D14}" destId="{6DA177E3-96ED-44AF-9562-7FDA59250B65}" srcOrd="3" destOrd="0" presId="urn:microsoft.com/office/officeart/2016/7/layout/LinearArrowProcessNumbered"/>
-    <dgm:cxn modelId="{039D9299-8E03-4F7B-9FCC-184932ADD34B}" type="presParOf" srcId="{E0042389-F1FD-46A1-97E0-3AD587040DED}" destId="{6F75A622-0FD4-48AC-B802-02D8B6E50186}" srcOrd="2" destOrd="0" presId="urn:microsoft.com/office/officeart/2016/7/layout/LinearArrowProcessNumbered"/>
-    <dgm:cxn modelId="{FFDA59BB-D549-469A-91A2-5D0653DB01DF}" type="presParOf" srcId="{8947E62D-686B-485E-95A7-E8A13F63462C}" destId="{B5BEB6D0-D8C4-456E-977D-F12380E78EF7}" srcOrd="5" destOrd="0" presId="urn:microsoft.com/office/officeart/2016/7/layout/LinearArrowProcessNumbered"/>
-    <dgm:cxn modelId="{950878C1-49F7-483B-B86D-E0BB02DBA1CF}" type="presParOf" srcId="{8947E62D-686B-485E-95A7-E8A13F63462C}" destId="{691F3328-6203-46F1-9444-3F724E5AD9D5}" srcOrd="6" destOrd="0" presId="urn:microsoft.com/office/officeart/2016/7/layout/LinearArrowProcessNumbered"/>
-    <dgm:cxn modelId="{EB3F943E-0457-4D78-8C68-4B10A779BCAC}" type="presParOf" srcId="{691F3328-6203-46F1-9444-3F724E5AD9D5}" destId="{37DA996E-DB37-4027-A898-67CDE17D1D0D}" srcOrd="0" destOrd="0" presId="urn:microsoft.com/office/officeart/2016/7/layout/LinearArrowProcessNumbered"/>
-    <dgm:cxn modelId="{CB5F446C-3536-4B7A-BBDC-DA32D0775AB8}" type="presParOf" srcId="{691F3328-6203-46F1-9444-3F724E5AD9D5}" destId="{5B44C4F2-0F69-45BB-B6EF-98129C35D1E4}" srcOrd="1" destOrd="0" presId="urn:microsoft.com/office/officeart/2016/7/layout/LinearArrowProcessNumbered"/>
-    <dgm:cxn modelId="{CD8281E4-9BCE-49CE-AC8C-99BE7FC94358}" type="presParOf" srcId="{5B44C4F2-0F69-45BB-B6EF-98129C35D1E4}" destId="{1061A2BB-98D4-4722-A619-F8D542A8E6D7}" srcOrd="0" destOrd="0" presId="urn:microsoft.com/office/officeart/2016/7/layout/LinearArrowProcessNumbered"/>
-    <dgm:cxn modelId="{F0430C52-FEDF-4114-9160-386CC7450943}" type="presParOf" srcId="{5B44C4F2-0F69-45BB-B6EF-98129C35D1E4}" destId="{000EF5F8-4BCE-4072-A918-FA15644E8565}" srcOrd="1" destOrd="0" presId="urn:microsoft.com/office/officeart/2016/7/layout/LinearArrowProcessNumbered"/>
-    <dgm:cxn modelId="{FB30EF96-FAC9-435A-BBBB-BE03BA0DF373}" type="presParOf" srcId="{5B44C4F2-0F69-45BB-B6EF-98129C35D1E4}" destId="{900FFC2A-9874-47DE-BB81-E34FA2A4BAA3}" srcOrd="2" destOrd="0" presId="urn:microsoft.com/office/officeart/2016/7/layout/LinearArrowProcessNumbered"/>
-    <dgm:cxn modelId="{776276CF-6B60-45CC-A344-3CBCBBEB1E7C}" type="presParOf" srcId="{5B44C4F2-0F69-45BB-B6EF-98129C35D1E4}" destId="{5160293D-1786-439C-81FB-B0B2359EDAD8}" srcOrd="3" destOrd="0" presId="urn:microsoft.com/office/officeart/2016/7/layout/LinearArrowProcessNumbered"/>
-    <dgm:cxn modelId="{637AD0C1-7E5F-42B2-BE7F-37E8E11241B8}" type="presParOf" srcId="{691F3328-6203-46F1-9444-3F724E5AD9D5}" destId="{E39F6050-6D02-4E59-BC33-BD6F00B82683}" srcOrd="2" destOrd="0" presId="urn:microsoft.com/office/officeart/2016/7/layout/LinearArrowProcessNumbered"/>
-  </dgm:cxnLst>
-  <dgm:bg/>
-  <dgm:whole/>
-  <dgm:extLst>
-    <a:ext uri="http://schemas.microsoft.com/office/drawing/2008/diagram">
-      <dsp:dataModelExt xmlns:dsp="http://schemas.microsoft.com/office/drawing/2008/diagram" relId="rId6" minVer="http://schemas.openxmlformats.org/drawingml/2006/diagram"/>
-    </a:ext>
-  </dgm:extLst>
-</dgm:dataModel>
-</file>
-
-<file path=ppt/diagrams/data2.xml><?xml version="1.0" encoding="utf-8"?>
 <dgm:dataModel xmlns:dgm="http://schemas.openxmlformats.org/drawingml/2006/diagram" xmlns:a="http://schemas.openxmlformats.org/drawingml/2006/main">
   <dgm:ptLst>
     <dgm:pt modelId="{F9AB8DB3-CF84-4714-A329-EF35A6A029AB}" type="doc">
@@ -3940,7 +2730,7 @@
 </dgm:dataModel>
 </file>
 
-<file path=ppt/diagrams/data3.xml><?xml version="1.0" encoding="utf-8"?>
+<file path=ppt/diagrams/data2.xml><?xml version="1.0" encoding="utf-8"?>
 <dgm:dataModel xmlns:dgm="http://schemas.openxmlformats.org/drawingml/2006/diagram" xmlns:a="http://schemas.openxmlformats.org/drawingml/2006/main">
   <dgm:ptLst>
     <dgm:pt modelId="{66A721EB-E578-4B8E-ABA8-17E4B671B81A}" type="doc">
@@ -4285,7 +3075,7 @@
 </dgm:dataModel>
 </file>
 
-<file path=ppt/diagrams/data4.xml><?xml version="1.0" encoding="utf-8"?>
+<file path=ppt/diagrams/data3.xml><?xml version="1.0" encoding="utf-8"?>
 <dgm:dataModel xmlns:dgm="http://schemas.openxmlformats.org/drawingml/2006/diagram" xmlns:a="http://schemas.openxmlformats.org/drawingml/2006/main">
   <dgm:ptLst>
     <dgm:pt modelId="{D3D82ED0-99EB-4645-A3E2-838736566CDF}" type="doc">
@@ -4526,1037 +3316,6 @@
 </file>
 
 <file path=ppt/diagrams/drawing1.xml><?xml version="1.0" encoding="utf-8"?>
-<dsp:drawing xmlns:dgm="http://schemas.openxmlformats.org/drawingml/2006/diagram" xmlns:dsp="http://schemas.microsoft.com/office/drawing/2008/diagram" xmlns:a="http://schemas.openxmlformats.org/drawingml/2006/main">
-  <dsp:spTree>
-    <dsp:nvGrpSpPr>
-      <dsp:cNvPr id="0" name=""/>
-      <dsp:cNvGrpSpPr/>
-    </dsp:nvGrpSpPr>
-    <dsp:grpSpPr/>
-    <dsp:sp modelId="{AFCD7B0E-3B43-4717-8727-D6140F40100B}">
-      <dsp:nvSpPr>
-        <dsp:cNvPr id="0" name=""/>
-        <dsp:cNvSpPr/>
-      </dsp:nvSpPr>
-      <dsp:spPr>
-        <a:xfrm>
-          <a:off x="1362624" y="1047481"/>
-          <a:ext cx="1090099" cy="71"/>
-        </a:xfrm>
-        <a:prstGeom prst="rect">
-          <a:avLst/>
-        </a:prstGeom>
-        <a:solidFill>
-          <a:schemeClr val="accent1">
-            <a:alpha val="90000"/>
-            <a:tint val="40000"/>
-            <a:hueOff val="0"/>
-            <a:satOff val="0"/>
-            <a:lumOff val="0"/>
-            <a:alphaOff val="0"/>
-          </a:schemeClr>
-        </a:solidFill>
-        <a:ln w="19050" cap="rnd" cmpd="sng" algn="ctr">
-          <a:solidFill>
-            <a:schemeClr val="accent1">
-              <a:alpha val="90000"/>
-              <a:tint val="40000"/>
-              <a:hueOff val="0"/>
-              <a:satOff val="0"/>
-              <a:lumOff val="0"/>
-              <a:alphaOff val="0"/>
-            </a:schemeClr>
-          </a:solidFill>
-          <a:prstDash val="solid"/>
-        </a:ln>
-        <a:effectLst/>
-      </dsp:spPr>
-      <dsp:style>
-        <a:lnRef idx="2">
-          <a:scrgbClr r="0" g="0" b="0"/>
-        </a:lnRef>
-        <a:fillRef idx="1">
-          <a:scrgbClr r="0" g="0" b="0"/>
-        </a:fillRef>
-        <a:effectRef idx="0">
-          <a:scrgbClr r="0" g="0" b="0"/>
-        </a:effectRef>
-        <a:fontRef idx="minor"/>
-      </dsp:style>
-    </dsp:sp>
-    <dsp:sp modelId="{5C1AE336-9BD4-4C51-98CD-4F55B99D7D5D}">
-      <dsp:nvSpPr>
-        <dsp:cNvPr id="0" name=""/>
-        <dsp:cNvSpPr/>
-      </dsp:nvSpPr>
-      <dsp:spPr>
-        <a:xfrm>
-          <a:off x="2518129" y="955949"/>
-          <a:ext cx="125361" cy="235414"/>
-        </a:xfrm>
-        <a:prstGeom prst="chevron">
-          <a:avLst>
-            <a:gd name="adj" fmla="val 90000"/>
-          </a:avLst>
-        </a:prstGeom>
-        <a:solidFill>
-          <a:schemeClr val="accent1">
-            <a:alpha val="90000"/>
-            <a:tint val="40000"/>
-            <a:hueOff val="0"/>
-            <a:satOff val="0"/>
-            <a:lumOff val="0"/>
-            <a:alphaOff val="0"/>
-          </a:schemeClr>
-        </a:solidFill>
-        <a:ln w="19050" cap="rnd" cmpd="sng" algn="ctr">
-          <a:solidFill>
-            <a:schemeClr val="accent1">
-              <a:alpha val="90000"/>
-              <a:tint val="40000"/>
-              <a:hueOff val="0"/>
-              <a:satOff val="0"/>
-              <a:lumOff val="0"/>
-              <a:alphaOff val="0"/>
-            </a:schemeClr>
-          </a:solidFill>
-          <a:prstDash val="solid"/>
-        </a:ln>
-        <a:effectLst/>
-      </dsp:spPr>
-      <dsp:style>
-        <a:lnRef idx="2">
-          <a:scrgbClr r="0" g="0" b="0"/>
-        </a:lnRef>
-        <a:fillRef idx="1">
-          <a:scrgbClr r="0" g="0" b="0"/>
-        </a:fillRef>
-        <a:effectRef idx="0">
-          <a:scrgbClr r="0" g="0" b="0"/>
-        </a:effectRef>
-        <a:fontRef idx="minor"/>
-      </dsp:style>
-    </dsp:sp>
-    <dsp:sp modelId="{4B5E7B67-E440-44CD-BEE8-9694516FD6BF}">
-      <dsp:nvSpPr>
-        <dsp:cNvPr id="0" name=""/>
-        <dsp:cNvSpPr/>
-      </dsp:nvSpPr>
-      <dsp:spPr>
-        <a:xfrm>
-          <a:off x="655085" y="476241"/>
-          <a:ext cx="1142552" cy="1142552"/>
-        </a:xfrm>
-        <a:prstGeom prst="ellipse">
-          <a:avLst/>
-        </a:prstGeom>
-        <a:solidFill>
-          <a:schemeClr val="accent1">
-            <a:hueOff val="0"/>
-            <a:satOff val="0"/>
-            <a:lumOff val="0"/>
-            <a:alphaOff val="0"/>
-          </a:schemeClr>
-        </a:solidFill>
-        <a:ln w="19050" cap="rnd" cmpd="sng" algn="ctr">
-          <a:solidFill>
-            <a:schemeClr val="accent1">
-              <a:hueOff val="0"/>
-              <a:satOff val="0"/>
-              <a:lumOff val="0"/>
-              <a:alphaOff val="0"/>
-            </a:schemeClr>
-          </a:solidFill>
-          <a:prstDash val="solid"/>
-        </a:ln>
-        <a:effectLst/>
-      </dsp:spPr>
-      <dsp:style>
-        <a:lnRef idx="2">
-          <a:scrgbClr r="0" g="0" b="0"/>
-        </a:lnRef>
-        <a:fillRef idx="1">
-          <a:scrgbClr r="0" g="0" b="0"/>
-        </a:fillRef>
-        <a:effectRef idx="0">
-          <a:scrgbClr r="0" g="0" b="0"/>
-        </a:effectRef>
-        <a:fontRef idx="minor">
-          <a:schemeClr val="lt1"/>
-        </a:fontRef>
-      </dsp:style>
-      <dsp:txBody>
-        <a:bodyPr spcFirstLastPara="0" vert="horz" wrap="square" lIns="44337" tIns="44337" rIns="44337" bIns="44337" numCol="1" spcCol="1270" anchor="ctr" anchorCtr="0">
-          <a:noAutofit/>
-        </a:bodyPr>
-        <a:lstStyle/>
-        <a:p>
-          <a:pPr marL="0" lvl="0" indent="0" algn="ctr" defTabSz="2178050">
-            <a:lnSpc>
-              <a:spcPct val="90000"/>
-            </a:lnSpc>
-            <a:spcBef>
-              <a:spcPct val="0"/>
-            </a:spcBef>
-            <a:spcAft>
-              <a:spcPct val="35000"/>
-            </a:spcAft>
-            <a:buNone/>
-          </a:pPr>
-          <a:r>
-            <a:rPr lang="en-US" sz="4900" kern="1200"/>
-            <a:t>1</a:t>
-          </a:r>
-        </a:p>
-      </dsp:txBody>
-      <dsp:txXfrm>
-        <a:off x="822408" y="643564"/>
-        <a:ext cx="807906" cy="807906"/>
-      </dsp:txXfrm>
-    </dsp:sp>
-    <dsp:sp modelId="{3B858B8F-2CEC-40B4-90DC-241306FC1E72}">
-      <dsp:nvSpPr>
-        <dsp:cNvPr id="0" name=""/>
-        <dsp:cNvSpPr/>
-      </dsp:nvSpPr>
-      <dsp:spPr>
-        <a:xfrm>
-          <a:off x="0" y="1784360"/>
-          <a:ext cx="2452723" cy="1965600"/>
-        </a:xfrm>
-        <a:prstGeom prst="upArrowCallout">
-          <a:avLst>
-            <a:gd name="adj1" fmla="val 50000"/>
-            <a:gd name="adj2" fmla="val 20000"/>
-            <a:gd name="adj3" fmla="val 20000"/>
-            <a:gd name="adj4" fmla="val 100000"/>
-          </a:avLst>
-        </a:prstGeom>
-        <a:solidFill>
-          <a:schemeClr val="accent1">
-            <a:alpha val="90000"/>
-            <a:tint val="40000"/>
-            <a:hueOff val="0"/>
-            <a:satOff val="0"/>
-            <a:lumOff val="0"/>
-            <a:alphaOff val="0"/>
-          </a:schemeClr>
-        </a:solidFill>
-        <a:ln w="19050" cap="rnd" cmpd="sng" algn="ctr">
-          <a:solidFill>
-            <a:schemeClr val="accent1">
-              <a:alpha val="90000"/>
-              <a:tint val="40000"/>
-              <a:hueOff val="0"/>
-              <a:satOff val="0"/>
-              <a:lumOff val="0"/>
-              <a:alphaOff val="0"/>
-            </a:schemeClr>
-          </a:solidFill>
-          <a:prstDash val="solid"/>
-        </a:ln>
-        <a:effectLst/>
-      </dsp:spPr>
-      <dsp:style>
-        <a:lnRef idx="2">
-          <a:scrgbClr r="0" g="0" b="0"/>
-        </a:lnRef>
-        <a:fillRef idx="1">
-          <a:scrgbClr r="0" g="0" b="0"/>
-        </a:fillRef>
-        <a:effectRef idx="0">
-          <a:scrgbClr r="0" g="0" b="0"/>
-        </a:effectRef>
-        <a:fontRef idx="minor"/>
-      </dsp:style>
-      <dsp:txBody>
-        <a:bodyPr spcFirstLastPara="0" vert="horz" wrap="square" lIns="193474" tIns="165100" rIns="193474" bIns="165100" numCol="1" spcCol="1270" anchor="t" anchorCtr="0">
-          <a:noAutofit/>
-        </a:bodyPr>
-        <a:lstStyle/>
-        <a:p>
-          <a:pPr marL="0" lvl="0" indent="0" algn="l" defTabSz="711200">
-            <a:lnSpc>
-              <a:spcPct val="90000"/>
-            </a:lnSpc>
-            <a:spcBef>
-              <a:spcPct val="0"/>
-            </a:spcBef>
-            <a:spcAft>
-              <a:spcPct val="35000"/>
-            </a:spcAft>
-            <a:buNone/>
-          </a:pPr>
-          <a:r>
-            <a:rPr lang="en-US" sz="1600" b="1" kern="1200" dirty="0">
-              <a:latin typeface="Times New Roman" panose="02020603050405020304" pitchFamily="18" charset="0"/>
-              <a:cs typeface="Times New Roman" panose="02020603050405020304" pitchFamily="18" charset="0"/>
-            </a:rPr>
-            <a:t>User interaction with the data base.</a:t>
-          </a:r>
-        </a:p>
-      </dsp:txBody>
-      <dsp:txXfrm>
-        <a:off x="0" y="2177480"/>
-        <a:ext cx="2452723" cy="1572480"/>
-      </dsp:txXfrm>
-    </dsp:sp>
-    <dsp:sp modelId="{337DB421-88AD-4709-83F5-CFF551FBCC9E}">
-      <dsp:nvSpPr>
-        <dsp:cNvPr id="0" name=""/>
-        <dsp:cNvSpPr/>
-      </dsp:nvSpPr>
-      <dsp:spPr>
-        <a:xfrm>
-          <a:off x="2725248" y="1047596"/>
-          <a:ext cx="2452723" cy="72"/>
-        </a:xfrm>
-        <a:prstGeom prst="rect">
-          <a:avLst/>
-        </a:prstGeom>
-        <a:solidFill>
-          <a:schemeClr val="accent1">
-            <a:alpha val="90000"/>
-            <a:tint val="40000"/>
-            <a:hueOff val="0"/>
-            <a:satOff val="0"/>
-            <a:lumOff val="0"/>
-            <a:alphaOff val="0"/>
-          </a:schemeClr>
-        </a:solidFill>
-        <a:ln w="19050" cap="rnd" cmpd="sng" algn="ctr">
-          <a:solidFill>
-            <a:schemeClr val="accent1">
-              <a:alpha val="90000"/>
-              <a:tint val="40000"/>
-              <a:hueOff val="0"/>
-              <a:satOff val="0"/>
-              <a:lumOff val="0"/>
-              <a:alphaOff val="0"/>
-            </a:schemeClr>
-          </a:solidFill>
-          <a:prstDash val="solid"/>
-        </a:ln>
-        <a:effectLst/>
-      </dsp:spPr>
-      <dsp:style>
-        <a:lnRef idx="2">
-          <a:scrgbClr r="0" g="0" b="0"/>
-        </a:lnRef>
-        <a:fillRef idx="1">
-          <a:scrgbClr r="0" g="0" b="0"/>
-        </a:fillRef>
-        <a:effectRef idx="0">
-          <a:scrgbClr r="0" g="0" b="0"/>
-        </a:effectRef>
-        <a:fontRef idx="minor"/>
-      </dsp:style>
-    </dsp:sp>
-    <dsp:sp modelId="{640312D3-05B4-4713-AE25-33C93C93DF4C}">
-      <dsp:nvSpPr>
-        <dsp:cNvPr id="0" name=""/>
-        <dsp:cNvSpPr/>
-      </dsp:nvSpPr>
-      <dsp:spPr>
-        <a:xfrm>
-          <a:off x="5243377" y="956045"/>
-          <a:ext cx="125361" cy="235508"/>
-        </a:xfrm>
-        <a:prstGeom prst="chevron">
-          <a:avLst>
-            <a:gd name="adj" fmla="val 90000"/>
-          </a:avLst>
-        </a:prstGeom>
-        <a:solidFill>
-          <a:schemeClr val="accent1">
-            <a:alpha val="90000"/>
-            <a:tint val="40000"/>
-            <a:hueOff val="0"/>
-            <a:satOff val="0"/>
-            <a:lumOff val="0"/>
-            <a:alphaOff val="0"/>
-          </a:schemeClr>
-        </a:solidFill>
-        <a:ln w="19050" cap="rnd" cmpd="sng" algn="ctr">
-          <a:solidFill>
-            <a:schemeClr val="accent1">
-              <a:alpha val="90000"/>
-              <a:tint val="40000"/>
-              <a:hueOff val="0"/>
-              <a:satOff val="0"/>
-              <a:lumOff val="0"/>
-              <a:alphaOff val="0"/>
-            </a:schemeClr>
-          </a:solidFill>
-          <a:prstDash val="solid"/>
-        </a:ln>
-        <a:effectLst/>
-      </dsp:spPr>
-      <dsp:style>
-        <a:lnRef idx="2">
-          <a:scrgbClr r="0" g="0" b="0"/>
-        </a:lnRef>
-        <a:fillRef idx="1">
-          <a:scrgbClr r="0" g="0" b="0"/>
-        </a:fillRef>
-        <a:effectRef idx="0">
-          <a:scrgbClr r="0" g="0" b="0"/>
-        </a:effectRef>
-        <a:fontRef idx="minor"/>
-      </dsp:style>
-    </dsp:sp>
-    <dsp:sp modelId="{FE2B9394-37D5-4D3C-AE4D-8ECDBB8BC362}">
-      <dsp:nvSpPr>
-        <dsp:cNvPr id="0" name=""/>
-        <dsp:cNvSpPr/>
-      </dsp:nvSpPr>
-      <dsp:spPr>
-        <a:xfrm>
-          <a:off x="3380333" y="476356"/>
-          <a:ext cx="1142552" cy="1142552"/>
-        </a:xfrm>
-        <a:prstGeom prst="ellipse">
-          <a:avLst/>
-        </a:prstGeom>
-        <a:solidFill>
-          <a:schemeClr val="accent1">
-            <a:hueOff val="0"/>
-            <a:satOff val="0"/>
-            <a:lumOff val="0"/>
-            <a:alphaOff val="0"/>
-          </a:schemeClr>
-        </a:solidFill>
-        <a:ln w="19050" cap="rnd" cmpd="sng" algn="ctr">
-          <a:solidFill>
-            <a:schemeClr val="accent1">
-              <a:hueOff val="0"/>
-              <a:satOff val="0"/>
-              <a:lumOff val="0"/>
-              <a:alphaOff val="0"/>
-            </a:schemeClr>
-          </a:solidFill>
-          <a:prstDash val="solid"/>
-        </a:ln>
-        <a:effectLst/>
-      </dsp:spPr>
-      <dsp:style>
-        <a:lnRef idx="2">
-          <a:scrgbClr r="0" g="0" b="0"/>
-        </a:lnRef>
-        <a:fillRef idx="1">
-          <a:scrgbClr r="0" g="0" b="0"/>
-        </a:fillRef>
-        <a:effectRef idx="0">
-          <a:scrgbClr r="0" g="0" b="0"/>
-        </a:effectRef>
-        <a:fontRef idx="minor">
-          <a:schemeClr val="lt1"/>
-        </a:fontRef>
-      </dsp:style>
-      <dsp:txBody>
-        <a:bodyPr spcFirstLastPara="0" vert="horz" wrap="square" lIns="44337" tIns="44337" rIns="44337" bIns="44337" numCol="1" spcCol="1270" anchor="ctr" anchorCtr="0">
-          <a:noAutofit/>
-        </a:bodyPr>
-        <a:lstStyle/>
-        <a:p>
-          <a:pPr marL="0" lvl="0" indent="0" algn="ctr" defTabSz="2178050">
-            <a:lnSpc>
-              <a:spcPct val="90000"/>
-            </a:lnSpc>
-            <a:spcBef>
-              <a:spcPct val="0"/>
-            </a:spcBef>
-            <a:spcAft>
-              <a:spcPct val="35000"/>
-            </a:spcAft>
-            <a:buNone/>
-          </a:pPr>
-          <a:r>
-            <a:rPr lang="en-US" sz="4900" kern="1200"/>
-            <a:t>2</a:t>
-          </a:r>
-        </a:p>
-      </dsp:txBody>
-      <dsp:txXfrm>
-        <a:off x="3547656" y="643679"/>
-        <a:ext cx="807906" cy="807906"/>
-      </dsp:txXfrm>
-    </dsp:sp>
-    <dsp:sp modelId="{F9A61915-7B20-468A-88BB-306CB3BA4FD7}">
-      <dsp:nvSpPr>
-        <dsp:cNvPr id="0" name=""/>
-        <dsp:cNvSpPr/>
-      </dsp:nvSpPr>
-      <dsp:spPr>
-        <a:xfrm>
-          <a:off x="2725248" y="1784623"/>
-          <a:ext cx="2452723" cy="1965600"/>
-        </a:xfrm>
-        <a:prstGeom prst="upArrowCallout">
-          <a:avLst>
-            <a:gd name="adj1" fmla="val 50000"/>
-            <a:gd name="adj2" fmla="val 20000"/>
-            <a:gd name="adj3" fmla="val 20000"/>
-            <a:gd name="adj4" fmla="val 100000"/>
-          </a:avLst>
-        </a:prstGeom>
-        <a:solidFill>
-          <a:schemeClr val="accent1">
-            <a:alpha val="90000"/>
-            <a:tint val="40000"/>
-            <a:hueOff val="0"/>
-            <a:satOff val="0"/>
-            <a:lumOff val="0"/>
-            <a:alphaOff val="0"/>
-          </a:schemeClr>
-        </a:solidFill>
-        <a:ln w="19050" cap="rnd" cmpd="sng" algn="ctr">
-          <a:solidFill>
-            <a:schemeClr val="accent1">
-              <a:alpha val="90000"/>
-              <a:tint val="40000"/>
-              <a:hueOff val="0"/>
-              <a:satOff val="0"/>
-              <a:lumOff val="0"/>
-              <a:alphaOff val="0"/>
-            </a:schemeClr>
-          </a:solidFill>
-          <a:prstDash val="solid"/>
-        </a:ln>
-        <a:effectLst/>
-      </dsp:spPr>
-      <dsp:style>
-        <a:lnRef idx="2">
-          <a:scrgbClr r="0" g="0" b="0"/>
-        </a:lnRef>
-        <a:fillRef idx="1">
-          <a:scrgbClr r="0" g="0" b="0"/>
-        </a:fillRef>
-        <a:effectRef idx="0">
-          <a:scrgbClr r="0" g="0" b="0"/>
-        </a:effectRef>
-        <a:fontRef idx="minor"/>
-      </dsp:style>
-      <dsp:txBody>
-        <a:bodyPr spcFirstLastPara="0" vert="horz" wrap="square" lIns="193474" tIns="165100" rIns="193474" bIns="165100" numCol="1" spcCol="1270" anchor="t" anchorCtr="0">
-          <a:noAutofit/>
-        </a:bodyPr>
-        <a:lstStyle/>
-        <a:p>
-          <a:pPr marL="0" lvl="0" indent="0" algn="l" defTabSz="711200">
-            <a:lnSpc>
-              <a:spcPct val="90000"/>
-            </a:lnSpc>
-            <a:spcBef>
-              <a:spcPct val="0"/>
-            </a:spcBef>
-            <a:spcAft>
-              <a:spcPct val="35000"/>
-            </a:spcAft>
-            <a:buNone/>
-          </a:pPr>
-          <a:r>
-            <a:rPr lang="en-US" sz="1600" b="1" kern="1200" dirty="0">
-              <a:latin typeface="Times New Roman" panose="02020603050405020304" pitchFamily="18" charset="0"/>
-              <a:cs typeface="Times New Roman" panose="02020603050405020304" pitchFamily="18" charset="0"/>
-            </a:rPr>
-            <a:t>Access to previously searched answers.</a:t>
-          </a:r>
-        </a:p>
-      </dsp:txBody>
-      <dsp:txXfrm>
-        <a:off x="2725248" y="2177743"/>
-        <a:ext cx="2452723" cy="1572480"/>
-      </dsp:txXfrm>
-    </dsp:sp>
-    <dsp:sp modelId="{7AEDB053-1444-469C-B1F6-8BE4CFE99832}">
-      <dsp:nvSpPr>
-        <dsp:cNvPr id="0" name=""/>
-        <dsp:cNvSpPr/>
-      </dsp:nvSpPr>
-      <dsp:spPr>
-        <a:xfrm>
-          <a:off x="5450496" y="1047596"/>
-          <a:ext cx="2452723" cy="72"/>
-        </a:xfrm>
-        <a:prstGeom prst="rect">
-          <a:avLst/>
-        </a:prstGeom>
-        <a:solidFill>
-          <a:schemeClr val="accent1">
-            <a:alpha val="90000"/>
-            <a:tint val="40000"/>
-            <a:hueOff val="0"/>
-            <a:satOff val="0"/>
-            <a:lumOff val="0"/>
-            <a:alphaOff val="0"/>
-          </a:schemeClr>
-        </a:solidFill>
-        <a:ln w="19050" cap="rnd" cmpd="sng" algn="ctr">
-          <a:solidFill>
-            <a:schemeClr val="accent1">
-              <a:alpha val="90000"/>
-              <a:tint val="40000"/>
-              <a:hueOff val="0"/>
-              <a:satOff val="0"/>
-              <a:lumOff val="0"/>
-              <a:alphaOff val="0"/>
-            </a:schemeClr>
-          </a:solidFill>
-          <a:prstDash val="solid"/>
-        </a:ln>
-        <a:effectLst/>
-      </dsp:spPr>
-      <dsp:style>
-        <a:lnRef idx="2">
-          <a:scrgbClr r="0" g="0" b="0"/>
-        </a:lnRef>
-        <a:fillRef idx="1">
-          <a:scrgbClr r="0" g="0" b="0"/>
-        </a:fillRef>
-        <a:effectRef idx="0">
-          <a:scrgbClr r="0" g="0" b="0"/>
-        </a:effectRef>
-        <a:fontRef idx="minor"/>
-      </dsp:style>
-    </dsp:sp>
-    <dsp:sp modelId="{37ED4666-35A7-4282-BF0F-2133B7C9A8F1}">
-      <dsp:nvSpPr>
-        <dsp:cNvPr id="0" name=""/>
-        <dsp:cNvSpPr/>
-      </dsp:nvSpPr>
-      <dsp:spPr>
-        <a:xfrm>
-          <a:off x="7968625" y="956045"/>
-          <a:ext cx="125361" cy="235508"/>
-        </a:xfrm>
-        <a:prstGeom prst="chevron">
-          <a:avLst>
-            <a:gd name="adj" fmla="val 90000"/>
-          </a:avLst>
-        </a:prstGeom>
-        <a:solidFill>
-          <a:schemeClr val="accent1">
-            <a:alpha val="90000"/>
-            <a:tint val="40000"/>
-            <a:hueOff val="0"/>
-            <a:satOff val="0"/>
-            <a:lumOff val="0"/>
-            <a:alphaOff val="0"/>
-          </a:schemeClr>
-        </a:solidFill>
-        <a:ln w="19050" cap="rnd" cmpd="sng" algn="ctr">
-          <a:solidFill>
-            <a:schemeClr val="accent1">
-              <a:alpha val="90000"/>
-              <a:tint val="40000"/>
-              <a:hueOff val="0"/>
-              <a:satOff val="0"/>
-              <a:lumOff val="0"/>
-              <a:alphaOff val="0"/>
-            </a:schemeClr>
-          </a:solidFill>
-          <a:prstDash val="solid"/>
-        </a:ln>
-        <a:effectLst/>
-      </dsp:spPr>
-      <dsp:style>
-        <a:lnRef idx="2">
-          <a:scrgbClr r="0" g="0" b="0"/>
-        </a:lnRef>
-        <a:fillRef idx="1">
-          <a:scrgbClr r="0" g="0" b="0"/>
-        </a:fillRef>
-        <a:effectRef idx="0">
-          <a:scrgbClr r="0" g="0" b="0"/>
-        </a:effectRef>
-        <a:fontRef idx="minor"/>
-      </dsp:style>
-    </dsp:sp>
-    <dsp:sp modelId="{B8C75D9E-25B7-489F-8EF5-6068E3CD4539}">
-      <dsp:nvSpPr>
-        <dsp:cNvPr id="0" name=""/>
-        <dsp:cNvSpPr/>
-      </dsp:nvSpPr>
-      <dsp:spPr>
-        <a:xfrm>
-          <a:off x="6105582" y="476356"/>
-          <a:ext cx="1142552" cy="1142552"/>
-        </a:xfrm>
-        <a:prstGeom prst="ellipse">
-          <a:avLst/>
-        </a:prstGeom>
-        <a:solidFill>
-          <a:schemeClr val="accent1">
-            <a:hueOff val="0"/>
-            <a:satOff val="0"/>
-            <a:lumOff val="0"/>
-            <a:alphaOff val="0"/>
-          </a:schemeClr>
-        </a:solidFill>
-        <a:ln w="19050" cap="rnd" cmpd="sng" algn="ctr">
-          <a:solidFill>
-            <a:schemeClr val="accent1">
-              <a:hueOff val="0"/>
-              <a:satOff val="0"/>
-              <a:lumOff val="0"/>
-              <a:alphaOff val="0"/>
-            </a:schemeClr>
-          </a:solidFill>
-          <a:prstDash val="solid"/>
-        </a:ln>
-        <a:effectLst/>
-      </dsp:spPr>
-      <dsp:style>
-        <a:lnRef idx="2">
-          <a:scrgbClr r="0" g="0" b="0"/>
-        </a:lnRef>
-        <a:fillRef idx="1">
-          <a:scrgbClr r="0" g="0" b="0"/>
-        </a:fillRef>
-        <a:effectRef idx="0">
-          <a:scrgbClr r="0" g="0" b="0"/>
-        </a:effectRef>
-        <a:fontRef idx="minor">
-          <a:schemeClr val="lt1"/>
-        </a:fontRef>
-      </dsp:style>
-      <dsp:txBody>
-        <a:bodyPr spcFirstLastPara="0" vert="horz" wrap="square" lIns="44337" tIns="44337" rIns="44337" bIns="44337" numCol="1" spcCol="1270" anchor="ctr" anchorCtr="0">
-          <a:noAutofit/>
-        </a:bodyPr>
-        <a:lstStyle/>
-        <a:p>
-          <a:pPr marL="0" lvl="0" indent="0" algn="ctr" defTabSz="2178050">
-            <a:lnSpc>
-              <a:spcPct val="90000"/>
-            </a:lnSpc>
-            <a:spcBef>
-              <a:spcPct val="0"/>
-            </a:spcBef>
-            <a:spcAft>
-              <a:spcPct val="35000"/>
-            </a:spcAft>
-            <a:buNone/>
-          </a:pPr>
-          <a:r>
-            <a:rPr lang="en-US" sz="4900" kern="1200"/>
-            <a:t>3</a:t>
-          </a:r>
-        </a:p>
-      </dsp:txBody>
-      <dsp:txXfrm>
-        <a:off x="6272905" y="643679"/>
-        <a:ext cx="807906" cy="807906"/>
-      </dsp:txXfrm>
-    </dsp:sp>
-    <dsp:sp modelId="{6F75A622-0FD4-48AC-B802-02D8B6E50186}">
-      <dsp:nvSpPr>
-        <dsp:cNvPr id="0" name=""/>
-        <dsp:cNvSpPr/>
-      </dsp:nvSpPr>
-      <dsp:spPr>
-        <a:xfrm>
-          <a:off x="5450496" y="1784623"/>
-          <a:ext cx="2452723" cy="1965600"/>
-        </a:xfrm>
-        <a:prstGeom prst="upArrowCallout">
-          <a:avLst>
-            <a:gd name="adj1" fmla="val 50000"/>
-            <a:gd name="adj2" fmla="val 20000"/>
-            <a:gd name="adj3" fmla="val 20000"/>
-            <a:gd name="adj4" fmla="val 100000"/>
-          </a:avLst>
-        </a:prstGeom>
-        <a:solidFill>
-          <a:schemeClr val="accent1">
-            <a:alpha val="90000"/>
-            <a:tint val="40000"/>
-            <a:hueOff val="0"/>
-            <a:satOff val="0"/>
-            <a:lumOff val="0"/>
-            <a:alphaOff val="0"/>
-          </a:schemeClr>
-        </a:solidFill>
-        <a:ln w="19050" cap="rnd" cmpd="sng" algn="ctr">
-          <a:solidFill>
-            <a:schemeClr val="accent1">
-              <a:alpha val="90000"/>
-              <a:tint val="40000"/>
-              <a:hueOff val="0"/>
-              <a:satOff val="0"/>
-              <a:lumOff val="0"/>
-              <a:alphaOff val="0"/>
-            </a:schemeClr>
-          </a:solidFill>
-          <a:prstDash val="solid"/>
-        </a:ln>
-        <a:effectLst/>
-      </dsp:spPr>
-      <dsp:style>
-        <a:lnRef idx="2">
-          <a:scrgbClr r="0" g="0" b="0"/>
-        </a:lnRef>
-        <a:fillRef idx="1">
-          <a:scrgbClr r="0" g="0" b="0"/>
-        </a:fillRef>
-        <a:effectRef idx="0">
-          <a:scrgbClr r="0" g="0" b="0"/>
-        </a:effectRef>
-        <a:fontRef idx="minor"/>
-      </dsp:style>
-      <dsp:txBody>
-        <a:bodyPr spcFirstLastPara="0" vert="horz" wrap="square" lIns="193474" tIns="165100" rIns="193474" bIns="165100" numCol="1" spcCol="1270" anchor="t" anchorCtr="0">
-          <a:noAutofit/>
-        </a:bodyPr>
-        <a:lstStyle/>
-        <a:p>
-          <a:pPr marL="0" lvl="0" indent="0" algn="l" defTabSz="711200">
-            <a:lnSpc>
-              <a:spcPct val="90000"/>
-            </a:lnSpc>
-            <a:spcBef>
-              <a:spcPct val="0"/>
-            </a:spcBef>
-            <a:spcAft>
-              <a:spcPct val="35000"/>
-            </a:spcAft>
-            <a:buNone/>
-          </a:pPr>
-          <a:r>
-            <a:rPr lang="en-US" sz="1600" b="1" kern="1200" dirty="0">
-              <a:latin typeface="Times New Roman" panose="02020603050405020304" pitchFamily="18" charset="0"/>
-              <a:cs typeface="Times New Roman" panose="02020603050405020304" pitchFamily="18" charset="0"/>
-            </a:rPr>
-            <a:t>Sentiment analysis for understanding user’s choice.</a:t>
-          </a:r>
-        </a:p>
-      </dsp:txBody>
-      <dsp:txXfrm>
-        <a:off x="5450496" y="2177743"/>
-        <a:ext cx="2452723" cy="1572480"/>
-      </dsp:txXfrm>
-    </dsp:sp>
-    <dsp:sp modelId="{1061A2BB-98D4-4722-A619-F8D542A8E6D7}">
-      <dsp:nvSpPr>
-        <dsp:cNvPr id="0" name=""/>
-        <dsp:cNvSpPr/>
-      </dsp:nvSpPr>
-      <dsp:spPr>
-        <a:xfrm>
-          <a:off x="8175744" y="1047596"/>
-          <a:ext cx="1226361" cy="72"/>
-        </a:xfrm>
-        <a:prstGeom prst="rect">
-          <a:avLst/>
-        </a:prstGeom>
-        <a:solidFill>
-          <a:schemeClr val="accent1">
-            <a:alpha val="90000"/>
-            <a:tint val="40000"/>
-            <a:hueOff val="0"/>
-            <a:satOff val="0"/>
-            <a:lumOff val="0"/>
-            <a:alphaOff val="0"/>
-          </a:schemeClr>
-        </a:solidFill>
-        <a:ln w="19050" cap="rnd" cmpd="sng" algn="ctr">
-          <a:solidFill>
-            <a:schemeClr val="accent1">
-              <a:alpha val="90000"/>
-              <a:tint val="40000"/>
-              <a:hueOff val="0"/>
-              <a:satOff val="0"/>
-              <a:lumOff val="0"/>
-              <a:alphaOff val="0"/>
-            </a:schemeClr>
-          </a:solidFill>
-          <a:prstDash val="solid"/>
-        </a:ln>
-        <a:effectLst/>
-      </dsp:spPr>
-      <dsp:style>
-        <a:lnRef idx="2">
-          <a:scrgbClr r="0" g="0" b="0"/>
-        </a:lnRef>
-        <a:fillRef idx="1">
-          <a:scrgbClr r="0" g="0" b="0"/>
-        </a:fillRef>
-        <a:effectRef idx="0">
-          <a:scrgbClr r="0" g="0" b="0"/>
-        </a:effectRef>
-        <a:fontRef idx="minor"/>
-      </dsp:style>
-    </dsp:sp>
-    <dsp:sp modelId="{900FFC2A-9874-47DE-BB81-E34FA2A4BAA3}">
-      <dsp:nvSpPr>
-        <dsp:cNvPr id="0" name=""/>
-        <dsp:cNvSpPr/>
-      </dsp:nvSpPr>
-      <dsp:spPr>
-        <a:xfrm>
-          <a:off x="8830830" y="476356"/>
-          <a:ext cx="1142552" cy="1142552"/>
-        </a:xfrm>
-        <a:prstGeom prst="ellipse">
-          <a:avLst/>
-        </a:prstGeom>
-        <a:solidFill>
-          <a:schemeClr val="accent1">
-            <a:hueOff val="0"/>
-            <a:satOff val="0"/>
-            <a:lumOff val="0"/>
-            <a:alphaOff val="0"/>
-          </a:schemeClr>
-        </a:solidFill>
-        <a:ln w="19050" cap="rnd" cmpd="sng" algn="ctr">
-          <a:solidFill>
-            <a:schemeClr val="accent1">
-              <a:hueOff val="0"/>
-              <a:satOff val="0"/>
-              <a:lumOff val="0"/>
-              <a:alphaOff val="0"/>
-            </a:schemeClr>
-          </a:solidFill>
-          <a:prstDash val="solid"/>
-        </a:ln>
-        <a:effectLst/>
-      </dsp:spPr>
-      <dsp:style>
-        <a:lnRef idx="2">
-          <a:scrgbClr r="0" g="0" b="0"/>
-        </a:lnRef>
-        <a:fillRef idx="1">
-          <a:scrgbClr r="0" g="0" b="0"/>
-        </a:fillRef>
-        <a:effectRef idx="0">
-          <a:scrgbClr r="0" g="0" b="0"/>
-        </a:effectRef>
-        <a:fontRef idx="minor">
-          <a:schemeClr val="lt1"/>
-        </a:fontRef>
-      </dsp:style>
-      <dsp:txBody>
-        <a:bodyPr spcFirstLastPara="0" vert="horz" wrap="square" lIns="44337" tIns="44337" rIns="44337" bIns="44337" numCol="1" spcCol="1270" anchor="ctr" anchorCtr="0">
-          <a:noAutofit/>
-        </a:bodyPr>
-        <a:lstStyle/>
-        <a:p>
-          <a:pPr marL="0" lvl="0" indent="0" algn="ctr" defTabSz="2178050">
-            <a:lnSpc>
-              <a:spcPct val="90000"/>
-            </a:lnSpc>
-            <a:spcBef>
-              <a:spcPct val="0"/>
-            </a:spcBef>
-            <a:spcAft>
-              <a:spcPct val="35000"/>
-            </a:spcAft>
-            <a:buNone/>
-          </a:pPr>
-          <a:r>
-            <a:rPr lang="en-US" sz="4900" kern="1200"/>
-            <a:t>4</a:t>
-          </a:r>
-        </a:p>
-      </dsp:txBody>
-      <dsp:txXfrm>
-        <a:off x="8998153" y="643679"/>
-        <a:ext cx="807906" cy="807906"/>
-      </dsp:txXfrm>
-    </dsp:sp>
-    <dsp:sp modelId="{E39F6050-6D02-4E59-BC33-BD6F00B82683}">
-      <dsp:nvSpPr>
-        <dsp:cNvPr id="0" name=""/>
-        <dsp:cNvSpPr/>
-      </dsp:nvSpPr>
-      <dsp:spPr>
-        <a:xfrm>
-          <a:off x="8175744" y="1784623"/>
-          <a:ext cx="2452723" cy="1965600"/>
-        </a:xfrm>
-        <a:prstGeom prst="upArrowCallout">
-          <a:avLst>
-            <a:gd name="adj1" fmla="val 50000"/>
-            <a:gd name="adj2" fmla="val 20000"/>
-            <a:gd name="adj3" fmla="val 20000"/>
-            <a:gd name="adj4" fmla="val 100000"/>
-          </a:avLst>
-        </a:prstGeom>
-        <a:solidFill>
-          <a:schemeClr val="accent1">
-            <a:alpha val="90000"/>
-            <a:tint val="40000"/>
-            <a:hueOff val="0"/>
-            <a:satOff val="0"/>
-            <a:lumOff val="0"/>
-            <a:alphaOff val="0"/>
-          </a:schemeClr>
-        </a:solidFill>
-        <a:ln w="19050" cap="rnd" cmpd="sng" algn="ctr">
-          <a:solidFill>
-            <a:schemeClr val="accent1">
-              <a:alpha val="90000"/>
-              <a:tint val="40000"/>
-              <a:hueOff val="0"/>
-              <a:satOff val="0"/>
-              <a:lumOff val="0"/>
-              <a:alphaOff val="0"/>
-            </a:schemeClr>
-          </a:solidFill>
-          <a:prstDash val="solid"/>
-        </a:ln>
-        <a:effectLst/>
-      </dsp:spPr>
-      <dsp:style>
-        <a:lnRef idx="2">
-          <a:scrgbClr r="0" g="0" b="0"/>
-        </a:lnRef>
-        <a:fillRef idx="1">
-          <a:scrgbClr r="0" g="0" b="0"/>
-        </a:fillRef>
-        <a:effectRef idx="0">
-          <a:scrgbClr r="0" g="0" b="0"/>
-        </a:effectRef>
-        <a:fontRef idx="minor"/>
-      </dsp:style>
-      <dsp:txBody>
-        <a:bodyPr spcFirstLastPara="0" vert="horz" wrap="square" lIns="193474" tIns="165100" rIns="193474" bIns="165100" numCol="1" spcCol="1270" anchor="t" anchorCtr="0">
-          <a:noAutofit/>
-        </a:bodyPr>
-        <a:lstStyle/>
-        <a:p>
-          <a:pPr marL="0" lvl="0" indent="0" algn="l" defTabSz="711200">
-            <a:lnSpc>
-              <a:spcPct val="90000"/>
-            </a:lnSpc>
-            <a:spcBef>
-              <a:spcPct val="0"/>
-            </a:spcBef>
-            <a:spcAft>
-              <a:spcPct val="35000"/>
-            </a:spcAft>
-            <a:buNone/>
-          </a:pPr>
-          <a:r>
-            <a:rPr lang="en-US" sz="1600" b="1" kern="1200" dirty="0">
-              <a:latin typeface="Times New Roman" panose="02020603050405020304" pitchFamily="18" charset="0"/>
-              <a:cs typeface="Times New Roman" panose="02020603050405020304" pitchFamily="18" charset="0"/>
-            </a:rPr>
-            <a:t>Proper usage of linguistic resources.</a:t>
-          </a:r>
-        </a:p>
-      </dsp:txBody>
-      <dsp:txXfrm>
-        <a:off x="8175744" y="2177743"/>
-        <a:ext cx="2452723" cy="1572480"/>
-      </dsp:txXfrm>
-    </dsp:sp>
-  </dsp:spTree>
-</dsp:drawing>
-</file>
-
-<file path=ppt/diagrams/drawing2.xml><?xml version="1.0" encoding="utf-8"?>
 <dsp:drawing xmlns:dgm="http://schemas.openxmlformats.org/drawingml/2006/diagram" xmlns:dsp="http://schemas.microsoft.com/office/drawing/2008/diagram" xmlns:a="http://schemas.openxmlformats.org/drawingml/2006/main">
   <dsp:spTree>
     <dsp:nvGrpSpPr>
@@ -6239,7 +3998,7 @@
 </dsp:drawing>
 </file>
 
-<file path=ppt/diagrams/drawing3.xml><?xml version="1.0" encoding="utf-8"?>
+<file path=ppt/diagrams/drawing2.xml><?xml version="1.0" encoding="utf-8"?>
 <dsp:drawing xmlns:dgm="http://schemas.openxmlformats.org/drawingml/2006/diagram" xmlns:dsp="http://schemas.microsoft.com/office/drawing/2008/diagram" xmlns:a="http://schemas.openxmlformats.org/drawingml/2006/main">
   <dsp:spTree>
     <dsp:nvGrpSpPr>
@@ -6804,7 +4563,7 @@
 </dsp:drawing>
 </file>
 
-<file path=ppt/diagrams/drawing4.xml><?xml version="1.0" encoding="utf-8"?>
+<file path=ppt/diagrams/drawing3.xml><?xml version="1.0" encoding="utf-8"?>
 <dsp:drawing xmlns:dgm="http://schemas.openxmlformats.org/drawingml/2006/diagram" xmlns:dsp="http://schemas.microsoft.com/office/drawing/2008/diagram" xmlns:a="http://schemas.openxmlformats.org/drawingml/2006/main">
   <dsp:spTree>
     <dsp:nvGrpSpPr>
@@ -7125,447 +4884,6 @@
 </file>
 
 <file path=ppt/diagrams/layout1.xml><?xml version="1.0" encoding="utf-8"?>
-<dgm:layoutDef xmlns:dgm="http://schemas.openxmlformats.org/drawingml/2006/diagram" xmlns:a="http://schemas.openxmlformats.org/drawingml/2006/main" uniqueId="urn:microsoft.com/office/officeart/2016/7/layout/LinearArrowProcessNumbered">
-  <dgm:title val="Linear Arrow Process Numbered"/>
-  <dgm:desc val="Used to show a progression; a timeline; sequential steps in a task, process, or workflow; or to emphasize movement or direction. Automatic numbers have been introduced to show the steps of the process which appears in a circle. Level 1 and Level 2 text appear in a shape called UpArrowCallout. Also the nodes are connected by an arrow like shape emphasizing the process nature."/>
-  <dgm:catLst>
-    <dgm:cat type="process" pri="500"/>
-  </dgm:catLst>
-  <dgm:sampData>
-    <dgm:dataModel>
-      <dgm:ptLst>
-        <dgm:pt modelId="0" type="doc"/>
-        <dgm:pt modelId="1">
-          <dgm:prSet phldr="1"/>
-        </dgm:pt>
-        <dgm:pt modelId="11">
-          <dgm:prSet phldr="1"/>
-        </dgm:pt>
-        <dgm:pt modelId="2">
-          <dgm:prSet phldr="1"/>
-        </dgm:pt>
-        <dgm:pt modelId="21">
-          <dgm:prSet phldr="1"/>
-        </dgm:pt>
-        <dgm:pt modelId="3">
-          <dgm:prSet phldr="1"/>
-        </dgm:pt>
-        <dgm:pt modelId="31">
-          <dgm:prSet phldr="1"/>
-        </dgm:pt>
-        <dgm:pt modelId="101" type="sibTrans" cxnId="4">
-          <dgm:prSet phldrT="1"/>
-          <dgm:t>
-            <a:bodyPr/>
-            <a:lstStyle/>
-            <a:p>
-              <a:r>
-                <a:t>1</a:t>
-              </a:r>
-            </a:p>
-          </dgm:t>
-        </dgm:pt>
-        <dgm:pt modelId="201" type="sibTrans" cxnId="5">
-          <dgm:prSet phldrT="2"/>
-          <dgm:t>
-            <a:bodyPr/>
-            <a:lstStyle/>
-            <a:p>
-              <a:r>
-                <a:t>2</a:t>
-              </a:r>
-            </a:p>
-          </dgm:t>
-        </dgm:pt>
-        <dgm:pt modelId="301" type="sibTrans" cxnId="6">
-          <dgm:prSet phldrT="3"/>
-          <dgm:t>
-            <a:bodyPr/>
-            <a:lstStyle/>
-            <a:p>
-              <a:r>
-                <a:t>3</a:t>
-              </a:r>
-            </a:p>
-          </dgm:t>
-        </dgm:pt>
-      </dgm:ptLst>
-      <dgm:cxnLst>
-        <dgm:cxn modelId="4" srcId="0" destId="1" srcOrd="0" destOrd="0" sibTransId="101"/>
-        <dgm:cxn modelId="5" srcId="0" destId="2" srcOrd="1" destOrd="0" sibTransId="201"/>
-        <dgm:cxn modelId="6" srcId="0" destId="3" srcOrd="3" destOrd="0" sibTransId="301"/>
-        <dgm:cxn modelId="13" srcId="1" destId="11" srcOrd="0" destOrd="0"/>
-        <dgm:cxn modelId="23" srcId="2" destId="21" srcOrd="0" destOrd="0"/>
-        <dgm:cxn modelId="33" srcId="3" destId="31" srcOrd="0" destOrd="0"/>
-      </dgm:cxnLst>
-      <dgm:bg/>
-      <dgm:whole/>
-    </dgm:dataModel>
-  </dgm:sampData>
-  <dgm:styleData>
-    <dgm:dataModel>
-      <dgm:ptLst>
-        <dgm:pt modelId="0" type="doc"/>
-        <dgm:pt modelId="1">
-          <dgm:prSet phldr="1"/>
-        </dgm:pt>
-        <dgm:pt modelId="11">
-          <dgm:prSet phldr="1"/>
-        </dgm:pt>
-        <dgm:pt modelId="2">
-          <dgm:prSet phldr="1"/>
-        </dgm:pt>
-        <dgm:pt modelId="21">
-          <dgm:prSet phldr="1"/>
-        </dgm:pt>
-      </dgm:ptLst>
-      <dgm:cxnLst>
-        <dgm:cxn modelId="4" srcId="0" destId="1" srcOrd="0" destOrd="0"/>
-        <dgm:cxn modelId="5" srcId="0" destId="2" srcOrd="1" destOrd="0"/>
-        <dgm:cxn modelId="13" srcId="1" destId="11" srcOrd="0" destOrd="0"/>
-        <dgm:cxn modelId="23" srcId="2" destId="21" srcOrd="0" destOrd="0"/>
-      </dgm:cxnLst>
-      <dgm:bg/>
-      <dgm:whole/>
-    </dgm:dataModel>
-  </dgm:styleData>
-  <dgm:clrData>
-    <dgm:dataModel>
-      <dgm:ptLst>
-        <dgm:pt modelId="0" type="doc"/>
-        <dgm:pt modelId="1">
-          <dgm:prSet phldr="1"/>
-        </dgm:pt>
-        <dgm:pt modelId="11">
-          <dgm:prSet phldr="1"/>
-        </dgm:pt>
-        <dgm:pt modelId="2">
-          <dgm:prSet phldr="1"/>
-        </dgm:pt>
-        <dgm:pt modelId="21">
-          <dgm:prSet phldr="1"/>
-        </dgm:pt>
-        <dgm:pt modelId="3">
-          <dgm:prSet phldr="1"/>
-        </dgm:pt>
-        <dgm:pt modelId="31">
-          <dgm:prSet phldr="1"/>
-        </dgm:pt>
-        <dgm:pt modelId="4">
-          <dgm:prSet phldr="1"/>
-        </dgm:pt>
-        <dgm:pt modelId="41">
-          <dgm:prSet phldr="1"/>
-        </dgm:pt>
-      </dgm:ptLst>
-      <dgm:cxnLst>
-        <dgm:cxn modelId="5" srcId="0" destId="1" srcOrd="0" destOrd="0"/>
-        <dgm:cxn modelId="6" srcId="0" destId="2" srcOrd="1" destOrd="0"/>
-        <dgm:cxn modelId="7" srcId="0" destId="3" srcOrd="2" destOrd="0"/>
-        <dgm:cxn modelId="8" srcId="0" destId="4" srcOrd="3" destOrd="0"/>
-        <dgm:cxn modelId="13" srcId="1" destId="11" srcOrd="0" destOrd="0"/>
-        <dgm:cxn modelId="23" srcId="2" destId="21" srcOrd="0" destOrd="0"/>
-        <dgm:cxn modelId="33" srcId="3" destId="31" srcOrd="0" destOrd="0"/>
-        <dgm:cxn modelId="43" srcId="4" destId="41" srcOrd="0" destOrd="0"/>
-      </dgm:cxnLst>
-      <dgm:bg/>
-      <dgm:whole/>
-    </dgm:dataModel>
-  </dgm:clrData>
-  <dgm:layoutNode name="linearFlow">
-    <dgm:varLst>
-      <dgm:dir/>
-      <dgm:animLvl val="lvl"/>
-      <dgm:resizeHandles val="exact"/>
-    </dgm:varLst>
-    <dgm:alg type="lin">
-      <dgm:param type="linDir" val="fromL"/>
-      <dgm:param type="nodeVertAlign" val="t"/>
-    </dgm:alg>
-    <dgm:shape xmlns:r="http://schemas.openxmlformats.org/officeDocument/2006/relationships" r:blip="">
-      <dgm:adjLst/>
-    </dgm:shape>
-    <dgm:presOf/>
-    <dgm:constrLst>
-      <dgm:constr type="w" for="ch" forName="compositeNode" refType="w"/>
-      <dgm:constr type="h" for="ch" forName="compositeNode" op="equ"/>
-      <dgm:constr type="w" for="ch" forName="sibTransComposite" refType="w" refFor="ch" refForName="compositeNode" fact="0"/>
-      <dgm:constr type="w" for="des" forName="parTx"/>
-      <dgm:constr type="h" for="des" forName="parTx" op="equ"/>
-      <dgm:constr type="h" for="des" forName="parSh" op="equ"/>
-      <dgm:constr type="w" for="des" forName="nodeText"/>
-      <dgm:constr type="h" for="des" forName="nodeText" op="equ"/>
-      <dgm:constr type="w" for="des" forName="parSh"/>
-      <dgm:constr type="w" for="des" forName="parSh" op="equ"/>
-      <dgm:constr type="primFontSz" for="des" forName="parTx" val="26"/>
-      <dgm:constr type="primFontSz" for="des" forName="parTx" op="equ"/>
-      <dgm:constr type="primFontSz" for="des" forName="parSh" op="equ"/>
-      <dgm:constr type="primFontSz" for="des" forName="nodeText" op="equ"/>
-      <dgm:constr type="secFontSz" for="des" forName="nodeText" op="equ"/>
-      <dgm:constr type="primFontSz" for="des" forName="sibTransNodeCircle" op="equ"/>
-      <dgm:constr type="h" for="des" forName="sibTransNodeCircle" op="equ"/>
-      <dgm:constr type="w" for="des" forName="sibTransNodeCircle" op="equ"/>
-      <dgm:constr type="h" for="des" forName="parTx" refType="primFontSz" refFor="des" refForName="parTx" fact="1.5"/>
-      <dgm:constr type="h" for="ch" forName="compositeNode" refType="h"/>
-      <dgm:constr type="h" for="des" forName="parSh" refType="w"/>
-      <dgm:constr type="h" for="des" forName="nodeText" refType="primFontSz" refFor="des" refForName="parTx" fact="2.1"/>
-      <dgm:constr type="h" for="des" forName="parSh" refType="h" refFor="des" refForName="parTx" op="lte" fact="1.2"/>
-      <dgm:constr type="h" for="des" forName="parSh" refType="h" refFor="des" refForName="parTx" op="gte" fact="1.2"/>
-    </dgm:constrLst>
-    <dgm:ruleLst>
-      <dgm:rule type="primFontSz" for="des" forName="parSh" val="5" fact="NaN" max="NaN"/>
-    </dgm:ruleLst>
-    <dgm:forEach name="Name3" axis="ch" ptType="node">
-      <dgm:layoutNode name="compositeNode">
-        <dgm:alg type="composite"/>
-        <dgm:shape xmlns:r="http://schemas.openxmlformats.org/officeDocument/2006/relationships" r:blip="">
-          <dgm:adjLst/>
-        </dgm:shape>
-        <dgm:presOf/>
-        <dgm:choose name="Name004">
-          <dgm:if name="Name5" axis="self" ptType="node" func="cnt" op="equ" val="0">
-            <dgm:constrLst>
-              <dgm:constr type="w" for="ch" forName="parTx" refType="w"/>
-              <dgm:constr type="w" for="ch" forName="parSh" refType="w" refFor="ch" refForName="parTx"/>
-              <dgm:constr type="w" for="ch" forName="nodeText" refType="w" refFor="ch" refForName="parTx"/>
-              <dgm:constr type="t" for="ch" forName="nodeText" refType="b" refFor="ch" refForName="parSh"/>
-            </dgm:constrLst>
-          </dgm:if>
-          <dgm:else name="Name6">
-            <dgm:constrLst>
-              <dgm:constr type="w" for="ch" forName="parTx" refType="w"/>
-              <dgm:constr type="w" for="ch" forName="parSh" refType="w" refFor="ch" refForName="parTx"/>
-              <dgm:constr type="w" for="ch" forName="nodeText" refType="w" refFor="ch" refForName="parTx" fact="0.9"/>
-              <dgm:constr type="t" for="ch" forName="nodeText" refType="b" refFor="ch" refForName="parSh"/>
-            </dgm:constrLst>
-          </dgm:else>
-        </dgm:choose>
-        <dgm:ruleLst>
-          <dgm:rule type="h" val="INF" fact="NaN" max="NaN"/>
-        </dgm:ruleLst>
-        <dgm:layoutNode name="parTx">
-          <dgm:varLst>
-            <dgm:chMax val="0"/>
-            <dgm:chPref val="0"/>
-            <dgm:bulletEnabled val="1"/>
-          </dgm:varLst>
-          <dgm:alg type="tx"/>
-          <dgm:shape xmlns:r="http://schemas.openxmlformats.org/officeDocument/2006/relationships" type="rect" r:blip="" zOrderOff="1" hideGeom="1">
-            <dgm:adjLst/>
-          </dgm:shape>
-          <dgm:presOf/>
-          <dgm:constrLst>
-            <dgm:constr type="h" refType="w" op="lte" fact="0.4"/>
-            <dgm:constr type="h"/>
-          </dgm:constrLst>
-          <dgm:ruleLst>
-            <dgm:rule type="h" val="INF" fact="NaN" max="NaN"/>
-          </dgm:ruleLst>
-        </dgm:layoutNode>
-        <dgm:layoutNode name="parSh">
-          <dgm:alg type="composite"/>
-          <dgm:shape xmlns:r="http://schemas.openxmlformats.org/officeDocument/2006/relationships" r:blip="">
-            <dgm:adjLst/>
-          </dgm:shape>
-          <dgm:presOf axis="self" ptType="node"/>
-          <dgm:choose name="casesForFirstAndLastNode">
-            <dgm:if name="ifFirstNode" axis="self" ptType="node" func="pos" op="equ" val="1">
-              <dgm:choose name="removeLineWhenOnlyOneNode">
-                <dgm:if name="ifOnlyOneNode" axis="followSib" ptType="node" func="cnt" op="equ" val="0">
-                  <dgm:constrLst>
-                    <dgm:constr type="h"/>
-                    <dgm:constr type="h" for="ch" forName="lineNode" val="0.002"/>
-                    <dgm:constr type="w" for="ch" forName="lineNode" refType="w" fact="0"/>
-                    <dgm:constr type="w" for="ch" forName="lineArrowNode" refType="w" fact="0"/>
-                    <dgm:constr type="h" for="ch" forName="lineArrowNode" refType="h" fact="0"/>
-                    <dgm:constr type="ctrY" for="ch" forName="lineNode" refType="ctrY" refFor="ch" refForName="sibTransNodeCircle"/>
-                    <dgm:constr type="h" for="ch" forName="sibTransNodeCircle" refType="h" fact="0.9"/>
-                    <dgm:constr type="w" for="ch" forName="sibTransNodeCircle" refType="h" refFor="ch" refForName="sibTransNodeCircle"/>
-                    <dgm:constr type="ctrX" for="ch" forName="sibTransNodeCircle" refType="w" fact="0.45"/>
-                    <dgm:constr type="ctrY" for="ch" forName="sibTransNodeCircle" refType="h" fact="0.25"/>
-                    <dgm:constr type="t" for="ch" forName="spacerBetweenCircleAndCallout" refType="b" refFor="ch" refForName="sibTransNodeCircle"/>
-                    <dgm:constr type="h" for="ch" forName="spacerBetweenCircleAndCallout" val="4.6"/>
-                  </dgm:constrLst>
-                </dgm:if>
-                <dgm:else name="ifMoreThanOneNode">
-                  <dgm:constrLst>
-                    <dgm:constr type="h"/>
-                    <dgm:constr type="h" for="ch" forName="lineNode" val="0.002"/>
-                    <dgm:constr type="w" for="ch" forName="lineNode" refType="w" fact="0.4"/>
-                    <dgm:constr type="l" for="ch" forName="lineNode" refType="w" fact="0.5"/>
-                    <dgm:constr type="w" for="ch" forName="lineArrowNode" refType="w" fact="0.046"/>
-                    <dgm:constr type="h" for="ch" forName="lineArrowNode" refType="h" fact="0.18"/>
-                    <dgm:constr type="l" for="ch" forName="lineArrowNode" refType="w" fact="0.924"/>
-                    <dgm:constr type="t" for="ch" forName="lineArrowNode" refType="h" fact="0.18"/>
-                    <dgm:constr type="ctrY" for="ch" forName="lineNode" refType="ctrY" refFor="ch" refForName="sibTransNodeCircle"/>
-                    <dgm:constr type="h" for="ch" forName="sibTransNodeCircle" refType="h" fact="0.9"/>
-                    <dgm:constr type="w" for="ch" forName="sibTransNodeCircle" refType="h" refFor="ch" refForName="sibTransNodeCircle"/>
-                    <dgm:constr type="ctrX" for="ch" forName="sibTransNodeCircle" refType="w" fact="0.45"/>
-                    <dgm:constr type="ctrY" for="ch" forName="sibTransNodeCircle" refType="h" fact="0.25"/>
-                    <dgm:constr type="t" for="ch" forName="spacerBetweenCircleAndCallout" refType="b" refFor="ch" refForName="sibTransNodeCircle"/>
-                    <dgm:constr type="h" for="ch" forName="spacerBetweenCircleAndCallout" val="4.6"/>
-                  </dgm:constrLst>
-                </dgm:else>
-              </dgm:choose>
-            </dgm:if>
-            <dgm:if name="ifLastNode" axis="self" ptType="node" func="revPos" op="equ" val="1">
-              <dgm:constrLst>
-                <dgm:constr type="h"/>
-                <dgm:constr type="h" for="ch" forName="lineNode" val="0.002"/>
-                <dgm:constr type="w" for="ch" forName="lineNode" refType="w" fact="0.45"/>
-                <dgm:constr type="w" for="ch" forName="lineArrowNode" refType="w" fact="0"/>
-                <dgm:constr type="h" for="ch" forName="lineArrowNode" refType="h" fact="0"/>
-                <dgm:constr type="ctrY" for="ch" forName="lineNode" refType="ctrY" refFor="ch" refForName="sibTransNodeCircle"/>
-                <dgm:constr type="h" for="ch" forName="sibTransNodeCircle" refType="h"/>
-                <dgm:constr type="w" for="ch" forName="sibTransNodeCircle" refType="h" refFor="ch" refForName="sibTransNodeCircle"/>
-                <dgm:constr type="ctrX" for="ch" forName="sibTransNodeCircle" refType="w" fact="0.45"/>
-                <dgm:constr type="ctrY" for="ch" forName="sibTransNodeCircle" refType="h" fact="0.25"/>
-                <dgm:constr type="t" for="ch" forName="spacerBetweenCircleAndCallout" refType="b" refFor="ch" refForName="sibTransNodeCircle"/>
-                <dgm:constr type="h" for="ch" forName="spacerBetweenCircleAndCallout" val="4.6"/>
-              </dgm:constrLst>
-            </dgm:if>
-            <dgm:else name="allOtherNodes">
-              <dgm:constrLst>
-                <dgm:constr type="h"/>
-                <dgm:constr type="h" for="ch" forName="lineNode" val="0.002"/>
-                <dgm:constr type="w" for="ch" forName="lineNode" refType="w" fact="0.9"/>
-                <dgm:constr type="w" for="ch" forName="lineArrowNode" refType="w" fact="0.046"/>
-                <dgm:constr type="h" for="ch" forName="lineArrowNode" refType="h" fact="0.18"/>
-                <dgm:constr type="l" for="ch" forName="lineArrowNode" refType="w" fact="0.924"/>
-                <dgm:constr type="t" for="ch" forName="lineArrowNode" refType="h" fact="0.18"/>
-                <dgm:constr type="ctrY" for="ch" forName="lineNode" refType="ctrY" refFor="ch" refForName="sibTransNodeCircle"/>
-                <dgm:constr type="h" for="ch" forName="sibTransNodeCircle" refType="h" fact="0.9"/>
-                <dgm:constr type="w" for="ch" forName="sibTransNodeCircle" refType="h" refFor="ch" refForName="sibTransNodeCircle"/>
-                <dgm:constr type="ctrX" for="ch" forName="sibTransNodeCircle" refType="w" fact="0.45"/>
-                <dgm:constr type="ctrY" for="ch" forName="sibTransNodeCircle" refType="h" fact="0.25"/>
-                <dgm:constr type="t" for="ch" forName="spacerBetweenCircleAndCallout" refType="b" refFor="ch" refForName="sibTransNodeCircle"/>
-                <dgm:constr type="h" for="ch" forName="spacerBetweenCircleAndCallout" val="4.6"/>
-              </dgm:constrLst>
-            </dgm:else>
-          </dgm:choose>
-          <dgm:layoutNode name="lineNode" styleLbl="alignAccFollowNode1">
-            <dgm:alg type="sp"/>
-            <dgm:shape xmlns:r="http://schemas.openxmlformats.org/officeDocument/2006/relationships" type="rect" r:blip="">
-              <dgm:adjLst/>
-            </dgm:shape>
-            <dgm:presOf/>
-            <dgm:constrLst/>
-            <dgm:ruleLst/>
-          </dgm:layoutNode>
-          <dgm:layoutNode name="lineArrowNode" styleLbl="alignAccFollowNode1">
-            <dgm:alg type="sp"/>
-            <dgm:shape xmlns:r="http://schemas.openxmlformats.org/officeDocument/2006/relationships" type="chevron" r:blip="">
-              <dgm:adjLst>
-                <dgm:adj idx="1" val="0.9"/>
-              </dgm:adjLst>
-            </dgm:shape>
-            <dgm:presOf/>
-            <dgm:ruleLst/>
-          </dgm:layoutNode>
-          <dgm:forEach name="Name19" axis="followSib" ptType="sibTrans" hideLastTrans="0" cnt="1">
-            <dgm:layoutNode name="sibTransNodeCircle" styleLbl="alignNode1">
-              <dgm:varLst>
-                <dgm:chMax val="0"/>
-                <dgm:bulletEnabled/>
-              </dgm:varLst>
-              <dgm:presOf axis="self" ptType="sibTrans"/>
-              <dgm:alg type="tx">
-                <dgm:param type="txAnchorVert" val="mid"/>
-                <dgm:param type="txAnchorHorzCh" val="ctr"/>
-                <dgm:param type="parTxRTLAlign" val="l"/>
-              </dgm:alg>
-              <dgm:shape xmlns:r="http://schemas.openxmlformats.org/officeDocument/2006/relationships" type="ellipse" r:blip="">
-                <dgm:adjLst/>
-              </dgm:shape>
-              <dgm:constrLst>
-                <dgm:constr type="w" refType="h" op="equ"/>
-                <dgm:constr type="primFontSz" val="60"/>
-                <dgm:constr type="tMarg" refType="w" fact="0.11"/>
-                <dgm:constr type="lMarg" refType="w" fact="0.11"/>
-                <dgm:constr type="rMarg" refType="w" fact="0.11"/>
-                <dgm:constr type="bMarg" refType="w" fact="0.11"/>
-              </dgm:constrLst>
-              <dgm:ruleLst>
-                <dgm:rule type="primFontSz" val="14" fact="NaN" max="NaN"/>
-              </dgm:ruleLst>
-            </dgm:layoutNode>
-            <dgm:layoutNode name="spacerBetweenCircleAndCallout">
-              <dgm:varLst/>
-              <dgm:presOf/>
-              <dgm:alg type="sp"/>
-              <dgm:shape xmlns:r="http://schemas.openxmlformats.org/officeDocument/2006/relationships" r:blip="">
-                <dgm:adjLst/>
-              </dgm:shape>
-              <dgm:constrLst/>
-              <dgm:ruleLst/>
-            </dgm:layoutNode>
-          </dgm:forEach>
-          <dgm:presOf/>
-          <dgm:ruleLst/>
-        </dgm:layoutNode>
-        <dgm:layoutNode name="nodeText" styleLbl="alignAccFollowNode1">
-          <dgm:varLst>
-            <dgm:bulletEnabled val="1"/>
-          </dgm:varLst>
-          <dgm:alg type="tx">
-            <dgm:param type="parTxLTRAlign" val="l"/>
-            <dgm:param type="parTxRTLAlign" val="r"/>
-            <dgm:param type="txAnchorVert" val="t"/>
-          </dgm:alg>
-          <dgm:shape xmlns:r="http://schemas.openxmlformats.org/officeDocument/2006/relationships" type="upArrowCallout" r:blip="">
-            <dgm:adjLst>
-              <dgm:adj idx="1" val="0.5"/>
-              <dgm:adj idx="2" val="0.2"/>
-              <dgm:adj idx="3" val="0.2"/>
-              <dgm:adj idx="4" val="1"/>
-            </dgm:adjLst>
-          </dgm:shape>
-          <dgm:presOf axis="desOrSelf" ptType="node"/>
-          <dgm:constrLst>
-            <dgm:constr type="secFontSz" val="16"/>
-            <dgm:constr type="primFontSz" val="26"/>
-            <dgm:constr type="h"/>
-            <dgm:constr type="tMarg" val="13"/>
-            <dgm:constr type="lMarg" refType="w" fact="0.2236"/>
-            <dgm:constr type="rMarg" refType="w" fact="0.2236"/>
-            <dgm:constr type="bMarg" val="13"/>
-          </dgm:constrLst>
-          <dgm:ruleLst>
-            <dgm:rule type="secFontSz" val="11" fact="NaN" max="NaN"/>
-            <dgm:rule type="primFontSz" val="11" fact="NaN" max="NaN"/>
-            <dgm:rule type="h" val="INF" fact="NaN" max="NaN"/>
-          </dgm:ruleLst>
-        </dgm:layoutNode>
-      </dgm:layoutNode>
-      <dgm:forEach name="sibTransForEach" axis="followSib" ptType="sibTrans" cnt="1">
-        <dgm:layoutNode name="sibTransComposite" styleLbl="alignAccFollowNode1">
-          <dgm:alg type="sp"/>
-          <dgm:shape xmlns:r="http://schemas.openxmlformats.org/officeDocument/2006/relationships" r:blip="">
-            <dgm:adjLst/>
-          </dgm:shape>
-          <dgm:ruleLst/>
-        </dgm:layoutNode>
-        <dgm:ruleLst>
-          <dgm:rule type="h" val="INF" fact="NaN" max="NaN"/>
-        </dgm:ruleLst>
-      </dgm:forEach>
-    </dgm:forEach>
-  </dgm:layoutNode>
-  <dgm:extLst>
-    <a:ext uri="{4F341089-5ED1-44EC-B178-C955D00A3D55}">
-      <dgm1611:autoBuNodeInfoLst xmlns:dgm1611="http://schemas.microsoft.com/office/drawing/2016/11/diagram">
-        <dgm1611:autoBuNodeInfo lvl="1" ptType="sibTrans">
-          <dgm1611:buPr prefix="" leadZeros="0">
-            <a:buAutoNum type="arabicParenBoth"/>
-          </dgm1611:buPr>
-        </dgm1611:autoBuNodeInfo>
-      </dgm1611:autoBuNodeInfoLst>
-    </a:ext>
-  </dgm:extLst>
-</dgm:layoutDef>
-</file>
-
-<file path=ppt/diagrams/layout2.xml><?xml version="1.0" encoding="utf-8"?>
 <dgm:layoutDef xmlns:dgm="http://schemas.openxmlformats.org/drawingml/2006/diagram" xmlns:a="http://schemas.openxmlformats.org/drawingml/2006/main" uniqueId="urn:microsoft.com/office/officeart/2005/8/layout/process1">
   <dgm:title val=""/>
   <dgm:desc val=""/>
@@ -7711,7 +5029,7 @@
 </dgm:layoutDef>
 </file>
 
-<file path=ppt/diagrams/layout3.xml><?xml version="1.0" encoding="utf-8"?>
+<file path=ppt/diagrams/layout2.xml><?xml version="1.0" encoding="utf-8"?>
 <dgm:layoutDef xmlns:dgm="http://schemas.openxmlformats.org/drawingml/2006/diagram" xmlns:a="http://schemas.openxmlformats.org/drawingml/2006/main" uniqueId="urn:microsoft.com/office/officeart/2005/8/layout/default">
   <dgm:title val=""/>
   <dgm:desc val=""/>
@@ -7858,7 +5176,7 @@
 </dgm:layoutDef>
 </file>
 
-<file path=ppt/diagrams/layout4.xml><?xml version="1.0" encoding="utf-8"?>
+<file path=ppt/diagrams/layout3.xml><?xml version="1.0" encoding="utf-8"?>
 <dgm:layoutDef xmlns:dgm="http://schemas.openxmlformats.org/drawingml/2006/diagram" xmlns:a="http://schemas.openxmlformats.org/drawingml/2006/main" uniqueId="urn:microsoft.com/office/officeart/2005/8/layout/default">
   <dgm:title val=""/>
   <dgm:desc val=""/>
@@ -9040,1040 +6358,6 @@
 </file>
 
 <file path=ppt/diagrams/quickStyle2.xml><?xml version="1.0" encoding="utf-8"?>
-<dgm:styleDef xmlns:dgm="http://schemas.openxmlformats.org/drawingml/2006/diagram" xmlns:a="http://schemas.openxmlformats.org/drawingml/2006/main" uniqueId="urn:microsoft.com/office/officeart/2005/8/quickstyle/simple1">
-  <dgm:title val=""/>
-  <dgm:desc val=""/>
-  <dgm:catLst>
-    <dgm:cat type="simple" pri="10100"/>
-  </dgm:catLst>
-  <dgm:scene3d>
-    <a:camera prst="orthographicFront"/>
-    <a:lightRig rig="threePt" dir="t"/>
-  </dgm:scene3d>
-  <dgm:styleLbl name="node0">
-    <dgm:scene3d>
-      <a:camera prst="orthographicFront"/>
-      <a:lightRig rig="threePt" dir="t"/>
-    </dgm:scene3d>
-    <dgm:sp3d/>
-    <dgm:txPr/>
-    <dgm:style>
-      <a:lnRef idx="2">
-        <a:scrgbClr r="0" g="0" b="0"/>
-      </a:lnRef>
-      <a:fillRef idx="1">
-        <a:scrgbClr r="0" g="0" b="0"/>
-      </a:fillRef>
-      <a:effectRef idx="0">
-        <a:scrgbClr r="0" g="0" b="0"/>
-      </a:effectRef>
-      <a:fontRef idx="minor">
-        <a:schemeClr val="lt1"/>
-      </a:fontRef>
-    </dgm:style>
-  </dgm:styleLbl>
-  <dgm:styleLbl name="lnNode1">
-    <dgm:scene3d>
-      <a:camera prst="orthographicFront"/>
-      <a:lightRig rig="threePt" dir="t"/>
-    </dgm:scene3d>
-    <dgm:sp3d/>
-    <dgm:txPr/>
-    <dgm:style>
-      <a:lnRef idx="2">
-        <a:scrgbClr r="0" g="0" b="0"/>
-      </a:lnRef>
-      <a:fillRef idx="1">
-        <a:scrgbClr r="0" g="0" b="0"/>
-      </a:fillRef>
-      <a:effectRef idx="0">
-        <a:scrgbClr r="0" g="0" b="0"/>
-      </a:effectRef>
-      <a:fontRef idx="minor">
-        <a:schemeClr val="lt1"/>
-      </a:fontRef>
-    </dgm:style>
-  </dgm:styleLbl>
-  <dgm:styleLbl name="vennNode1">
-    <dgm:scene3d>
-      <a:camera prst="orthographicFront"/>
-      <a:lightRig rig="threePt" dir="t"/>
-    </dgm:scene3d>
-    <dgm:sp3d/>
-    <dgm:txPr/>
-    <dgm:style>
-      <a:lnRef idx="2">
-        <a:scrgbClr r="0" g="0" b="0"/>
-      </a:lnRef>
-      <a:fillRef idx="1">
-        <a:scrgbClr r="0" g="0" b="0"/>
-      </a:fillRef>
-      <a:effectRef idx="0">
-        <a:scrgbClr r="0" g="0" b="0"/>
-      </a:effectRef>
-      <a:fontRef idx="minor">
-        <a:schemeClr val="tx1"/>
-      </a:fontRef>
-    </dgm:style>
-  </dgm:styleLbl>
-  <dgm:styleLbl name="alignNode1">
-    <dgm:scene3d>
-      <a:camera prst="orthographicFront"/>
-      <a:lightRig rig="threePt" dir="t"/>
-    </dgm:scene3d>
-    <dgm:sp3d/>
-    <dgm:txPr/>
-    <dgm:style>
-      <a:lnRef idx="2">
-        <a:scrgbClr r="0" g="0" b="0"/>
-      </a:lnRef>
-      <a:fillRef idx="1">
-        <a:scrgbClr r="0" g="0" b="0"/>
-      </a:fillRef>
-      <a:effectRef idx="0">
-        <a:scrgbClr r="0" g="0" b="0"/>
-      </a:effectRef>
-      <a:fontRef idx="minor">
-        <a:schemeClr val="lt1"/>
-      </a:fontRef>
-    </dgm:style>
-  </dgm:styleLbl>
-  <dgm:styleLbl name="node1">
-    <dgm:scene3d>
-      <a:camera prst="orthographicFront"/>
-      <a:lightRig rig="threePt" dir="t"/>
-    </dgm:scene3d>
-    <dgm:sp3d/>
-    <dgm:txPr/>
-    <dgm:style>
-      <a:lnRef idx="2">
-        <a:scrgbClr r="0" g="0" b="0"/>
-      </a:lnRef>
-      <a:fillRef idx="1">
-        <a:scrgbClr r="0" g="0" b="0"/>
-      </a:fillRef>
-      <a:effectRef idx="0">
-        <a:scrgbClr r="0" g="0" b="0"/>
-      </a:effectRef>
-      <a:fontRef idx="minor">
-        <a:schemeClr val="lt1"/>
-      </a:fontRef>
-    </dgm:style>
-  </dgm:styleLbl>
-  <dgm:styleLbl name="node2">
-    <dgm:scene3d>
-      <a:camera prst="orthographicFront"/>
-      <a:lightRig rig="threePt" dir="t"/>
-    </dgm:scene3d>
-    <dgm:sp3d/>
-    <dgm:txPr/>
-    <dgm:style>
-      <a:lnRef idx="2">
-        <a:scrgbClr r="0" g="0" b="0"/>
-      </a:lnRef>
-      <a:fillRef idx="1">
-        <a:scrgbClr r="0" g="0" b="0"/>
-      </a:fillRef>
-      <a:effectRef idx="0">
-        <a:scrgbClr r="0" g="0" b="0"/>
-      </a:effectRef>
-      <a:fontRef idx="minor">
-        <a:schemeClr val="lt1"/>
-      </a:fontRef>
-    </dgm:style>
-  </dgm:styleLbl>
-  <dgm:styleLbl name="node3">
-    <dgm:scene3d>
-      <a:camera prst="orthographicFront"/>
-      <a:lightRig rig="threePt" dir="t"/>
-    </dgm:scene3d>
-    <dgm:sp3d/>
-    <dgm:txPr/>
-    <dgm:style>
-      <a:lnRef idx="2">
-        <a:scrgbClr r="0" g="0" b="0"/>
-      </a:lnRef>
-      <a:fillRef idx="1">
-        <a:scrgbClr r="0" g="0" b="0"/>
-      </a:fillRef>
-      <a:effectRef idx="0">
-        <a:scrgbClr r="0" g="0" b="0"/>
-      </a:effectRef>
-      <a:fontRef idx="minor">
-        <a:schemeClr val="lt1"/>
-      </a:fontRef>
-    </dgm:style>
-  </dgm:styleLbl>
-  <dgm:styleLbl name="node4">
-    <dgm:scene3d>
-      <a:camera prst="orthographicFront"/>
-      <a:lightRig rig="threePt" dir="t"/>
-    </dgm:scene3d>
-    <dgm:sp3d/>
-    <dgm:txPr/>
-    <dgm:style>
-      <a:lnRef idx="2">
-        <a:scrgbClr r="0" g="0" b="0"/>
-      </a:lnRef>
-      <a:fillRef idx="1">
-        <a:scrgbClr r="0" g="0" b="0"/>
-      </a:fillRef>
-      <a:effectRef idx="0">
-        <a:scrgbClr r="0" g="0" b="0"/>
-      </a:effectRef>
-      <a:fontRef idx="minor">
-        <a:schemeClr val="lt1"/>
-      </a:fontRef>
-    </dgm:style>
-  </dgm:styleLbl>
-  <dgm:styleLbl name="fgImgPlace1">
-    <dgm:scene3d>
-      <a:camera prst="orthographicFront"/>
-      <a:lightRig rig="threePt" dir="t"/>
-    </dgm:scene3d>
-    <dgm:sp3d/>
-    <dgm:txPr/>
-    <dgm:style>
-      <a:lnRef idx="2">
-        <a:scrgbClr r="0" g="0" b="0"/>
-      </a:lnRef>
-      <a:fillRef idx="1">
-        <a:scrgbClr r="0" g="0" b="0"/>
-      </a:fillRef>
-      <a:effectRef idx="0">
-        <a:scrgbClr r="0" g="0" b="0"/>
-      </a:effectRef>
-      <a:fontRef idx="minor"/>
-    </dgm:style>
-  </dgm:styleLbl>
-  <dgm:styleLbl name="alignImgPlace1">
-    <dgm:scene3d>
-      <a:camera prst="orthographicFront"/>
-      <a:lightRig rig="threePt" dir="t"/>
-    </dgm:scene3d>
-    <dgm:sp3d/>
-    <dgm:txPr/>
-    <dgm:style>
-      <a:lnRef idx="2">
-        <a:scrgbClr r="0" g="0" b="0"/>
-      </a:lnRef>
-      <a:fillRef idx="1">
-        <a:scrgbClr r="0" g="0" b="0"/>
-      </a:fillRef>
-      <a:effectRef idx="0">
-        <a:scrgbClr r="0" g="0" b="0"/>
-      </a:effectRef>
-      <a:fontRef idx="minor"/>
-    </dgm:style>
-  </dgm:styleLbl>
-  <dgm:styleLbl name="bgImgPlace1">
-    <dgm:scene3d>
-      <a:camera prst="orthographicFront"/>
-      <a:lightRig rig="threePt" dir="t"/>
-    </dgm:scene3d>
-    <dgm:sp3d/>
-    <dgm:txPr/>
-    <dgm:style>
-      <a:lnRef idx="2">
-        <a:scrgbClr r="0" g="0" b="0"/>
-      </a:lnRef>
-      <a:fillRef idx="1">
-        <a:scrgbClr r="0" g="0" b="0"/>
-      </a:fillRef>
-      <a:effectRef idx="0">
-        <a:scrgbClr r="0" g="0" b="0"/>
-      </a:effectRef>
-      <a:fontRef idx="minor"/>
-    </dgm:style>
-  </dgm:styleLbl>
-  <dgm:styleLbl name="sibTrans2D1">
-    <dgm:scene3d>
-      <a:camera prst="orthographicFront"/>
-      <a:lightRig rig="threePt" dir="t"/>
-    </dgm:scene3d>
-    <dgm:sp3d/>
-    <dgm:txPr/>
-    <dgm:style>
-      <a:lnRef idx="0">
-        <a:scrgbClr r="0" g="0" b="0"/>
-      </a:lnRef>
-      <a:fillRef idx="1">
-        <a:scrgbClr r="0" g="0" b="0"/>
-      </a:fillRef>
-      <a:effectRef idx="0">
-        <a:scrgbClr r="0" g="0" b="0"/>
-      </a:effectRef>
-      <a:fontRef idx="minor">
-        <a:schemeClr val="lt1"/>
-      </a:fontRef>
-    </dgm:style>
-  </dgm:styleLbl>
-  <dgm:styleLbl name="fgSibTrans2D1">
-    <dgm:scene3d>
-      <a:camera prst="orthographicFront"/>
-      <a:lightRig rig="threePt" dir="t"/>
-    </dgm:scene3d>
-    <dgm:sp3d/>
-    <dgm:txPr/>
-    <dgm:style>
-      <a:lnRef idx="0">
-        <a:scrgbClr r="0" g="0" b="0"/>
-      </a:lnRef>
-      <a:fillRef idx="1">
-        <a:scrgbClr r="0" g="0" b="0"/>
-      </a:fillRef>
-      <a:effectRef idx="0">
-        <a:scrgbClr r="0" g="0" b="0"/>
-      </a:effectRef>
-      <a:fontRef idx="minor">
-        <a:schemeClr val="lt1"/>
-      </a:fontRef>
-    </dgm:style>
-  </dgm:styleLbl>
-  <dgm:styleLbl name="bgSibTrans2D1">
-    <dgm:scene3d>
-      <a:camera prst="orthographicFront"/>
-      <a:lightRig rig="threePt" dir="t"/>
-    </dgm:scene3d>
-    <dgm:sp3d/>
-    <dgm:txPr/>
-    <dgm:style>
-      <a:lnRef idx="0">
-        <a:scrgbClr r="0" g="0" b="0"/>
-      </a:lnRef>
-      <a:fillRef idx="1">
-        <a:scrgbClr r="0" g="0" b="0"/>
-      </a:fillRef>
-      <a:effectRef idx="0">
-        <a:scrgbClr r="0" g="0" b="0"/>
-      </a:effectRef>
-      <a:fontRef idx="minor">
-        <a:schemeClr val="lt1"/>
-      </a:fontRef>
-    </dgm:style>
-  </dgm:styleLbl>
-  <dgm:styleLbl name="sibTrans1D1">
-    <dgm:scene3d>
-      <a:camera prst="orthographicFront"/>
-      <a:lightRig rig="threePt" dir="t"/>
-    </dgm:scene3d>
-    <dgm:sp3d/>
-    <dgm:txPr/>
-    <dgm:style>
-      <a:lnRef idx="1">
-        <a:scrgbClr r="0" g="0" b="0"/>
-      </a:lnRef>
-      <a:fillRef idx="0">
-        <a:scrgbClr r="0" g="0" b="0"/>
-      </a:fillRef>
-      <a:effectRef idx="0">
-        <a:scrgbClr r="0" g="0" b="0"/>
-      </a:effectRef>
-      <a:fontRef idx="minor"/>
-    </dgm:style>
-  </dgm:styleLbl>
-  <dgm:styleLbl name="callout">
-    <dgm:scene3d>
-      <a:camera prst="orthographicFront"/>
-      <a:lightRig rig="threePt" dir="t"/>
-    </dgm:scene3d>
-    <dgm:sp3d/>
-    <dgm:txPr/>
-    <dgm:style>
-      <a:lnRef idx="2">
-        <a:scrgbClr r="0" g="0" b="0"/>
-      </a:lnRef>
-      <a:fillRef idx="1">
-        <a:scrgbClr r="0" g="0" b="0"/>
-      </a:fillRef>
-      <a:effectRef idx="0">
-        <a:scrgbClr r="0" g="0" b="0"/>
-      </a:effectRef>
-      <a:fontRef idx="minor"/>
-    </dgm:style>
-  </dgm:styleLbl>
-  <dgm:styleLbl name="asst0">
-    <dgm:scene3d>
-      <a:camera prst="orthographicFront"/>
-      <a:lightRig rig="threePt" dir="t"/>
-    </dgm:scene3d>
-    <dgm:sp3d/>
-    <dgm:txPr/>
-    <dgm:style>
-      <a:lnRef idx="2">
-        <a:scrgbClr r="0" g="0" b="0"/>
-      </a:lnRef>
-      <a:fillRef idx="1">
-        <a:scrgbClr r="0" g="0" b="0"/>
-      </a:fillRef>
-      <a:effectRef idx="0">
-        <a:scrgbClr r="0" g="0" b="0"/>
-      </a:effectRef>
-      <a:fontRef idx="minor">
-        <a:schemeClr val="lt1"/>
-      </a:fontRef>
-    </dgm:style>
-  </dgm:styleLbl>
-  <dgm:styleLbl name="asst1">
-    <dgm:scene3d>
-      <a:camera prst="orthographicFront"/>
-      <a:lightRig rig="threePt" dir="t"/>
-    </dgm:scene3d>
-    <dgm:sp3d/>
-    <dgm:txPr/>
-    <dgm:style>
-      <a:lnRef idx="2">
-        <a:scrgbClr r="0" g="0" b="0"/>
-      </a:lnRef>
-      <a:fillRef idx="1">
-        <a:scrgbClr r="0" g="0" b="0"/>
-      </a:fillRef>
-      <a:effectRef idx="0">
-        <a:scrgbClr r="0" g="0" b="0"/>
-      </a:effectRef>
-      <a:fontRef idx="minor">
-        <a:schemeClr val="lt1"/>
-      </a:fontRef>
-    </dgm:style>
-  </dgm:styleLbl>
-  <dgm:styleLbl name="asst2">
-    <dgm:scene3d>
-      <a:camera prst="orthographicFront"/>
-      <a:lightRig rig="threePt" dir="t"/>
-    </dgm:scene3d>
-    <dgm:sp3d/>
-    <dgm:txPr/>
-    <dgm:style>
-      <a:lnRef idx="2">
-        <a:scrgbClr r="0" g="0" b="0"/>
-      </a:lnRef>
-      <a:fillRef idx="1">
-        <a:scrgbClr r="0" g="0" b="0"/>
-      </a:fillRef>
-      <a:effectRef idx="0">
-        <a:scrgbClr r="0" g="0" b="0"/>
-      </a:effectRef>
-      <a:fontRef idx="minor">
-        <a:schemeClr val="lt1"/>
-      </a:fontRef>
-    </dgm:style>
-  </dgm:styleLbl>
-  <dgm:styleLbl name="asst3">
-    <dgm:scene3d>
-      <a:camera prst="orthographicFront"/>
-      <a:lightRig rig="threePt" dir="t"/>
-    </dgm:scene3d>
-    <dgm:sp3d/>
-    <dgm:txPr/>
-    <dgm:style>
-      <a:lnRef idx="2">
-        <a:scrgbClr r="0" g="0" b="0"/>
-      </a:lnRef>
-      <a:fillRef idx="1">
-        <a:scrgbClr r="0" g="0" b="0"/>
-      </a:fillRef>
-      <a:effectRef idx="0">
-        <a:scrgbClr r="0" g="0" b="0"/>
-      </a:effectRef>
-      <a:fontRef idx="minor">
-        <a:schemeClr val="lt1"/>
-      </a:fontRef>
-    </dgm:style>
-  </dgm:styleLbl>
-  <dgm:styleLbl name="asst4">
-    <dgm:scene3d>
-      <a:camera prst="orthographicFront"/>
-      <a:lightRig rig="threePt" dir="t"/>
-    </dgm:scene3d>
-    <dgm:sp3d/>
-    <dgm:txPr/>
-    <dgm:style>
-      <a:lnRef idx="2">
-        <a:scrgbClr r="0" g="0" b="0"/>
-      </a:lnRef>
-      <a:fillRef idx="1">
-        <a:scrgbClr r="0" g="0" b="0"/>
-      </a:fillRef>
-      <a:effectRef idx="0">
-        <a:scrgbClr r="0" g="0" b="0"/>
-      </a:effectRef>
-      <a:fontRef idx="minor">
-        <a:schemeClr val="lt1"/>
-      </a:fontRef>
-    </dgm:style>
-  </dgm:styleLbl>
-  <dgm:styleLbl name="parChTrans2D1">
-    <dgm:scene3d>
-      <a:camera prst="orthographicFront"/>
-      <a:lightRig rig="threePt" dir="t"/>
-    </dgm:scene3d>
-    <dgm:sp3d/>
-    <dgm:txPr/>
-    <dgm:style>
-      <a:lnRef idx="2">
-        <a:scrgbClr r="0" g="0" b="0"/>
-      </a:lnRef>
-      <a:fillRef idx="1">
-        <a:scrgbClr r="0" g="0" b="0"/>
-      </a:fillRef>
-      <a:effectRef idx="0">
-        <a:scrgbClr r="0" g="0" b="0"/>
-      </a:effectRef>
-      <a:fontRef idx="minor">
-        <a:schemeClr val="lt1"/>
-      </a:fontRef>
-    </dgm:style>
-  </dgm:styleLbl>
-  <dgm:styleLbl name="parChTrans2D2">
-    <dgm:scene3d>
-      <a:camera prst="orthographicFront"/>
-      <a:lightRig rig="threePt" dir="t"/>
-    </dgm:scene3d>
-    <dgm:sp3d/>
-    <dgm:txPr/>
-    <dgm:style>
-      <a:lnRef idx="2">
-        <a:scrgbClr r="0" g="0" b="0"/>
-      </a:lnRef>
-      <a:fillRef idx="1">
-        <a:scrgbClr r="0" g="0" b="0"/>
-      </a:fillRef>
-      <a:effectRef idx="0">
-        <a:scrgbClr r="0" g="0" b="0"/>
-      </a:effectRef>
-      <a:fontRef idx="minor">
-        <a:schemeClr val="lt1"/>
-      </a:fontRef>
-    </dgm:style>
-  </dgm:styleLbl>
-  <dgm:styleLbl name="parChTrans2D3">
-    <dgm:scene3d>
-      <a:camera prst="orthographicFront"/>
-      <a:lightRig rig="threePt" dir="t"/>
-    </dgm:scene3d>
-    <dgm:sp3d/>
-    <dgm:txPr/>
-    <dgm:style>
-      <a:lnRef idx="2">
-        <a:scrgbClr r="0" g="0" b="0"/>
-      </a:lnRef>
-      <a:fillRef idx="1">
-        <a:scrgbClr r="0" g="0" b="0"/>
-      </a:fillRef>
-      <a:effectRef idx="0">
-        <a:scrgbClr r="0" g="0" b="0"/>
-      </a:effectRef>
-      <a:fontRef idx="minor">
-        <a:schemeClr val="lt1"/>
-      </a:fontRef>
-    </dgm:style>
-  </dgm:styleLbl>
-  <dgm:styleLbl name="parChTrans2D4">
-    <dgm:scene3d>
-      <a:camera prst="orthographicFront"/>
-      <a:lightRig rig="threePt" dir="t"/>
-    </dgm:scene3d>
-    <dgm:sp3d/>
-    <dgm:txPr/>
-    <dgm:style>
-      <a:lnRef idx="2">
-        <a:scrgbClr r="0" g="0" b="0"/>
-      </a:lnRef>
-      <a:fillRef idx="1">
-        <a:scrgbClr r="0" g="0" b="0"/>
-      </a:fillRef>
-      <a:effectRef idx="0">
-        <a:scrgbClr r="0" g="0" b="0"/>
-      </a:effectRef>
-      <a:fontRef idx="minor">
-        <a:schemeClr val="lt1"/>
-      </a:fontRef>
-    </dgm:style>
-  </dgm:styleLbl>
-  <dgm:styleLbl name="parChTrans1D1">
-    <dgm:scene3d>
-      <a:camera prst="orthographicFront"/>
-      <a:lightRig rig="threePt" dir="t"/>
-    </dgm:scene3d>
-    <dgm:sp3d/>
-    <dgm:txPr/>
-    <dgm:style>
-      <a:lnRef idx="2">
-        <a:scrgbClr r="0" g="0" b="0"/>
-      </a:lnRef>
-      <a:fillRef idx="0">
-        <a:scrgbClr r="0" g="0" b="0"/>
-      </a:fillRef>
-      <a:effectRef idx="0">
-        <a:scrgbClr r="0" g="0" b="0"/>
-      </a:effectRef>
-      <a:fontRef idx="minor"/>
-    </dgm:style>
-  </dgm:styleLbl>
-  <dgm:styleLbl name="parChTrans1D2">
-    <dgm:scene3d>
-      <a:camera prst="orthographicFront"/>
-      <a:lightRig rig="threePt" dir="t"/>
-    </dgm:scene3d>
-    <dgm:sp3d/>
-    <dgm:txPr/>
-    <dgm:style>
-      <a:lnRef idx="2">
-        <a:scrgbClr r="0" g="0" b="0"/>
-      </a:lnRef>
-      <a:fillRef idx="0">
-        <a:scrgbClr r="0" g="0" b="0"/>
-      </a:fillRef>
-      <a:effectRef idx="0">
-        <a:scrgbClr r="0" g="0" b="0"/>
-      </a:effectRef>
-      <a:fontRef idx="minor"/>
-    </dgm:style>
-  </dgm:styleLbl>
-  <dgm:styleLbl name="parChTrans1D3">
-    <dgm:scene3d>
-      <a:camera prst="orthographicFront"/>
-      <a:lightRig rig="threePt" dir="t"/>
-    </dgm:scene3d>
-    <dgm:sp3d/>
-    <dgm:txPr/>
-    <dgm:style>
-      <a:lnRef idx="2">
-        <a:scrgbClr r="0" g="0" b="0"/>
-      </a:lnRef>
-      <a:fillRef idx="0">
-        <a:scrgbClr r="0" g="0" b="0"/>
-      </a:fillRef>
-      <a:effectRef idx="0">
-        <a:scrgbClr r="0" g="0" b="0"/>
-      </a:effectRef>
-      <a:fontRef idx="minor"/>
-    </dgm:style>
-  </dgm:styleLbl>
-  <dgm:styleLbl name="parChTrans1D4">
-    <dgm:scene3d>
-      <a:camera prst="orthographicFront"/>
-      <a:lightRig rig="threePt" dir="t"/>
-    </dgm:scene3d>
-    <dgm:sp3d/>
-    <dgm:txPr/>
-    <dgm:style>
-      <a:lnRef idx="2">
-        <a:scrgbClr r="0" g="0" b="0"/>
-      </a:lnRef>
-      <a:fillRef idx="0">
-        <a:scrgbClr r="0" g="0" b="0"/>
-      </a:fillRef>
-      <a:effectRef idx="0">
-        <a:scrgbClr r="0" g="0" b="0"/>
-      </a:effectRef>
-      <a:fontRef idx="minor"/>
-    </dgm:style>
-  </dgm:styleLbl>
-  <dgm:styleLbl name="fgAcc1">
-    <dgm:scene3d>
-      <a:camera prst="orthographicFront"/>
-      <a:lightRig rig="threePt" dir="t"/>
-    </dgm:scene3d>
-    <dgm:sp3d/>
-    <dgm:txPr/>
-    <dgm:style>
-      <a:lnRef idx="2">
-        <a:scrgbClr r="0" g="0" b="0"/>
-      </a:lnRef>
-      <a:fillRef idx="1">
-        <a:scrgbClr r="0" g="0" b="0"/>
-      </a:fillRef>
-      <a:effectRef idx="0">
-        <a:scrgbClr r="0" g="0" b="0"/>
-      </a:effectRef>
-      <a:fontRef idx="minor"/>
-    </dgm:style>
-  </dgm:styleLbl>
-  <dgm:styleLbl name="conFgAcc1">
-    <dgm:scene3d>
-      <a:camera prst="orthographicFront"/>
-      <a:lightRig rig="threePt" dir="t"/>
-    </dgm:scene3d>
-    <dgm:sp3d/>
-    <dgm:txPr/>
-    <dgm:style>
-      <a:lnRef idx="2">
-        <a:scrgbClr r="0" g="0" b="0"/>
-      </a:lnRef>
-      <a:fillRef idx="1">
-        <a:scrgbClr r="0" g="0" b="0"/>
-      </a:fillRef>
-      <a:effectRef idx="0">
-        <a:scrgbClr r="0" g="0" b="0"/>
-      </a:effectRef>
-      <a:fontRef idx="minor"/>
-    </dgm:style>
-  </dgm:styleLbl>
-  <dgm:styleLbl name="alignAcc1">
-    <dgm:scene3d>
-      <a:camera prst="orthographicFront"/>
-      <a:lightRig rig="threePt" dir="t"/>
-    </dgm:scene3d>
-    <dgm:sp3d/>
-    <dgm:txPr/>
-    <dgm:style>
-      <a:lnRef idx="2">
-        <a:scrgbClr r="0" g="0" b="0"/>
-      </a:lnRef>
-      <a:fillRef idx="1">
-        <a:scrgbClr r="0" g="0" b="0"/>
-      </a:fillRef>
-      <a:effectRef idx="0">
-        <a:scrgbClr r="0" g="0" b="0"/>
-      </a:effectRef>
-      <a:fontRef idx="minor"/>
-    </dgm:style>
-  </dgm:styleLbl>
-  <dgm:styleLbl name="trAlignAcc1">
-    <dgm:scene3d>
-      <a:camera prst="orthographicFront"/>
-      <a:lightRig rig="threePt" dir="t"/>
-    </dgm:scene3d>
-    <dgm:sp3d/>
-    <dgm:txPr/>
-    <dgm:style>
-      <a:lnRef idx="1">
-        <a:scrgbClr r="0" g="0" b="0"/>
-      </a:lnRef>
-      <a:fillRef idx="1">
-        <a:scrgbClr r="0" g="0" b="0"/>
-      </a:fillRef>
-      <a:effectRef idx="0">
-        <a:scrgbClr r="0" g="0" b="0"/>
-      </a:effectRef>
-      <a:fontRef idx="minor"/>
-    </dgm:style>
-  </dgm:styleLbl>
-  <dgm:styleLbl name="bgAcc1">
-    <dgm:scene3d>
-      <a:camera prst="orthographicFront"/>
-      <a:lightRig rig="threePt" dir="t"/>
-    </dgm:scene3d>
-    <dgm:sp3d/>
-    <dgm:txPr/>
-    <dgm:style>
-      <a:lnRef idx="2">
-        <a:scrgbClr r="0" g="0" b="0"/>
-      </a:lnRef>
-      <a:fillRef idx="1">
-        <a:scrgbClr r="0" g="0" b="0"/>
-      </a:fillRef>
-      <a:effectRef idx="0">
-        <a:scrgbClr r="0" g="0" b="0"/>
-      </a:effectRef>
-      <a:fontRef idx="minor"/>
-    </dgm:style>
-  </dgm:styleLbl>
-  <dgm:styleLbl name="solidFgAcc1">
-    <dgm:scene3d>
-      <a:camera prst="orthographicFront"/>
-      <a:lightRig rig="threePt" dir="t"/>
-    </dgm:scene3d>
-    <dgm:sp3d/>
-    <dgm:txPr/>
-    <dgm:style>
-      <a:lnRef idx="2">
-        <a:scrgbClr r="0" g="0" b="0"/>
-      </a:lnRef>
-      <a:fillRef idx="1">
-        <a:scrgbClr r="0" g="0" b="0"/>
-      </a:fillRef>
-      <a:effectRef idx="0">
-        <a:scrgbClr r="0" g="0" b="0"/>
-      </a:effectRef>
-      <a:fontRef idx="minor"/>
-    </dgm:style>
-  </dgm:styleLbl>
-  <dgm:styleLbl name="solidAlignAcc1">
-    <dgm:scene3d>
-      <a:camera prst="orthographicFront"/>
-      <a:lightRig rig="threePt" dir="t"/>
-    </dgm:scene3d>
-    <dgm:sp3d/>
-    <dgm:txPr/>
-    <dgm:style>
-      <a:lnRef idx="2">
-        <a:scrgbClr r="0" g="0" b="0"/>
-      </a:lnRef>
-      <a:fillRef idx="1">
-        <a:scrgbClr r="0" g="0" b="0"/>
-      </a:fillRef>
-      <a:effectRef idx="0">
-        <a:scrgbClr r="0" g="0" b="0"/>
-      </a:effectRef>
-      <a:fontRef idx="minor"/>
-    </dgm:style>
-  </dgm:styleLbl>
-  <dgm:styleLbl name="solidBgAcc1">
-    <dgm:scene3d>
-      <a:camera prst="orthographicFront"/>
-      <a:lightRig rig="threePt" dir="t"/>
-    </dgm:scene3d>
-    <dgm:sp3d/>
-    <dgm:txPr/>
-    <dgm:style>
-      <a:lnRef idx="2">
-        <a:scrgbClr r="0" g="0" b="0"/>
-      </a:lnRef>
-      <a:fillRef idx="1">
-        <a:scrgbClr r="0" g="0" b="0"/>
-      </a:fillRef>
-      <a:effectRef idx="0">
-        <a:scrgbClr r="0" g="0" b="0"/>
-      </a:effectRef>
-      <a:fontRef idx="minor"/>
-    </dgm:style>
-  </dgm:styleLbl>
-  <dgm:styleLbl name="fgAccFollowNode1">
-    <dgm:scene3d>
-      <a:camera prst="orthographicFront"/>
-      <a:lightRig rig="threePt" dir="t"/>
-    </dgm:scene3d>
-    <dgm:sp3d/>
-    <dgm:txPr/>
-    <dgm:style>
-      <a:lnRef idx="2">
-        <a:scrgbClr r="0" g="0" b="0"/>
-      </a:lnRef>
-      <a:fillRef idx="1">
-        <a:scrgbClr r="0" g="0" b="0"/>
-      </a:fillRef>
-      <a:effectRef idx="0">
-        <a:scrgbClr r="0" g="0" b="0"/>
-      </a:effectRef>
-      <a:fontRef idx="minor"/>
-    </dgm:style>
-  </dgm:styleLbl>
-  <dgm:styleLbl name="alignAccFollowNode1">
-    <dgm:scene3d>
-      <a:camera prst="orthographicFront"/>
-      <a:lightRig rig="threePt" dir="t"/>
-    </dgm:scene3d>
-    <dgm:sp3d/>
-    <dgm:txPr/>
-    <dgm:style>
-      <a:lnRef idx="2">
-        <a:scrgbClr r="0" g="0" b="0"/>
-      </a:lnRef>
-      <a:fillRef idx="1">
-        <a:scrgbClr r="0" g="0" b="0"/>
-      </a:fillRef>
-      <a:effectRef idx="0">
-        <a:scrgbClr r="0" g="0" b="0"/>
-      </a:effectRef>
-      <a:fontRef idx="minor"/>
-    </dgm:style>
-  </dgm:styleLbl>
-  <dgm:styleLbl name="bgAccFollowNode1">
-    <dgm:scene3d>
-      <a:camera prst="orthographicFront"/>
-      <a:lightRig rig="threePt" dir="t"/>
-    </dgm:scene3d>
-    <dgm:sp3d/>
-    <dgm:txPr/>
-    <dgm:style>
-      <a:lnRef idx="2">
-        <a:scrgbClr r="0" g="0" b="0"/>
-      </a:lnRef>
-      <a:fillRef idx="1">
-        <a:scrgbClr r="0" g="0" b="0"/>
-      </a:fillRef>
-      <a:effectRef idx="0">
-        <a:scrgbClr r="0" g="0" b="0"/>
-      </a:effectRef>
-      <a:fontRef idx="minor"/>
-    </dgm:style>
-  </dgm:styleLbl>
-  <dgm:styleLbl name="fgAcc0">
-    <dgm:scene3d>
-      <a:camera prst="orthographicFront"/>
-      <a:lightRig rig="threePt" dir="t"/>
-    </dgm:scene3d>
-    <dgm:sp3d/>
-    <dgm:txPr/>
-    <dgm:style>
-      <a:lnRef idx="2">
-        <a:scrgbClr r="0" g="0" b="0"/>
-      </a:lnRef>
-      <a:fillRef idx="1">
-        <a:scrgbClr r="0" g="0" b="0"/>
-      </a:fillRef>
-      <a:effectRef idx="0">
-        <a:scrgbClr r="0" g="0" b="0"/>
-      </a:effectRef>
-      <a:fontRef idx="minor"/>
-    </dgm:style>
-  </dgm:styleLbl>
-  <dgm:styleLbl name="fgAcc2">
-    <dgm:scene3d>
-      <a:camera prst="orthographicFront"/>
-      <a:lightRig rig="threePt" dir="t"/>
-    </dgm:scene3d>
-    <dgm:sp3d/>
-    <dgm:txPr/>
-    <dgm:style>
-      <a:lnRef idx="2">
-        <a:scrgbClr r="0" g="0" b="0"/>
-      </a:lnRef>
-      <a:fillRef idx="1">
-        <a:scrgbClr r="0" g="0" b="0"/>
-      </a:fillRef>
-      <a:effectRef idx="0">
-        <a:scrgbClr r="0" g="0" b="0"/>
-      </a:effectRef>
-      <a:fontRef idx="minor"/>
-    </dgm:style>
-  </dgm:styleLbl>
-  <dgm:styleLbl name="fgAcc3">
-    <dgm:scene3d>
-      <a:camera prst="orthographicFront"/>
-      <a:lightRig rig="threePt" dir="t"/>
-    </dgm:scene3d>
-    <dgm:sp3d/>
-    <dgm:txPr/>
-    <dgm:style>
-      <a:lnRef idx="2">
-        <a:scrgbClr r="0" g="0" b="0"/>
-      </a:lnRef>
-      <a:fillRef idx="1">
-        <a:scrgbClr r="0" g="0" b="0"/>
-      </a:fillRef>
-      <a:effectRef idx="0">
-        <a:scrgbClr r="0" g="0" b="0"/>
-      </a:effectRef>
-      <a:fontRef idx="minor"/>
-    </dgm:style>
-  </dgm:styleLbl>
-  <dgm:styleLbl name="fgAcc4">
-    <dgm:scene3d>
-      <a:camera prst="orthographicFront"/>
-      <a:lightRig rig="threePt" dir="t"/>
-    </dgm:scene3d>
-    <dgm:sp3d/>
-    <dgm:txPr/>
-    <dgm:style>
-      <a:lnRef idx="2">
-        <a:scrgbClr r="0" g="0" b="0"/>
-      </a:lnRef>
-      <a:fillRef idx="1">
-        <a:scrgbClr r="0" g="0" b="0"/>
-      </a:fillRef>
-      <a:effectRef idx="0">
-        <a:scrgbClr r="0" g="0" b="0"/>
-      </a:effectRef>
-      <a:fontRef idx="minor"/>
-    </dgm:style>
-  </dgm:styleLbl>
-  <dgm:styleLbl name="bgShp">
-    <dgm:scene3d>
-      <a:camera prst="orthographicFront"/>
-      <a:lightRig rig="threePt" dir="t"/>
-    </dgm:scene3d>
-    <dgm:sp3d/>
-    <dgm:txPr/>
-    <dgm:style>
-      <a:lnRef idx="0">
-        <a:scrgbClr r="0" g="0" b="0"/>
-      </a:lnRef>
-      <a:fillRef idx="1">
-        <a:scrgbClr r="0" g="0" b="0"/>
-      </a:fillRef>
-      <a:effectRef idx="0">
-        <a:scrgbClr r="0" g="0" b="0"/>
-      </a:effectRef>
-      <a:fontRef idx="minor"/>
-    </dgm:style>
-  </dgm:styleLbl>
-  <dgm:styleLbl name="dkBgShp">
-    <dgm:scene3d>
-      <a:camera prst="orthographicFront"/>
-      <a:lightRig rig="threePt" dir="t"/>
-    </dgm:scene3d>
-    <dgm:sp3d/>
-    <dgm:txPr/>
-    <dgm:style>
-      <a:lnRef idx="0">
-        <a:scrgbClr r="0" g="0" b="0"/>
-      </a:lnRef>
-      <a:fillRef idx="1">
-        <a:scrgbClr r="0" g="0" b="0"/>
-      </a:fillRef>
-      <a:effectRef idx="0">
-        <a:scrgbClr r="0" g="0" b="0"/>
-      </a:effectRef>
-      <a:fontRef idx="minor"/>
-    </dgm:style>
-  </dgm:styleLbl>
-  <dgm:styleLbl name="trBgShp">
-    <dgm:scene3d>
-      <a:camera prst="orthographicFront"/>
-      <a:lightRig rig="threePt" dir="t"/>
-    </dgm:scene3d>
-    <dgm:sp3d/>
-    <dgm:txPr/>
-    <dgm:style>
-      <a:lnRef idx="0">
-        <a:scrgbClr r="0" g="0" b="0"/>
-      </a:lnRef>
-      <a:fillRef idx="1">
-        <a:scrgbClr r="0" g="0" b="0"/>
-      </a:fillRef>
-      <a:effectRef idx="0">
-        <a:scrgbClr r="0" g="0" b="0"/>
-      </a:effectRef>
-      <a:fontRef idx="minor"/>
-    </dgm:style>
-  </dgm:styleLbl>
-  <dgm:styleLbl name="fgShp">
-    <dgm:scene3d>
-      <a:camera prst="orthographicFront"/>
-      <a:lightRig rig="threePt" dir="t"/>
-    </dgm:scene3d>
-    <dgm:sp3d/>
-    <dgm:txPr/>
-    <dgm:style>
-      <a:lnRef idx="2">
-        <a:scrgbClr r="0" g="0" b="0"/>
-      </a:lnRef>
-      <a:fillRef idx="1">
-        <a:scrgbClr r="0" g="0" b="0"/>
-      </a:fillRef>
-      <a:effectRef idx="0">
-        <a:scrgbClr r="0" g="0" b="0"/>
-      </a:effectRef>
-      <a:fontRef idx="minor"/>
-    </dgm:style>
-  </dgm:styleLbl>
-  <dgm:styleLbl name="revTx">
-    <dgm:scene3d>
-      <a:camera prst="orthographicFront"/>
-      <a:lightRig rig="threePt" dir="t"/>
-    </dgm:scene3d>
-    <dgm:sp3d/>
-    <dgm:txPr/>
-    <dgm:style>
-      <a:lnRef idx="0">
-        <a:scrgbClr r="0" g="0" b="0"/>
-      </a:lnRef>
-      <a:fillRef idx="0">
-        <a:scrgbClr r="0" g="0" b="0"/>
-      </a:fillRef>
-      <a:effectRef idx="0">
-        <a:scrgbClr r="0" g="0" b="0"/>
-      </a:effectRef>
-      <a:fontRef idx="minor"/>
-    </dgm:style>
-  </dgm:styleLbl>
-</dgm:styleDef>
-</file>
-
-<file path=ppt/diagrams/quickStyle3.xml><?xml version="1.0" encoding="utf-8"?>
 <dgm:styleDef xmlns:dgm="http://schemas.openxmlformats.org/drawingml/2006/diagram" xmlns:a="http://schemas.openxmlformats.org/drawingml/2006/main" uniqueId="urn:microsoft.com/office/officeart/2005/8/quickstyle/simple4">
   <dgm:title val=""/>
   <dgm:desc val=""/>
@@ -11107,7 +7391,7 @@
 </dgm:styleDef>
 </file>
 
-<file path=ppt/diagrams/quickStyle4.xml><?xml version="1.0" encoding="utf-8"?>
+<file path=ppt/diagrams/quickStyle3.xml><?xml version="1.0" encoding="utf-8"?>
 <dgm:styleDef xmlns:dgm="http://schemas.openxmlformats.org/drawingml/2006/diagram" xmlns:a="http://schemas.openxmlformats.org/drawingml/2006/main" uniqueId="urn:microsoft.com/office/officeart/2005/8/quickstyle/simple1">
   <dgm:title val=""/>
   <dgm:desc val=""/>
@@ -18787,131 +15071,6 @@
           <p:cNvPr id="2" name="Title 1">
             <a:extLst>
               <a:ext uri="{FF2B5EF4-FFF2-40B4-BE49-F238E27FC236}">
-                <a16:creationId xmlns:a16="http://schemas.microsoft.com/office/drawing/2014/main" id="{A1220870-EFCB-4D52-A83B-B797B6C89F1B}"/>
-              </a:ext>
-            </a:extLst>
-          </p:cNvPr>
-          <p:cNvSpPr>
-            <a:spLocks noGrp="1"/>
-          </p:cNvSpPr>
-          <p:nvPr>
-            <p:ph type="title"/>
-          </p:nvPr>
-        </p:nvSpPr>
-        <p:spPr>
-          <a:xfrm>
-            <a:off x="646111" y="452718"/>
-            <a:ext cx="9404723" cy="807911"/>
-          </a:xfrm>
-        </p:spPr>
-        <p:txBody>
-          <a:bodyPr/>
-          <a:lstStyle/>
-          <a:p>
-            <a:r>
-              <a:rPr lang="en-US" dirty="0"/>
-              <a:t>Machine Learning</a:t>
-            </a:r>
-          </a:p>
-        </p:txBody>
-      </p:sp>
-      <p:sp>
-        <p:nvSpPr>
-          <p:cNvPr id="3" name="Content Placeholder 2">
-            <a:extLst>
-              <a:ext uri="{FF2B5EF4-FFF2-40B4-BE49-F238E27FC236}">
-                <a16:creationId xmlns:a16="http://schemas.microsoft.com/office/drawing/2014/main" id="{8C9D5555-1AEF-4801-94DA-BDCD17A50810}"/>
-              </a:ext>
-            </a:extLst>
-          </p:cNvPr>
-          <p:cNvSpPr>
-            <a:spLocks noGrp="1"/>
-          </p:cNvSpPr>
-          <p:nvPr>
-            <p:ph idx="1"/>
-          </p:nvPr>
-        </p:nvSpPr>
-        <p:spPr>
-          <a:xfrm>
-            <a:off x="1103312" y="1606858"/>
-            <a:ext cx="8946541" cy="4641541"/>
-          </a:xfrm>
-        </p:spPr>
-        <p:txBody>
-          <a:bodyPr/>
-          <a:lstStyle/>
-          <a:p>
-            <a:r>
-              <a:rPr lang="en-US" dirty="0"/>
-              <a:t>K-Means Clustering has been used the vectors to predict which cluster it belongs to.</a:t>
-            </a:r>
-          </a:p>
-          <a:p>
-            <a:r>
-              <a:rPr lang="en-US" dirty="0"/>
-              <a:t>Sample amount of  Yahoo Answers Dataset has been used, which involves four different categories </a:t>
-            </a:r>
-          </a:p>
-          <a:p>
-            <a:r>
-              <a:rPr lang="en-US" dirty="0"/>
-              <a:t>The processing time of it took nearly 71.47 Sec’s</a:t>
-            </a:r>
-          </a:p>
-          <a:p>
-            <a:r>
-              <a:rPr lang="en-US" dirty="0"/>
-              <a:t>For classification,  We used the Naïve </a:t>
-            </a:r>
-            <a:r>
-              <a:rPr lang="en-US" dirty="0" err="1"/>
-              <a:t>bayes</a:t>
-            </a:r>
-            <a:r>
-              <a:rPr lang="en-US" dirty="0"/>
-              <a:t> and Random Forest with accuracy of 53%  and 49%</a:t>
-            </a:r>
-          </a:p>
-          <a:p>
-            <a:endParaRPr lang="en-US" dirty="0"/>
-          </a:p>
-        </p:txBody>
-      </p:sp>
-    </p:spTree>
-    <p:extLst>
-      <p:ext uri="{BB962C8B-B14F-4D97-AF65-F5344CB8AC3E}">
-        <p14:creationId xmlns:p14="http://schemas.microsoft.com/office/powerpoint/2010/main" val="1797907807"/>
-      </p:ext>
-    </p:extLst>
-  </p:cSld>
-  <p:clrMapOvr>
-    <a:masterClrMapping/>
-  </p:clrMapOvr>
-</p:sld>
-</file>
-
-<file path=ppt/slides/slide11.xml><?xml version="1.0" encoding="utf-8"?>
-<p:sld xmlns:a="http://schemas.openxmlformats.org/drawingml/2006/main" xmlns:r="http://schemas.openxmlformats.org/officeDocument/2006/relationships" xmlns:p="http://schemas.openxmlformats.org/presentationml/2006/main">
-  <p:cSld>
-    <p:spTree>
-      <p:nvGrpSpPr>
-        <p:cNvPr id="1" name=""/>
-        <p:cNvGrpSpPr/>
-        <p:nvPr/>
-      </p:nvGrpSpPr>
-      <p:grpSpPr>
-        <a:xfrm>
-          <a:off x="0" y="0"/>
-          <a:ext cx="0" cy="0"/>
-          <a:chOff x="0" y="0"/>
-          <a:chExt cx="0" cy="0"/>
-        </a:xfrm>
-      </p:grpSpPr>
-      <p:sp>
-        <p:nvSpPr>
-          <p:cNvPr id="2" name="Title 1">
-            <a:extLst>
-              <a:ext uri="{FF2B5EF4-FFF2-40B4-BE49-F238E27FC236}">
                 <a16:creationId xmlns:a16="http://schemas.microsoft.com/office/drawing/2014/main" id="{84D9D0B9-7E21-4AD7-95C3-5F442B34DEA1}"/>
               </a:ext>
             </a:extLst>
@@ -18989,7 +15148,7 @@
 </p:sld>
 </file>
 
-<file path=ppt/slides/slide12.xml><?xml version="1.0" encoding="utf-8"?>
+<file path=ppt/slides/slide11.xml><?xml version="1.0" encoding="utf-8"?>
 <p:sld xmlns:a="http://schemas.openxmlformats.org/drawingml/2006/main" xmlns:r="http://schemas.openxmlformats.org/officeDocument/2006/relationships" xmlns:p="http://schemas.openxmlformats.org/presentationml/2006/main">
   <p:cSld>
     <p:spTree>
@@ -19704,108 +15863,6 @@
     <p:bg>
       <p:bgPr>
         <a:solidFill>
-          <a:schemeClr val="bg1"/>
-        </a:solidFill>
-        <a:effectLst/>
-      </p:bgPr>
-    </p:bg>
-    <p:spTree>
-      <p:nvGrpSpPr>
-        <p:cNvPr id="1" name=""/>
-        <p:cNvGrpSpPr/>
-        <p:nvPr/>
-      </p:nvGrpSpPr>
-      <p:grpSpPr>
-        <a:xfrm>
-          <a:off x="0" y="0"/>
-          <a:ext cx="0" cy="0"/>
-          <a:chOff x="0" y="0"/>
-          <a:chExt cx="0" cy="0"/>
-        </a:xfrm>
-      </p:grpSpPr>
-      <p:sp>
-        <p:nvSpPr>
-          <p:cNvPr id="2" name="Title 1">
-            <a:extLst>
-              <a:ext uri="{FF2B5EF4-FFF2-40B4-BE49-F238E27FC236}">
-                <a16:creationId xmlns:a16="http://schemas.microsoft.com/office/drawing/2014/main" id="{07E09193-70DC-4482-ACDA-1B6D39F2C6BA}"/>
-              </a:ext>
-            </a:extLst>
-          </p:cNvPr>
-          <p:cNvSpPr>
-            <a:spLocks noGrp="1"/>
-          </p:cNvSpPr>
-          <p:nvPr>
-            <p:ph type="title"/>
-          </p:nvPr>
-        </p:nvSpPr>
-        <p:spPr>
-          <a:xfrm>
-            <a:off x="943277" y="712269"/>
-            <a:ext cx="5901406" cy="903467"/>
-          </a:xfrm>
-        </p:spPr>
-        <p:txBody>
-          <a:bodyPr>
-            <a:normAutofit/>
-          </a:bodyPr>
-          <a:lstStyle/>
-          <a:p>
-            <a:r>
-              <a:rPr lang="en-US" dirty="0">
-                <a:solidFill>
-                  <a:schemeClr val="accent1"/>
-                </a:solidFill>
-              </a:rPr>
-              <a:t>Advantages:	</a:t>
-            </a:r>
-          </a:p>
-        </p:txBody>
-      </p:sp>
-      <p:graphicFrame>
-        <p:nvGraphicFramePr>
-          <p:cNvPr id="5" name="Content Placeholder 2"/>
-          <p:cNvGraphicFramePr>
-            <a:graphicFrameLocks noGrp="1"/>
-          </p:cNvGraphicFramePr>
-          <p:nvPr>
-            <p:ph idx="1"/>
-            <p:extLst>
-              <p:ext uri="{D42A27DB-BD31-4B8C-83A1-F6EECF244321}">
-                <p14:modId xmlns:p14="http://schemas.microsoft.com/office/powerpoint/2010/main" val="1650608988"/>
-              </p:ext>
-            </p:extLst>
-          </p:nvPr>
-        </p:nvGraphicFramePr>
-        <p:xfrm>
-          <a:off x="648070" y="1988598"/>
-          <a:ext cx="10900993" cy="4226465"/>
-        </p:xfrm>
-        <a:graphic>
-          <a:graphicData uri="http://schemas.openxmlformats.org/drawingml/2006/diagram">
-            <dgm:relIds xmlns:dgm="http://schemas.openxmlformats.org/drawingml/2006/diagram" xmlns:r="http://schemas.openxmlformats.org/officeDocument/2006/relationships" r:dm="rId2" r:lo="rId3" r:qs="rId4" r:cs="rId5"/>
-          </a:graphicData>
-        </a:graphic>
-      </p:graphicFrame>
-    </p:spTree>
-    <p:extLst>
-      <p:ext uri="{BB962C8B-B14F-4D97-AF65-F5344CB8AC3E}">
-        <p14:creationId xmlns:p14="http://schemas.microsoft.com/office/powerpoint/2010/main" val="1018545285"/>
-      </p:ext>
-    </p:extLst>
-  </p:cSld>
-  <p:clrMapOvr>
-    <a:masterClrMapping/>
-  </p:clrMapOvr>
-</p:sld>
-</file>
-
-<file path=ppt/slides/slide6.xml><?xml version="1.0" encoding="utf-8"?>
-<p:sld xmlns:a="http://schemas.openxmlformats.org/drawingml/2006/main" xmlns:r="http://schemas.openxmlformats.org/officeDocument/2006/relationships" xmlns:p="http://schemas.openxmlformats.org/presentationml/2006/main">
-  <p:cSld>
-    <p:bg>
-      <p:bgPr>
-        <a:solidFill>
           <a:srgbClr val="404040"/>
         </a:solidFill>
         <a:effectLst/>
@@ -19898,7 +15955,7 @@
 </p:sld>
 </file>
 
-<file path=ppt/slides/slide7.xml><?xml version="1.0" encoding="utf-8"?>
+<file path=ppt/slides/slide6.xml><?xml version="1.0" encoding="utf-8"?>
 <p:sld xmlns:a="http://schemas.openxmlformats.org/drawingml/2006/main" xmlns:r="http://schemas.openxmlformats.org/officeDocument/2006/relationships" xmlns:p="http://schemas.openxmlformats.org/presentationml/2006/main">
   <p:cSld>
     <p:spTree>
@@ -19991,7 +16048,7 @@
 </p:sld>
 </file>
 
-<file path=ppt/slides/slide8.xml><?xml version="1.0" encoding="utf-8"?>
+<file path=ppt/slides/slide7.xml><?xml version="1.0" encoding="utf-8"?>
 <p:sld xmlns:a="http://schemas.openxmlformats.org/drawingml/2006/main" xmlns:r="http://schemas.openxmlformats.org/officeDocument/2006/relationships" xmlns:p="http://schemas.openxmlformats.org/presentationml/2006/main">
   <p:cSld>
     <p:spTree>
@@ -20076,7 +16133,7 @@
 </p:sld>
 </file>
 
-<file path=ppt/slides/slide9.xml><?xml version="1.0" encoding="utf-8"?>
+<file path=ppt/slides/slide8.xml><?xml version="1.0" encoding="utf-8"?>
 <p:sld xmlns:a="http://schemas.openxmlformats.org/drawingml/2006/main" xmlns:r="http://schemas.openxmlformats.org/officeDocument/2006/relationships" xmlns:p="http://schemas.openxmlformats.org/presentationml/2006/main">
   <p:cSld>
     <p:spTree>
@@ -20168,6 +16225,131 @@
     <p:extLst>
       <p:ext uri="{BB962C8B-B14F-4D97-AF65-F5344CB8AC3E}">
         <p14:creationId xmlns:p14="http://schemas.microsoft.com/office/powerpoint/2010/main" val="1337913888"/>
+      </p:ext>
+    </p:extLst>
+  </p:cSld>
+  <p:clrMapOvr>
+    <a:masterClrMapping/>
+  </p:clrMapOvr>
+</p:sld>
+</file>
+
+<file path=ppt/slides/slide9.xml><?xml version="1.0" encoding="utf-8"?>
+<p:sld xmlns:a="http://schemas.openxmlformats.org/drawingml/2006/main" xmlns:r="http://schemas.openxmlformats.org/officeDocument/2006/relationships" xmlns:p="http://schemas.openxmlformats.org/presentationml/2006/main">
+  <p:cSld>
+    <p:spTree>
+      <p:nvGrpSpPr>
+        <p:cNvPr id="1" name=""/>
+        <p:cNvGrpSpPr/>
+        <p:nvPr/>
+      </p:nvGrpSpPr>
+      <p:grpSpPr>
+        <a:xfrm>
+          <a:off x="0" y="0"/>
+          <a:ext cx="0" cy="0"/>
+          <a:chOff x="0" y="0"/>
+          <a:chExt cx="0" cy="0"/>
+        </a:xfrm>
+      </p:grpSpPr>
+      <p:sp>
+        <p:nvSpPr>
+          <p:cNvPr id="2" name="Title 1">
+            <a:extLst>
+              <a:ext uri="{FF2B5EF4-FFF2-40B4-BE49-F238E27FC236}">
+                <a16:creationId xmlns:a16="http://schemas.microsoft.com/office/drawing/2014/main" id="{A1220870-EFCB-4D52-A83B-B797B6C89F1B}"/>
+              </a:ext>
+            </a:extLst>
+          </p:cNvPr>
+          <p:cNvSpPr>
+            <a:spLocks noGrp="1"/>
+          </p:cNvSpPr>
+          <p:nvPr>
+            <p:ph type="title"/>
+          </p:nvPr>
+        </p:nvSpPr>
+        <p:spPr>
+          <a:xfrm>
+            <a:off x="646111" y="452718"/>
+            <a:ext cx="9404723" cy="807911"/>
+          </a:xfrm>
+        </p:spPr>
+        <p:txBody>
+          <a:bodyPr/>
+          <a:lstStyle/>
+          <a:p>
+            <a:r>
+              <a:rPr lang="en-US" dirty="0"/>
+              <a:t>Machine Learning</a:t>
+            </a:r>
+          </a:p>
+        </p:txBody>
+      </p:sp>
+      <p:sp>
+        <p:nvSpPr>
+          <p:cNvPr id="3" name="Content Placeholder 2">
+            <a:extLst>
+              <a:ext uri="{FF2B5EF4-FFF2-40B4-BE49-F238E27FC236}">
+                <a16:creationId xmlns:a16="http://schemas.microsoft.com/office/drawing/2014/main" id="{8C9D5555-1AEF-4801-94DA-BDCD17A50810}"/>
+              </a:ext>
+            </a:extLst>
+          </p:cNvPr>
+          <p:cNvSpPr>
+            <a:spLocks noGrp="1"/>
+          </p:cNvSpPr>
+          <p:nvPr>
+            <p:ph idx="1"/>
+          </p:nvPr>
+        </p:nvSpPr>
+        <p:spPr>
+          <a:xfrm>
+            <a:off x="1103312" y="1606858"/>
+            <a:ext cx="8946541" cy="4641541"/>
+          </a:xfrm>
+        </p:spPr>
+        <p:txBody>
+          <a:bodyPr/>
+          <a:lstStyle/>
+          <a:p>
+            <a:r>
+              <a:rPr lang="en-US" dirty="0"/>
+              <a:t>K-Means Clustering has been used the vectors to predict which cluster it belongs to.</a:t>
+            </a:r>
+          </a:p>
+          <a:p>
+            <a:r>
+              <a:rPr lang="en-US" dirty="0"/>
+              <a:t>Sample amount of  Yahoo Answers Dataset has been used, which involves four different categories </a:t>
+            </a:r>
+          </a:p>
+          <a:p>
+            <a:r>
+              <a:rPr lang="en-US" dirty="0"/>
+              <a:t>The processing time of it took nearly 71.47 Sec’s</a:t>
+            </a:r>
+          </a:p>
+          <a:p>
+            <a:r>
+              <a:rPr lang="en-US" dirty="0"/>
+              <a:t>For classification,  We used the Naïve </a:t>
+            </a:r>
+            <a:r>
+              <a:rPr lang="en-US" dirty="0" err="1"/>
+              <a:t>bayes</a:t>
+            </a:r>
+            <a:r>
+              <a:rPr lang="en-US" dirty="0"/>
+              <a:t> and Random Forest with accuracy of 53%  and 49%</a:t>
+            </a:r>
+          </a:p>
+          <a:p>
+            <a:endParaRPr lang="en-US" dirty="0"/>
+          </a:p>
+        </p:txBody>
+      </p:sp>
+    </p:spTree>
+    <p:extLst>
+      <p:ext uri="{BB962C8B-B14F-4D97-AF65-F5344CB8AC3E}">
+        <p14:creationId xmlns:p14="http://schemas.microsoft.com/office/powerpoint/2010/main" val="1797907807"/>
       </p:ext>
     </p:extLst>
   </p:cSld>
